--- a/5_Analysis/FIGURE/flow_chart.pptx
+++ b/5_Analysis/FIGURE/flow_chart.pptx
@@ -254,7 +254,7 @@
           <a:p>
             <a:fld id="{0A596C2A-1A10-4451-984A-A3E260F1DFEF}" type="datetimeFigureOut">
               <a:rPr lang="zh-CN" altLang="en-US" smtClean="0"/>
-              <a:t>2024/3/13</a:t>
+              <a:t>2024/3/14</a:t>
             </a:fld>
             <a:endParaRPr lang="zh-CN" altLang="en-US"/>
           </a:p>
@@ -424,7 +424,7 @@
           <a:p>
             <a:fld id="{0A596C2A-1A10-4451-984A-A3E260F1DFEF}" type="datetimeFigureOut">
               <a:rPr lang="zh-CN" altLang="en-US" smtClean="0"/>
-              <a:t>2024/3/13</a:t>
+              <a:t>2024/3/14</a:t>
             </a:fld>
             <a:endParaRPr lang="zh-CN" altLang="en-US"/>
           </a:p>
@@ -604,7 +604,7 @@
           <a:p>
             <a:fld id="{0A596C2A-1A10-4451-984A-A3E260F1DFEF}" type="datetimeFigureOut">
               <a:rPr lang="zh-CN" altLang="en-US" smtClean="0"/>
-              <a:t>2024/3/13</a:t>
+              <a:t>2024/3/14</a:t>
             </a:fld>
             <a:endParaRPr lang="zh-CN" altLang="en-US"/>
           </a:p>
@@ -774,7 +774,7 @@
           <a:p>
             <a:fld id="{0A596C2A-1A10-4451-984A-A3E260F1DFEF}" type="datetimeFigureOut">
               <a:rPr lang="zh-CN" altLang="en-US" smtClean="0"/>
-              <a:t>2024/3/13</a:t>
+              <a:t>2024/3/14</a:t>
             </a:fld>
             <a:endParaRPr lang="zh-CN" altLang="en-US"/>
           </a:p>
@@ -1020,7 +1020,7 @@
           <a:p>
             <a:fld id="{0A596C2A-1A10-4451-984A-A3E260F1DFEF}" type="datetimeFigureOut">
               <a:rPr lang="zh-CN" altLang="en-US" smtClean="0"/>
-              <a:t>2024/3/13</a:t>
+              <a:t>2024/3/14</a:t>
             </a:fld>
             <a:endParaRPr lang="zh-CN" altLang="en-US"/>
           </a:p>
@@ -1252,7 +1252,7 @@
           <a:p>
             <a:fld id="{0A596C2A-1A10-4451-984A-A3E260F1DFEF}" type="datetimeFigureOut">
               <a:rPr lang="zh-CN" altLang="en-US" smtClean="0"/>
-              <a:t>2024/3/13</a:t>
+              <a:t>2024/3/14</a:t>
             </a:fld>
             <a:endParaRPr lang="zh-CN" altLang="en-US"/>
           </a:p>
@@ -1619,7 +1619,7 @@
           <a:p>
             <a:fld id="{0A596C2A-1A10-4451-984A-A3E260F1DFEF}" type="datetimeFigureOut">
               <a:rPr lang="zh-CN" altLang="en-US" smtClean="0"/>
-              <a:t>2024/3/13</a:t>
+              <a:t>2024/3/14</a:t>
             </a:fld>
             <a:endParaRPr lang="zh-CN" altLang="en-US"/>
           </a:p>
@@ -1737,7 +1737,7 @@
           <a:p>
             <a:fld id="{0A596C2A-1A10-4451-984A-A3E260F1DFEF}" type="datetimeFigureOut">
               <a:rPr lang="zh-CN" altLang="en-US" smtClean="0"/>
-              <a:t>2024/3/13</a:t>
+              <a:t>2024/3/14</a:t>
             </a:fld>
             <a:endParaRPr lang="zh-CN" altLang="en-US"/>
           </a:p>
@@ -1832,7 +1832,7 @@
           <a:p>
             <a:fld id="{0A596C2A-1A10-4451-984A-A3E260F1DFEF}" type="datetimeFigureOut">
               <a:rPr lang="zh-CN" altLang="en-US" smtClean="0"/>
-              <a:t>2024/3/13</a:t>
+              <a:t>2024/3/14</a:t>
             </a:fld>
             <a:endParaRPr lang="zh-CN" altLang="en-US"/>
           </a:p>
@@ -2109,7 +2109,7 @@
           <a:p>
             <a:fld id="{0A596C2A-1A10-4451-984A-A3E260F1DFEF}" type="datetimeFigureOut">
               <a:rPr lang="zh-CN" altLang="en-US" smtClean="0"/>
-              <a:t>2024/3/13</a:t>
+              <a:t>2024/3/14</a:t>
             </a:fld>
             <a:endParaRPr lang="zh-CN" altLang="en-US"/>
           </a:p>
@@ -2366,7 +2366,7 @@
           <a:p>
             <a:fld id="{0A596C2A-1A10-4451-984A-A3E260F1DFEF}" type="datetimeFigureOut">
               <a:rPr lang="zh-CN" altLang="en-US" smtClean="0"/>
-              <a:t>2024/3/13</a:t>
+              <a:t>2024/3/14</a:t>
             </a:fld>
             <a:endParaRPr lang="zh-CN" altLang="en-US"/>
           </a:p>
@@ -2579,7 +2579,7 @@
           <a:p>
             <a:fld id="{0A596C2A-1A10-4451-984A-A3E260F1DFEF}" type="datetimeFigureOut">
               <a:rPr lang="zh-CN" altLang="en-US" smtClean="0"/>
-              <a:t>2024/3/13</a:t>
+              <a:t>2024/3/14</a:t>
             </a:fld>
             <a:endParaRPr lang="zh-CN" altLang="en-US"/>
           </a:p>
@@ -3000,8 +3000,8 @@
         </p:nvSpPr>
         <p:spPr bwMode="auto">
           <a:xfrm>
-            <a:off x="752555" y="4711381"/>
-            <a:ext cx="1679653" cy="527050"/>
+            <a:off x="1806292" y="4828858"/>
+            <a:ext cx="1674889" cy="592453"/>
           </a:xfrm>
           <a:prstGeom prst="rect">
             <a:avLst/>
@@ -3062,21 +3062,10 @@
                 <a:ea typeface="宋体" panose="02010600030101010101" pitchFamily="2" charset="-122"/>
                 <a:cs typeface="Times New Roman" panose="02020603050405020304" pitchFamily="18" charset="0"/>
               </a:rPr>
-              <a:t>Public or Upon </a:t>
-            </a:r>
-            <a:r>
-              <a:rPr lang="en-AU" altLang="zh-CN" sz="900" dirty="0">
-                <a:solidFill>
-                  <a:srgbClr val="000000"/>
-                </a:solidFill>
-                <a:latin typeface="Times New Roman" panose="02020603050405020304" pitchFamily="18" charset="0"/>
-                <a:ea typeface="宋体" panose="02010600030101010101" pitchFamily="2" charset="-122"/>
-                <a:cs typeface="Times New Roman" panose="02020603050405020304" pitchFamily="18" charset="0"/>
-              </a:rPr>
-              <a:t>R</a:t>
-            </a:r>
-            <a:r>
-              <a:rPr kumimoji="0" lang="en-AU" altLang="zh-CN" sz="900" b="0" i="0" u="none" strike="noStrike" cap="none" normalizeH="0" baseline="0" dirty="0">
+              <a:t>Reports</a:t>
+            </a:r>
+            <a:r>
+              <a:rPr kumimoji="0" lang="zh-CN" altLang="en-US" sz="900" b="0" i="0" u="none" strike="noStrike" cap="none" normalizeH="0" baseline="0" dirty="0">
                 <a:ln>
                   <a:noFill/>
                 </a:ln>
@@ -3088,39 +3077,10 @@
                 <a:ea typeface="宋体" panose="02010600030101010101" pitchFamily="2" charset="-122"/>
                 <a:cs typeface="Times New Roman" panose="02020603050405020304" pitchFamily="18" charset="0"/>
               </a:rPr>
-              <a:t>equest</a:t>
-            </a:r>
-            <a:endParaRPr kumimoji="0" lang="en-AU" altLang="zh-CN" sz="600" b="0" i="0" u="none" strike="noStrike" cap="none" normalizeH="0" baseline="0" dirty="0">
-              <a:ln>
-                <a:noFill/>
-              </a:ln>
-              <a:solidFill>
-                <a:schemeClr val="tx1"/>
-              </a:solidFill>
-              <a:effectLst/>
-              <a:latin typeface="Times New Roman" panose="02020603050405020304" pitchFamily="18" charset="0"/>
-              <a:cs typeface="Times New Roman" panose="02020603050405020304" pitchFamily="18" charset="0"/>
-            </a:endParaRPr>
-          </a:p>
-          <a:p>
-            <a:pPr marL="0" marR="0" lvl="0" indent="0" algn="ctr" defTabSz="914400" rtl="0" eaLnBrk="0" fontAlgn="base" latinLnBrk="0" hangingPunct="0">
-              <a:lnSpc>
-                <a:spcPct val="100000"/>
-              </a:lnSpc>
-              <a:spcBef>
-                <a:spcPct val="0"/>
-              </a:spcBef>
-              <a:spcAft>
-                <a:spcPts val="600"/>
-              </a:spcAft>
-              <a:buClrTx/>
-              <a:buSzTx/>
-              <a:buFontTx/>
-              <a:buNone/>
-              <a:tabLst/>
-            </a:pPr>
-            <a:r>
-              <a:rPr kumimoji="0" lang="en-AU" altLang="zh-CN" sz="900" b="0" i="0" u="none" strike="noStrike" cap="none" normalizeH="0" baseline="0" dirty="0">
+              <a:t> </a:t>
+            </a:r>
+            <a:r>
+              <a:rPr kumimoji="0" lang="en-US" altLang="zh-CN" sz="900" b="0" i="0" u="none" strike="noStrike" cap="none" normalizeH="0" baseline="0" dirty="0">
                 <a:ln>
                   <a:noFill/>
                 </a:ln>
@@ -3132,7 +3092,111 @@
                 <a:ea typeface="宋体" panose="02010600030101010101" pitchFamily="2" charset="-122"/>
                 <a:cs typeface="Times New Roman" panose="02020603050405020304" pitchFamily="18" charset="0"/>
               </a:rPr>
-              <a:t>(n = 16)</a:t>
+              <a:t>with</a:t>
+            </a:r>
+            <a:r>
+              <a:rPr kumimoji="0" lang="zh-CN" altLang="en-US" sz="900" b="0" i="0" u="none" strike="noStrike" cap="none" normalizeH="0" baseline="0" dirty="0">
+                <a:ln>
+                  <a:noFill/>
+                </a:ln>
+                <a:solidFill>
+                  <a:srgbClr val="000000"/>
+                </a:solidFill>
+                <a:effectLst/>
+                <a:latin typeface="Times New Roman" panose="02020603050405020304" pitchFamily="18" charset="0"/>
+                <a:ea typeface="宋体" panose="02010600030101010101" pitchFamily="2" charset="-122"/>
+                <a:cs typeface="Times New Roman" panose="02020603050405020304" pitchFamily="18" charset="0"/>
+              </a:rPr>
+              <a:t> </a:t>
+            </a:r>
+            <a:r>
+              <a:rPr kumimoji="0" lang="en-US" altLang="zh-CN" sz="900" b="0" i="0" u="none" strike="noStrike" cap="none" normalizeH="0" baseline="0" dirty="0">
+                <a:ln>
+                  <a:noFill/>
+                </a:ln>
+                <a:solidFill>
+                  <a:srgbClr val="000000"/>
+                </a:solidFill>
+                <a:effectLst/>
+                <a:latin typeface="Times New Roman" panose="02020603050405020304" pitchFamily="18" charset="0"/>
+                <a:ea typeface="宋体" panose="02010600030101010101" pitchFamily="2" charset="-122"/>
+                <a:cs typeface="Times New Roman" panose="02020603050405020304" pitchFamily="18" charset="0"/>
+              </a:rPr>
+              <a:t>potentially </a:t>
+            </a:r>
+            <a:r>
+              <a:rPr lang="en-US" altLang="zh-CN" sz="900" dirty="0">
+                <a:solidFill>
+                  <a:srgbClr val="000000"/>
+                </a:solidFill>
+                <a:latin typeface="Times New Roman" panose="02020603050405020304" pitchFamily="18" charset="0"/>
+                <a:ea typeface="宋体" panose="02010600030101010101" pitchFamily="2" charset="-122"/>
+                <a:cs typeface="Times New Roman" panose="02020603050405020304" pitchFamily="18" charset="0"/>
+              </a:rPr>
+              <a:t>accessible</a:t>
+            </a:r>
+            <a:r>
+              <a:rPr lang="zh-CN" altLang="en-US" sz="900" dirty="0">
+                <a:solidFill>
+                  <a:srgbClr val="000000"/>
+                </a:solidFill>
+                <a:latin typeface="Times New Roman" panose="02020603050405020304" pitchFamily="18" charset="0"/>
+                <a:ea typeface="宋体" panose="02010600030101010101" pitchFamily="2" charset="-122"/>
+                <a:cs typeface="Times New Roman" panose="02020603050405020304" pitchFamily="18" charset="0"/>
+              </a:rPr>
+              <a:t> </a:t>
+            </a:r>
+            <a:r>
+              <a:rPr lang="en-US" altLang="zh-CN" sz="900" dirty="0">
+                <a:solidFill>
+                  <a:srgbClr val="000000"/>
+                </a:solidFill>
+                <a:latin typeface="Times New Roman" panose="02020603050405020304" pitchFamily="18" charset="0"/>
+                <a:ea typeface="宋体" panose="02010600030101010101" pitchFamily="2" charset="-122"/>
+                <a:cs typeface="Times New Roman" panose="02020603050405020304" pitchFamily="18" charset="0"/>
+              </a:rPr>
+              <a:t>data </a:t>
+            </a:r>
+            <a:r>
+              <a:rPr kumimoji="0" lang="en-AU" altLang="zh-CN" sz="900" b="0" i="0" u="none" strike="noStrike" cap="none" normalizeH="0" baseline="0" dirty="0">
+                <a:ln>
+                  <a:noFill/>
+                </a:ln>
+                <a:solidFill>
+                  <a:srgbClr val="000000"/>
+                </a:solidFill>
+                <a:effectLst/>
+                <a:latin typeface="Times New Roman" panose="02020603050405020304" pitchFamily="18" charset="0"/>
+                <a:ea typeface="宋体" panose="02010600030101010101" pitchFamily="2" charset="-122"/>
+                <a:cs typeface="Times New Roman" panose="02020603050405020304" pitchFamily="18" charset="0"/>
+              </a:rPr>
+              <a:t>(n = </a:t>
+            </a:r>
+            <a:r>
+              <a:rPr lang="en-AU" altLang="zh-CN" sz="900" dirty="0">
+                <a:solidFill>
+                  <a:srgbClr val="000000"/>
+                </a:solidFill>
+                <a:latin typeface="Times New Roman" panose="02020603050405020304" pitchFamily="18" charset="0"/>
+                <a:ea typeface="宋体" panose="02010600030101010101" pitchFamily="2" charset="-122"/>
+                <a:cs typeface="Times New Roman" panose="02020603050405020304" pitchFamily="18" charset="0"/>
+              </a:rPr>
+              <a:t>36</a:t>
+            </a:r>
+            <a:r>
+              <a:rPr kumimoji="0" lang="en-AU" altLang="zh-CN" sz="900" b="0" i="0" u="none" strike="noStrike" cap="none" normalizeH="0" baseline="0" dirty="0">
+                <a:ln>
+                  <a:noFill/>
+                </a:ln>
+                <a:solidFill>
+                  <a:srgbClr val="000000"/>
+                </a:solidFill>
+                <a:effectLst/>
+                <a:latin typeface="Times New Roman" panose="02020603050405020304" pitchFamily="18" charset="0"/>
+                <a:ea typeface="宋体" panose="02010600030101010101" pitchFamily="2" charset="-122"/>
+                <a:cs typeface="Times New Roman" panose="02020603050405020304" pitchFamily="18" charset="0"/>
+              </a:rPr>
+              <a:t>)</a:t>
             </a:r>
             <a:endParaRPr kumimoji="0" lang="en-AU" altLang="zh-CN" sz="1800" b="0" i="0" u="none" strike="noStrike" cap="none" normalizeH="0" baseline="0" dirty="0">
               <a:ln>
@@ -3164,169 +3228,96 @@
         </p:nvSpPr>
         <p:spPr bwMode="auto">
           <a:xfrm>
-            <a:off x="5799931" y="1015521"/>
-            <a:ext cx="1887538" cy="896937"/>
+            <a:off x="6844043" y="1198401"/>
+            <a:ext cx="2269550" cy="896937"/>
           </a:xfrm>
           <a:prstGeom prst="rect">
             <a:avLst/>
           </a:prstGeom>
           <a:noFill/>
-          <a:ln w="12700">
+          <a:ln>
             <a:solidFill>
-              <a:srgbClr val="000000"/>
+              <a:schemeClr val="tx1"/>
             </a:solidFill>
-            <a:miter lim="800000"/>
-            <a:headEnd/>
-            <a:tailEnd/>
           </a:ln>
-          <a:extLst>
-            <a:ext uri="{909E8E84-426E-40DD-AFC4-6F175D3DCCD1}">
-              <a14:hiddenFill xmlns:a14="http://schemas.microsoft.com/office/drawing/2010/main">
-                <a:solidFill>
-                  <a:srgbClr val="FFFFFF"/>
-                </a:solidFill>
-              </a14:hiddenFill>
-            </a:ext>
-          </a:extLst>
         </p:spPr>
-        <p:txBody>
-          <a:bodyPr vert="horz" wrap="square" lIns="91440" tIns="45720" rIns="91440" bIns="45720" numCol="1" anchor="ctr" anchorCtr="0" compatLnSpc="1">
+        <p:style>
+          <a:lnRef idx="2">
+            <a:schemeClr val="accent1">
+              <a:shade val="50000"/>
+            </a:schemeClr>
+          </a:lnRef>
+          <a:fillRef idx="1">
+            <a:schemeClr val="accent1"/>
+          </a:fillRef>
+          <a:effectRef idx="0">
+            <a:schemeClr val="accent1"/>
+          </a:effectRef>
+          <a:fontRef idx="minor">
+            <a:schemeClr val="lt1"/>
+          </a:fontRef>
+        </p:style>
+        <p:txBody>
+          <a:bodyPr rot="0" spcFirstLastPara="0" vert="horz" wrap="square" lIns="91440" tIns="45720" rIns="91440" bIns="45720" numCol="1" spcCol="0" rtlCol="0" fromWordArt="0" anchor="ctr" anchorCtr="0" forceAA="0" compatLnSpc="1">
             <a:prstTxWarp prst="textNoShape">
               <a:avLst/>
             </a:prstTxWarp>
+            <a:noAutofit/>
           </a:bodyPr>
           <a:lstStyle/>
           <a:p>
-            <a:pPr marL="0" marR="0" lvl="0" indent="0" algn="ctr" defTabSz="914400" rtl="0" eaLnBrk="0" fontAlgn="base" latinLnBrk="0" hangingPunct="0">
-              <a:lnSpc>
-                <a:spcPct val="100000"/>
-              </a:lnSpc>
-              <a:spcBef>
-                <a:spcPct val="0"/>
-              </a:spcBef>
+            <a:pPr algn="ctr">
               <a:spcAft>
-                <a:spcPct val="0"/>
+                <a:spcPts val="600"/>
               </a:spcAft>
-              <a:buClrTx/>
-              <a:buSzTx/>
-              <a:buFontTx/>
-              <a:buNone/>
-              <a:tabLst/>
             </a:pPr>
             <a:r>
-              <a:rPr kumimoji="0" lang="en-AU" altLang="zh-CN" sz="900" b="0" i="0" u="none" strike="noStrike" cap="none" normalizeH="0" baseline="0" dirty="0">
-                <a:ln>
-                  <a:noFill/>
-                </a:ln>
+              <a:rPr lang="en-AU" altLang="zh-CN" sz="900" b="1" dirty="0">
                 <a:solidFill>
                   <a:srgbClr val="000000"/>
                 </a:solidFill>
-                <a:effectLst/>
                 <a:latin typeface="Times New Roman" panose="02020603050405020304" pitchFamily="18" charset="0"/>
                 <a:ea typeface="宋体" panose="02010600030101010101" pitchFamily="2" charset="-122"/>
                 <a:cs typeface="Times New Roman" panose="02020603050405020304" pitchFamily="18" charset="0"/>
               </a:rPr>
-              <a:t>Records from:</a:t>
-            </a:r>
-            <a:endParaRPr kumimoji="0" lang="en-AU" altLang="zh-CN" sz="600" b="0" i="0" u="none" strike="noStrike" cap="none" normalizeH="0" baseline="0" dirty="0">
-              <a:ln>
-                <a:noFill/>
-              </a:ln>
-              <a:solidFill>
-                <a:schemeClr val="tx1"/>
-              </a:solidFill>
-              <a:effectLst/>
-              <a:latin typeface="Times New Roman" panose="02020603050405020304" pitchFamily="18" charset="0"/>
-              <a:cs typeface="Times New Roman" panose="02020603050405020304" pitchFamily="18" charset="0"/>
-            </a:endParaRPr>
-          </a:p>
-          <a:p>
-            <a:pPr marL="0" marR="0" lvl="0" indent="0" algn="ctr" defTabSz="914400" rtl="0" eaLnBrk="0" fontAlgn="base" latinLnBrk="0" hangingPunct="0">
-              <a:lnSpc>
-                <a:spcPct val="100000"/>
-              </a:lnSpc>
-              <a:spcBef>
-                <a:spcPct val="0"/>
-              </a:spcBef>
+              <a:t>Records identified from other sources:</a:t>
+            </a:r>
+          </a:p>
+          <a:p>
+            <a:pPr algn="ctr">
               <a:spcAft>
-                <a:spcPct val="0"/>
+                <a:spcPts val="600"/>
               </a:spcAft>
-              <a:buClrTx/>
-              <a:buSzTx/>
-              <a:buFontTx/>
-              <a:buNone/>
-              <a:tabLst/>
             </a:pPr>
             <a:r>
-              <a:rPr kumimoji="0" lang="en-AU" altLang="zh-CN" sz="900" b="0" i="0" u="none" strike="noStrike" cap="none" normalizeH="0" baseline="0" dirty="0">
-                <a:ln>
-                  <a:noFill/>
-                </a:ln>
+              <a:rPr lang="en-AU" altLang="zh-CN" sz="900" dirty="0">
                 <a:solidFill>
                   <a:srgbClr val="000000"/>
                 </a:solidFill>
-                <a:effectLst/>
                 <a:latin typeface="Times New Roman" panose="02020603050405020304" pitchFamily="18" charset="0"/>
                 <a:ea typeface="宋体" panose="02010600030101010101" pitchFamily="2" charset="-122"/>
                 <a:cs typeface="Times New Roman" panose="02020603050405020304" pitchFamily="18" charset="0"/>
               </a:rPr>
               <a:t>Lab Data (n = 1)</a:t>
             </a:r>
-            <a:endParaRPr kumimoji="0" lang="en-AU" altLang="zh-CN" sz="600" b="0" i="0" u="none" strike="noStrike" cap="none" normalizeH="0" baseline="0" dirty="0">
-              <a:ln>
-                <a:noFill/>
-              </a:ln>
-              <a:solidFill>
-                <a:schemeClr val="tx1"/>
-              </a:solidFill>
-              <a:effectLst/>
-              <a:latin typeface="Times New Roman" panose="02020603050405020304" pitchFamily="18" charset="0"/>
-              <a:cs typeface="Times New Roman" panose="02020603050405020304" pitchFamily="18" charset="0"/>
-            </a:endParaRPr>
-          </a:p>
-          <a:p>
-            <a:pPr marL="0" marR="0" lvl="0" indent="0" algn="ctr" defTabSz="914400" rtl="0" eaLnBrk="0" fontAlgn="base" latinLnBrk="0" hangingPunct="0">
-              <a:lnSpc>
-                <a:spcPct val="100000"/>
-              </a:lnSpc>
-              <a:spcBef>
-                <a:spcPct val="0"/>
-              </a:spcBef>
+          </a:p>
+          <a:p>
+            <a:pPr algn="ctr">
               <a:spcAft>
-                <a:spcPct val="0"/>
+                <a:spcPts val="600"/>
               </a:spcAft>
-              <a:buClrTx/>
-              <a:buSzTx/>
-              <a:buFontTx/>
-              <a:buNone/>
-              <a:tabLst/>
             </a:pPr>
             <a:r>
-              <a:rPr kumimoji="0" lang="en-AU" altLang="zh-CN" sz="900" b="0" i="0" u="none" strike="noStrike" cap="none" normalizeH="0" baseline="0" dirty="0">
-                <a:ln>
-                  <a:noFill/>
-                </a:ln>
+              <a:rPr lang="en-AU" altLang="zh-CN" sz="900" dirty="0">
                 <a:solidFill>
                   <a:srgbClr val="000000"/>
                 </a:solidFill>
-                <a:effectLst/>
                 <a:latin typeface="Times New Roman" panose="02020603050405020304" pitchFamily="18" charset="0"/>
                 <a:ea typeface="宋体" panose="02010600030101010101" pitchFamily="2" charset="-122"/>
                 <a:cs typeface="Times New Roman" panose="02020603050405020304" pitchFamily="18" charset="0"/>
               </a:rPr>
               <a:t>Collaborator (n = 1)</a:t>
             </a:r>
-            <a:endParaRPr kumimoji="0" lang="en-AU" altLang="zh-CN" sz="600" b="0" i="0" u="none" strike="noStrike" cap="none" normalizeH="0" baseline="0" dirty="0">
-              <a:ln>
-                <a:noFill/>
-              </a:ln>
-              <a:solidFill>
-                <a:schemeClr val="tx1"/>
-              </a:solidFill>
-              <a:effectLst/>
-              <a:latin typeface="Times New Roman" panose="02020603050405020304" pitchFamily="18" charset="0"/>
-              <a:cs typeface="Times New Roman" panose="02020603050405020304" pitchFamily="18" charset="0"/>
-            </a:endParaRPr>
           </a:p>
         </p:txBody>
       </p:sp>
@@ -3346,8 +3337,8 @@
         </p:nvSpPr>
         <p:spPr bwMode="auto">
           <a:xfrm>
-            <a:off x="566738" y="523875"/>
-            <a:ext cx="4416425" cy="282575"/>
+            <a:off x="1620475" y="706755"/>
+            <a:ext cx="4507262" cy="282575"/>
           </a:xfrm>
           <a:prstGeom prst="flowChartAlternateProcess">
             <a:avLst/>
@@ -3433,8 +3424,8 @@
         </p:nvSpPr>
         <p:spPr bwMode="auto">
           <a:xfrm>
-            <a:off x="5184775" y="522288"/>
-            <a:ext cx="3117850" cy="292100"/>
+            <a:off x="6461090" y="705168"/>
+            <a:ext cx="2895272" cy="282575"/>
           </a:xfrm>
           <a:prstGeom prst="flowChartAlternateProcess">
             <a:avLst/>
@@ -3520,7 +3511,7 @@
         </p:nvSpPr>
         <p:spPr bwMode="auto">
           <a:xfrm rot="-5400000">
-            <a:off x="-380206" y="1324769"/>
+            <a:off x="673531" y="1507649"/>
             <a:ext cx="1281112" cy="311150"/>
           </a:xfrm>
           <a:prstGeom prst="flowChartAlternateProcess">
@@ -3607,7 +3598,7 @@
         </p:nvSpPr>
         <p:spPr bwMode="auto">
           <a:xfrm rot="-5400000">
-            <a:off x="-1216024" y="3665537"/>
+            <a:off x="-162287" y="3848417"/>
             <a:ext cx="2932112" cy="303213"/>
           </a:xfrm>
           <a:prstGeom prst="flowChartAlternateProcess">
@@ -3694,7 +3685,7 @@
         </p:nvSpPr>
         <p:spPr bwMode="auto">
           <a:xfrm rot="-5400000">
-            <a:off x="-157956" y="5744369"/>
+            <a:off x="895781" y="5927249"/>
             <a:ext cx="811212" cy="298450"/>
           </a:xfrm>
           <a:prstGeom prst="flowChartAlternateProcess">
@@ -3782,9 +3773,9 @@
           <p:nvPr/>
         </p:nvCxnSpPr>
         <p:spPr>
-          <a:xfrm flipH="1">
-            <a:off x="1590000" y="5238431"/>
-            <a:ext cx="2382" cy="338457"/>
+          <a:xfrm>
+            <a:off x="2643737" y="5421311"/>
+            <a:ext cx="0" cy="338457"/>
           </a:xfrm>
           <a:prstGeom prst="straightConnector1">
             <a:avLst/>
@@ -3827,8 +3818,8 @@
         </p:nvSpPr>
         <p:spPr bwMode="auto">
           <a:xfrm>
-            <a:off x="2925206" y="4645978"/>
-            <a:ext cx="2053434" cy="662302"/>
+            <a:off x="3978943" y="4719228"/>
+            <a:ext cx="2053091" cy="811642"/>
           </a:xfrm>
           <a:prstGeom prst="rect">
             <a:avLst/>
@@ -3933,17 +3924,11 @@
                 <a:ea typeface="宋体" panose="02010600030101010101" pitchFamily="2" charset="-122"/>
                 <a:cs typeface="Times New Roman" panose="02020603050405020304" pitchFamily="18" charset="0"/>
               </a:rPr>
-              <a:t>Trial-level data unavailable </a:t>
-            </a:r>
-            <a:endParaRPr kumimoji="0" lang="en-AU" altLang="zh-CN" sz="600" b="0" i="0" u="none" strike="noStrike" cap="none" normalizeH="0" baseline="0" dirty="0">
-              <a:ln>
-                <a:noFill/>
-              </a:ln>
-              <a:solidFill>
-                <a:schemeClr val="tx1"/>
-              </a:solidFill>
-              <a:effectLst/>
+              <a:t>Trial-level data unavailable (n = 7)</a:t>
+            </a:r>
+            <a:endParaRPr lang="en-AU" altLang="zh-CN" dirty="0">
               <a:latin typeface="Times New Roman" panose="02020603050405020304" pitchFamily="18" charset="0"/>
+              <a:ea typeface="宋体" panose="02010600030101010101" pitchFamily="2" charset="-122"/>
               <a:cs typeface="Times New Roman" panose="02020603050405020304" pitchFamily="18" charset="0"/>
             </a:endParaRPr>
           </a:p>
@@ -3977,19 +3962,8 @@
                 <a:ea typeface="宋体" panose="02010600030101010101" pitchFamily="2" charset="-122"/>
                 <a:cs typeface="Times New Roman" panose="02020603050405020304" pitchFamily="18" charset="0"/>
               </a:rPr>
-              <a:t>(n = 7)</a:t>
-            </a:r>
-            <a:endParaRPr kumimoji="0" lang="en-AU" altLang="zh-CN" sz="1800" b="0" i="0" u="none" strike="noStrike" cap="none" normalizeH="0" baseline="0" dirty="0">
-              <a:ln>
-                <a:noFill/>
-              </a:ln>
-              <a:solidFill>
-                <a:schemeClr val="tx1"/>
-              </a:solidFill>
-              <a:effectLst/>
-              <a:latin typeface="Times New Roman" panose="02020603050405020304" pitchFamily="18" charset="0"/>
-              <a:cs typeface="Times New Roman" panose="02020603050405020304" pitchFamily="18" charset="0"/>
-            </a:endParaRPr>
+              <a:t>Empty repository ()</a:t>
+            </a:r>
           </a:p>
         </p:txBody>
       </p:sp>
@@ -4009,7 +3983,7 @@
         </p:nvSpPr>
         <p:spPr bwMode="auto">
           <a:xfrm>
-            <a:off x="752555" y="5576888"/>
+            <a:off x="1806292" y="5759768"/>
             <a:ext cx="1674889" cy="723900"/>
           </a:xfrm>
           <a:prstGeom prst="rect">
@@ -4115,7 +4089,7 @@
                 <a:ea typeface="宋体" panose="02010600030101010101" pitchFamily="2" charset="-122"/>
                 <a:cs typeface="Times New Roman" panose="02020603050405020304" pitchFamily="18" charset="0"/>
               </a:rPr>
-              <a:t>(n = 11 (9+2))</a:t>
+              <a:t>(n = xx (xx+2))</a:t>
             </a:r>
             <a:endParaRPr kumimoji="0" lang="en-AU" altLang="zh-CN" sz="1800" b="0" i="0" u="none" strike="noStrike" cap="none" normalizeH="0" baseline="0" dirty="0">
               <a:ln>
@@ -4125,6 +4099,78 @@
                 <a:schemeClr val="tx1"/>
               </a:solidFill>
               <a:effectLst/>
+              <a:latin typeface="Times New Roman" panose="02020603050405020304" pitchFamily="18" charset="0"/>
+              <a:cs typeface="Times New Roman" panose="02020603050405020304" pitchFamily="18" charset="0"/>
+            </a:endParaRPr>
+          </a:p>
+        </p:txBody>
+      </p:sp>
+      <p:sp>
+        <p:nvSpPr>
+          <p:cNvPr id="28" name="Rectangle 42">
+            <a:extLst>
+              <a:ext uri="{FF2B5EF4-FFF2-40B4-BE49-F238E27FC236}">
+                <a16:creationId xmlns:a16="http://schemas.microsoft.com/office/drawing/2014/main" id="{76F1EE05-D235-7A0A-4BC7-D4BE26DE3705}"/>
+              </a:ext>
+            </a:extLst>
+          </p:cNvPr>
+          <p:cNvSpPr>
+            <a:spLocks noChangeArrowheads="1"/>
+          </p:cNvSpPr>
+          <p:nvPr/>
+        </p:nvSpPr>
+        <p:spPr bwMode="auto">
+          <a:xfrm>
+            <a:off x="0" y="272534"/>
+            <a:ext cx="184731" cy="369332"/>
+          </a:xfrm>
+          <a:prstGeom prst="rect">
+            <a:avLst/>
+          </a:prstGeom>
+          <a:noFill/>
+          <a:ln>
+            <a:noFill/>
+          </a:ln>
+          <a:effectLst/>
+          <a:extLst>
+            <a:ext uri="{909E8E84-426E-40DD-AFC4-6F175D3DCCD1}">
+              <a14:hiddenFill xmlns:a14="http://schemas.microsoft.com/office/drawing/2010/main">
+                <a:solidFill>
+                  <a:schemeClr val="accent1"/>
+                </a:solidFill>
+              </a14:hiddenFill>
+            </a:ext>
+            <a:ext uri="{91240B29-F687-4F45-9708-019B960494DF}">
+              <a14:hiddenLine xmlns:a14="http://schemas.microsoft.com/office/drawing/2010/main" w="9525">
+                <a:solidFill>
+                  <a:schemeClr val="tx1"/>
+                </a:solidFill>
+                <a:miter lim="800000"/>
+                <a:headEnd/>
+                <a:tailEnd/>
+              </a14:hiddenLine>
+            </a:ext>
+            <a:ext uri="{AF507438-7753-43E0-B8FC-AC1667EBCBE1}">
+              <a14:hiddenEffects xmlns:a14="http://schemas.microsoft.com/office/drawing/2010/main">
+                <a:effectLst>
+                  <a:outerShdw dist="35921" dir="2700000" algn="ctr" rotWithShape="0">
+                    <a:schemeClr val="bg2"/>
+                  </a:outerShdw>
+                </a:effectLst>
+              </a14:hiddenEffects>
+            </a:ext>
+          </a:extLst>
+        </p:spPr>
+        <p:txBody>
+          <a:bodyPr vert="horz" wrap="none" lIns="91440" tIns="45720" rIns="91440" bIns="45720" numCol="1" anchor="ctr" anchorCtr="0" compatLnSpc="1">
+            <a:prstTxWarp prst="textNoShape">
+              <a:avLst/>
+            </a:prstTxWarp>
+            <a:spAutoFit/>
+          </a:bodyPr>
+          <a:lstStyle/>
+          <a:p>
+            <a:endParaRPr lang="zh-CN" altLang="en-US">
               <a:latin typeface="Times New Roman" panose="02020603050405020304" pitchFamily="18" charset="0"/>
               <a:cs typeface="Times New Roman" panose="02020603050405020304" pitchFamily="18" charset="0"/>
             </a:endParaRPr>
@@ -4147,9 +4193,9 @@
           <p:nvPr/>
         </p:nvCxnSpPr>
         <p:spPr>
-          <a:xfrm flipH="1">
-            <a:off x="2427444" y="5938837"/>
-            <a:ext cx="4316256" cy="1"/>
+          <a:xfrm flipH="1" flipV="1">
+            <a:off x="3481181" y="6121718"/>
+            <a:ext cx="4507262" cy="7272"/>
           </a:xfrm>
           <a:prstGeom prst="straightConnector1">
             <a:avLst/>
@@ -4178,23 +4224,23 @@
       </p:cxnSp>
       <p:cxnSp>
         <p:nvCxnSpPr>
-          <p:cNvPr id="62" name="直接连接符 61">
+          <p:cNvPr id="65" name="直接连接符 64">
             <a:extLst>
               <a:ext uri="{FF2B5EF4-FFF2-40B4-BE49-F238E27FC236}">
-                <a16:creationId xmlns:a16="http://schemas.microsoft.com/office/drawing/2014/main" id="{D7364D1D-D102-2E80-1758-911FB379FE03}"/>
+                <a16:creationId xmlns:a16="http://schemas.microsoft.com/office/drawing/2014/main" id="{BF3C65B8-619F-79E6-0733-CB9D26932C81}"/>
               </a:ext>
             </a:extLst>
           </p:cNvPr>
           <p:cNvCxnSpPr>
             <a:cxnSpLocks/>
-            <a:stCxn id="22" idx="2"/>
+            <a:stCxn id="8" idx="2"/>
           </p:cNvCxnSpPr>
           <p:nvPr/>
         </p:nvCxnSpPr>
         <p:spPr>
           <a:xfrm>
-            <a:off x="3951923" y="5308280"/>
-            <a:ext cx="0" cy="622619"/>
+            <a:off x="7978818" y="2095338"/>
+            <a:ext cx="9625" cy="4033652"/>
           </a:xfrm>
           <a:prstGeom prst="line">
             <a:avLst/>
@@ -4220,50 +4266,6 @@
           </a:fontRef>
         </p:style>
       </p:cxnSp>
-      <p:cxnSp>
-        <p:nvCxnSpPr>
-          <p:cNvPr id="65" name="直接连接符 64">
-            <a:extLst>
-              <a:ext uri="{FF2B5EF4-FFF2-40B4-BE49-F238E27FC236}">
-                <a16:creationId xmlns:a16="http://schemas.microsoft.com/office/drawing/2014/main" id="{BF3C65B8-619F-79E6-0733-CB9D26932C81}"/>
-              </a:ext>
-            </a:extLst>
-          </p:cNvPr>
-          <p:cNvCxnSpPr>
-            <a:cxnSpLocks/>
-            <a:stCxn id="8" idx="2"/>
-          </p:cNvCxnSpPr>
-          <p:nvPr/>
-        </p:nvCxnSpPr>
-        <p:spPr>
-          <a:xfrm>
-            <a:off x="6743700" y="1912458"/>
-            <a:ext cx="1" cy="4026379"/>
-          </a:xfrm>
-          <a:prstGeom prst="line">
-            <a:avLst/>
-          </a:prstGeom>
-          <a:ln w="12700">
-            <a:solidFill>
-              <a:schemeClr val="tx1"/>
-            </a:solidFill>
-          </a:ln>
-        </p:spPr>
-        <p:style>
-          <a:lnRef idx="2">
-            <a:schemeClr val="accent1"/>
-          </a:lnRef>
-          <a:fillRef idx="0">
-            <a:schemeClr val="accent1"/>
-          </a:fillRef>
-          <a:effectRef idx="1">
-            <a:schemeClr val="accent1"/>
-          </a:effectRef>
-          <a:fontRef idx="minor">
-            <a:schemeClr val="tx1"/>
-          </a:fontRef>
-        </p:style>
-      </p:cxnSp>
       <p:sp>
         <p:nvSpPr>
           <p:cNvPr id="21" name="Rectangle 1">
@@ -4278,7 +4280,7 @@
         </p:nvSpPr>
         <p:spPr>
           <a:xfrm>
-            <a:off x="752555" y="938845"/>
+            <a:off x="1806292" y="1121725"/>
             <a:ext cx="1679654" cy="1050290"/>
           </a:xfrm>
           <a:prstGeom prst="rect">
@@ -4355,7 +4357,31 @@
                 <a:ea typeface="宋体" panose="02010600030101010101" pitchFamily="2" charset="-122"/>
                 <a:cs typeface="Times New Roman" panose="02020603050405020304" pitchFamily="18" charset="0"/>
               </a:rPr>
-              <a:t>(n = 263)</a:t>
+              <a:t>(n = </a:t>
+            </a:r>
+            <a:r>
+              <a:rPr lang="en-US" altLang="zh-CN" sz="900" dirty="0">
+                <a:solidFill>
+                  <a:srgbClr val="000000"/>
+                </a:solidFill>
+                <a:effectLst/>
+                <a:latin typeface="Times New Roman" panose="02020603050405020304" pitchFamily="18" charset="0"/>
+                <a:ea typeface="宋体" panose="02010600030101010101" pitchFamily="2" charset="-122"/>
+                <a:cs typeface="Times New Roman" panose="02020603050405020304" pitchFamily="18" charset="0"/>
+              </a:rPr>
+              <a:t>460</a:t>
+            </a:r>
+            <a:r>
+              <a:rPr lang="en-AU" sz="900" dirty="0">
+                <a:solidFill>
+                  <a:srgbClr val="000000"/>
+                </a:solidFill>
+                <a:effectLst/>
+                <a:latin typeface="Times New Roman" panose="02020603050405020304" pitchFamily="18" charset="0"/>
+                <a:ea typeface="宋体" panose="02010600030101010101" pitchFamily="2" charset="-122"/>
+                <a:cs typeface="Times New Roman" panose="02020603050405020304" pitchFamily="18" charset="0"/>
+              </a:rPr>
+              <a:t>)</a:t>
             </a:r>
             <a:endParaRPr lang="zh-CN" sz="1100" dirty="0">
               <a:effectLst/>
@@ -4380,8 +4406,8 @@
         </p:nvSpPr>
         <p:spPr>
           <a:xfrm>
-            <a:off x="2924889" y="1015521"/>
-            <a:ext cx="2053434" cy="896937"/>
+            <a:off x="3978625" y="1094491"/>
+            <a:ext cx="2058271" cy="1099434"/>
           </a:xfrm>
           <a:prstGeom prst="rect">
             <a:avLst/>
@@ -4458,7 +4484,31 @@
                 <a:ea typeface="宋体" panose="02010600030101010101" pitchFamily="2" charset="-122"/>
                 <a:cs typeface="Times New Roman" panose="02020603050405020304" pitchFamily="18" charset="0"/>
               </a:rPr>
-              <a:t>Duplicate records (n = 3)</a:t>
+              <a:t>Duplicate records (n = </a:t>
+            </a:r>
+            <a:r>
+              <a:rPr lang="en-US" altLang="zh-CN" sz="900" dirty="0">
+                <a:solidFill>
+                  <a:srgbClr val="000000"/>
+                </a:solidFill>
+                <a:effectLst/>
+                <a:latin typeface="Times New Roman" panose="02020603050405020304" pitchFamily="18" charset="0"/>
+                <a:ea typeface="宋体" panose="02010600030101010101" pitchFamily="2" charset="-122"/>
+                <a:cs typeface="Times New Roman" panose="02020603050405020304" pitchFamily="18" charset="0"/>
+              </a:rPr>
+              <a:t>8</a:t>
+            </a:r>
+            <a:r>
+              <a:rPr lang="en-AU" sz="900" dirty="0">
+                <a:solidFill>
+                  <a:srgbClr val="000000"/>
+                </a:solidFill>
+                <a:effectLst/>
+                <a:latin typeface="Times New Roman" panose="02020603050405020304" pitchFamily="18" charset="0"/>
+                <a:ea typeface="宋体" panose="02010600030101010101" pitchFamily="2" charset="-122"/>
+                <a:cs typeface="Times New Roman" panose="02020603050405020304" pitchFamily="18" charset="0"/>
+              </a:rPr>
+              <a:t>)</a:t>
             </a:r>
             <a:endParaRPr lang="zh-CN" sz="1100" dirty="0">
               <a:effectLst/>
@@ -4484,6 +4534,57 @@
                 <a:cs typeface="Times New Roman" panose="02020603050405020304" pitchFamily="18" charset="0"/>
               </a:rPr>
               <a:t>Duplicate records of thesis and publications (n = 11)</a:t>
+            </a:r>
+          </a:p>
+          <a:p>
+            <a:pPr algn="ctr">
+              <a:spcAft>
+                <a:spcPts val="600"/>
+              </a:spcAft>
+            </a:pPr>
+            <a:r>
+              <a:rPr lang="en-AU" altLang="zh-CN" sz="900" dirty="0">
+                <a:solidFill>
+                  <a:srgbClr val="000000"/>
+                </a:solidFill>
+                <a:latin typeface="Times New Roman" panose="02020603050405020304" pitchFamily="18" charset="0"/>
+                <a:ea typeface="宋体" panose="02010600030101010101" pitchFamily="2" charset="-122"/>
+                <a:cs typeface="Times New Roman" panose="02020603050405020304" pitchFamily="18" charset="0"/>
+              </a:rPr>
+              <a:t>Non</a:t>
+            </a:r>
+            <a:r>
+              <a:rPr lang="en-US" altLang="zh-CN" sz="900" dirty="0">
+                <a:solidFill>
+                  <a:srgbClr val="000000"/>
+                </a:solidFill>
+                <a:latin typeface="Times New Roman" panose="02020603050405020304" pitchFamily="18" charset="0"/>
+                <a:ea typeface="宋体" panose="02010600030101010101" pitchFamily="2" charset="-122"/>
+                <a:cs typeface="Times New Roman" panose="02020603050405020304" pitchFamily="18" charset="0"/>
+              </a:rPr>
+              <a:t>- English</a:t>
+            </a:r>
+            <a:r>
+              <a:rPr lang="zh-CN" altLang="en-US" sz="900" dirty="0">
+                <a:solidFill>
+                  <a:srgbClr val="000000"/>
+                </a:solidFill>
+                <a:latin typeface="Times New Roman" panose="02020603050405020304" pitchFamily="18" charset="0"/>
+                <a:ea typeface="宋体" panose="02010600030101010101" pitchFamily="2" charset="-122"/>
+                <a:cs typeface="Times New Roman" panose="02020603050405020304" pitchFamily="18" charset="0"/>
+              </a:rPr>
+              <a:t> </a:t>
+            </a:r>
+            <a:r>
+              <a:rPr lang="en-US" altLang="zh-CN" sz="900" dirty="0">
+                <a:solidFill>
+                  <a:srgbClr val="000000"/>
+                </a:solidFill>
+                <a:latin typeface="Times New Roman" panose="02020603050405020304" pitchFamily="18" charset="0"/>
+                <a:ea typeface="宋体" panose="02010600030101010101" pitchFamily="2" charset="-122"/>
+                <a:cs typeface="Times New Roman" panose="02020603050405020304" pitchFamily="18" charset="0"/>
+              </a:rPr>
+              <a:t>(9)</a:t>
             </a:r>
             <a:endParaRPr lang="zh-CN" sz="1100" dirty="0">
               <a:effectLst/>
@@ -4508,7 +4609,7 @@
         </p:nvSpPr>
         <p:spPr>
           <a:xfrm>
-            <a:off x="752555" y="2411093"/>
+            <a:off x="1806292" y="2593973"/>
             <a:ext cx="1679654" cy="514032"/>
           </a:xfrm>
           <a:prstGeom prst="rect">
@@ -4586,7 +4687,7 @@
                 <a:ea typeface="宋体" panose="02010600030101010101" pitchFamily="2" charset="-122"/>
                 <a:cs typeface="Times New Roman" panose="02020603050405020304" pitchFamily="18" charset="0"/>
               </a:rPr>
-              <a:t>(n = 249)</a:t>
+              <a:t>(n = 432)</a:t>
             </a:r>
             <a:endParaRPr lang="zh-CN" sz="1100" dirty="0">
               <a:effectLst/>
@@ -4611,8 +4712,8 @@
         </p:nvSpPr>
         <p:spPr>
           <a:xfrm>
-            <a:off x="2924890" y="2411093"/>
-            <a:ext cx="2053434" cy="526415"/>
+            <a:off x="3978626" y="2519479"/>
+            <a:ext cx="2058271" cy="663255"/>
           </a:xfrm>
           <a:prstGeom prst="rect">
             <a:avLst/>
@@ -4655,6 +4756,34 @@
               </a:spcAft>
             </a:pPr>
             <a:r>
+              <a:rPr lang="en-AU" sz="900" b="1" dirty="0">
+                <a:solidFill>
+                  <a:srgbClr val="000000"/>
+                </a:solidFill>
+                <a:effectLst/>
+                <a:latin typeface="Times New Roman" panose="02020603050405020304" pitchFamily="18" charset="0"/>
+                <a:ea typeface="宋体" panose="02010600030101010101" pitchFamily="2" charset="-122"/>
+                <a:cs typeface="Times New Roman" panose="02020603050405020304" pitchFamily="18" charset="0"/>
+              </a:rPr>
+              <a:t>Reports excluded:</a:t>
+            </a:r>
+            <a:endParaRPr lang="en-AU" sz="900" dirty="0">
+              <a:solidFill>
+                <a:srgbClr val="000000"/>
+              </a:solidFill>
+              <a:effectLst/>
+              <a:latin typeface="Times New Roman" panose="02020603050405020304" pitchFamily="18" charset="0"/>
+              <a:ea typeface="宋体" panose="02010600030101010101" pitchFamily="2" charset="-122"/>
+              <a:cs typeface="Times New Roman" panose="02020603050405020304" pitchFamily="18" charset="0"/>
+            </a:endParaRPr>
+          </a:p>
+          <a:p>
+            <a:pPr algn="ctr">
+              <a:spcAft>
+                <a:spcPts val="600"/>
+              </a:spcAft>
+            </a:pPr>
+            <a:r>
               <a:rPr lang="en-AU" sz="900" dirty="0">
                 <a:solidFill>
                   <a:srgbClr val="000000"/>
@@ -4689,7 +4818,7 @@
                 <a:ea typeface="宋体" panose="02010600030101010101" pitchFamily="2" charset="-122"/>
                 <a:cs typeface="Times New Roman" panose="02020603050405020304" pitchFamily="18" charset="0"/>
               </a:rPr>
-              <a:t>(n = 5)</a:t>
+              <a:t>(n = 6)</a:t>
             </a:r>
             <a:endParaRPr lang="zh-CN" sz="1100" dirty="0">
               <a:effectLst/>
@@ -4714,7 +4843,7 @@
         </p:nvSpPr>
         <p:spPr>
           <a:xfrm>
-            <a:off x="752555" y="3553934"/>
+            <a:off x="1806292" y="3736814"/>
             <a:ext cx="1679654" cy="526415"/>
           </a:xfrm>
           <a:prstGeom prst="rect">
@@ -4792,7 +4921,7 @@
                 <a:ea typeface="宋体" panose="02010600030101010101" pitchFamily="2" charset="-122"/>
                 <a:cs typeface="Times New Roman" panose="02020603050405020304" pitchFamily="18" charset="0"/>
               </a:rPr>
-              <a:t>(n = 244)</a:t>
+              <a:t>(n = 426)</a:t>
             </a:r>
             <a:endParaRPr lang="zh-CN" altLang="en-US" sz="900" dirty="0">
               <a:solidFill>
@@ -4819,8 +4948,8 @@
         </p:nvSpPr>
         <p:spPr>
           <a:xfrm>
-            <a:off x="2924890" y="3167220"/>
-            <a:ext cx="2053750" cy="1299845"/>
+            <a:off x="3978627" y="3389857"/>
+            <a:ext cx="2053408" cy="1225208"/>
           </a:xfrm>
           <a:prstGeom prst="rect">
             <a:avLst/>
@@ -4897,7 +5026,7 @@
                 <a:ea typeface="宋体" panose="02010600030101010101" pitchFamily="2" charset="-122"/>
                 <a:cs typeface="Times New Roman" panose="02020603050405020304" pitchFamily="18" charset="0"/>
               </a:rPr>
-              <a:t>Reviews (n = 35)</a:t>
+              <a:t>Reviews/meta-analysis (n = 49)</a:t>
             </a:r>
             <a:endParaRPr lang="zh-CN" sz="1100" dirty="0">
               <a:effectLst/>
@@ -4922,7 +5051,7 @@
                 <a:ea typeface="宋体" panose="02010600030101010101" pitchFamily="2" charset="-122"/>
                 <a:cs typeface="Times New Roman" panose="02020603050405020304" pitchFamily="18" charset="0"/>
               </a:rPr>
-              <a:t>Non-SPMT Studies (n = 71)</a:t>
+              <a:t>Non-SPMT Studies (n = 171)</a:t>
             </a:r>
             <a:endParaRPr lang="zh-CN" sz="1100" dirty="0">
               <a:effectLst/>
@@ -4947,7 +5076,7 @@
                 <a:ea typeface="宋体" panose="02010600030101010101" pitchFamily="2" charset="-122"/>
                 <a:cs typeface="Times New Roman" panose="02020603050405020304" pitchFamily="18" charset="0"/>
               </a:rPr>
-              <a:t>Strong Deviation from SPMT (n = 49)</a:t>
+              <a:t>Strong Deviation from SPMT (n = 96)</a:t>
             </a:r>
             <a:endParaRPr lang="zh-CN" sz="1100" dirty="0">
               <a:effectLst/>
@@ -4967,12 +5096,23 @@
                 <a:solidFill>
                   <a:srgbClr val="000000"/>
                 </a:solidFill>
+                <a:latin typeface="Times New Roman" panose="02020603050405020304" pitchFamily="18" charset="0"/>
+                <a:ea typeface="宋体" panose="02010600030101010101" pitchFamily="2" charset="-122"/>
+                <a:cs typeface="Times New Roman" panose="02020603050405020304" pitchFamily="18" charset="0"/>
+              </a:rPr>
+              <a:t>D</a:t>
+            </a:r>
+            <a:r>
+              <a:rPr lang="en-AU" sz="900" dirty="0">
+                <a:solidFill>
+                  <a:srgbClr val="000000"/>
+                </a:solidFill>
                 <a:effectLst/>
                 <a:latin typeface="Times New Roman" panose="02020603050405020304" pitchFamily="18" charset="0"/>
                 <a:ea typeface="宋体" panose="02010600030101010101" pitchFamily="2" charset="-122"/>
                 <a:cs typeface="Times New Roman" panose="02020603050405020304" pitchFamily="18" charset="0"/>
               </a:rPr>
-              <a:t>None-open data </a:t>
+              <a:t>ata unavailable </a:t>
             </a:r>
             <a:r>
               <a:rPr lang="en-US" sz="900" dirty="0">
@@ -4984,7 +5124,7 @@
                 <a:ea typeface="宋体" panose="02010600030101010101" pitchFamily="2" charset="-122"/>
                 <a:cs typeface="Times New Roman" panose="02020603050405020304" pitchFamily="18" charset="0"/>
               </a:rPr>
-              <a:t>(n = 73)</a:t>
+              <a:t>(n = 74)</a:t>
             </a:r>
             <a:endParaRPr lang="zh-CN" sz="1100" dirty="0">
               <a:effectLst/>
@@ -5012,9 +5152,9 @@
           <p:nvPr/>
         </p:nvCxnSpPr>
         <p:spPr>
-          <a:xfrm>
-            <a:off x="1592382" y="4080349"/>
-            <a:ext cx="0" cy="631032"/>
+          <a:xfrm flipH="1">
+            <a:off x="2643737" y="4263229"/>
+            <a:ext cx="2382" cy="565629"/>
           </a:xfrm>
           <a:prstGeom prst="straightConnector1">
             <a:avLst/>
@@ -5059,7 +5199,7 @@
         </p:nvCxnSpPr>
         <p:spPr>
           <a:xfrm>
-            <a:off x="1592382" y="2925125"/>
+            <a:off x="2646119" y="3108005"/>
             <a:ext cx="0" cy="628809"/>
           </a:xfrm>
           <a:prstGeom prst="straightConnector1">
@@ -5105,7 +5245,7 @@
         </p:nvCxnSpPr>
         <p:spPr>
           <a:xfrm>
-            <a:off x="1592382" y="1989135"/>
+            <a:off x="2646119" y="2172015"/>
             <a:ext cx="0" cy="421958"/>
           </a:xfrm>
           <a:prstGeom prst="straightConnector1">
@@ -5150,9 +5290,9 @@
           <p:nvPr/>
         </p:nvCxnSpPr>
         <p:spPr>
-          <a:xfrm>
-            <a:off x="2432209" y="1463990"/>
-            <a:ext cx="492680" cy="0"/>
+          <a:xfrm flipV="1">
+            <a:off x="3485946" y="1644208"/>
+            <a:ext cx="492679" cy="2662"/>
           </a:xfrm>
           <a:prstGeom prst="straightConnector1">
             <a:avLst/>
@@ -5197,8 +5337,8 @@
         </p:nvCxnSpPr>
         <p:spPr>
           <a:xfrm>
-            <a:off x="2432209" y="2668109"/>
-            <a:ext cx="492681" cy="6192"/>
+            <a:off x="3485946" y="2850989"/>
+            <a:ext cx="492680" cy="118"/>
           </a:xfrm>
           <a:prstGeom prst="straightConnector1">
             <a:avLst/>
@@ -5243,8 +5383,8 @@
         </p:nvCxnSpPr>
         <p:spPr>
           <a:xfrm>
-            <a:off x="2432209" y="3817142"/>
-            <a:ext cx="492681" cy="1"/>
+            <a:off x="3485946" y="4000022"/>
+            <a:ext cx="492681" cy="2439"/>
           </a:xfrm>
           <a:prstGeom prst="straightConnector1">
             <a:avLst/>
@@ -5288,9 +5428,9 @@
           <p:nvPr/>
         </p:nvCxnSpPr>
         <p:spPr>
-          <a:xfrm>
-            <a:off x="2432208" y="4974906"/>
-            <a:ext cx="492998" cy="2223"/>
+          <a:xfrm flipV="1">
+            <a:off x="3481181" y="5125049"/>
+            <a:ext cx="497762" cy="36"/>
           </a:xfrm>
           <a:prstGeom prst="straightConnector1">
             <a:avLst/>

--- a/5_Analysis/FIGURE/flow_chart.pptx
+++ b/5_Analysis/FIGURE/flow_chart.pptx
@@ -254,7 +254,7 @@
           <a:p>
             <a:fld id="{0A596C2A-1A10-4451-984A-A3E260F1DFEF}" type="datetimeFigureOut">
               <a:rPr lang="zh-CN" altLang="en-US" smtClean="0"/>
-              <a:t>2024/3/14</a:t>
+              <a:t>2024/4/10</a:t>
             </a:fld>
             <a:endParaRPr lang="zh-CN" altLang="en-US"/>
           </a:p>
@@ -424,7 +424,7 @@
           <a:p>
             <a:fld id="{0A596C2A-1A10-4451-984A-A3E260F1DFEF}" type="datetimeFigureOut">
               <a:rPr lang="zh-CN" altLang="en-US" smtClean="0"/>
-              <a:t>2024/3/14</a:t>
+              <a:t>2024/4/10</a:t>
             </a:fld>
             <a:endParaRPr lang="zh-CN" altLang="en-US"/>
           </a:p>
@@ -604,7 +604,7 @@
           <a:p>
             <a:fld id="{0A596C2A-1A10-4451-984A-A3E260F1DFEF}" type="datetimeFigureOut">
               <a:rPr lang="zh-CN" altLang="en-US" smtClean="0"/>
-              <a:t>2024/3/14</a:t>
+              <a:t>2024/4/10</a:t>
             </a:fld>
             <a:endParaRPr lang="zh-CN" altLang="en-US"/>
           </a:p>
@@ -774,7 +774,7 @@
           <a:p>
             <a:fld id="{0A596C2A-1A10-4451-984A-A3E260F1DFEF}" type="datetimeFigureOut">
               <a:rPr lang="zh-CN" altLang="en-US" smtClean="0"/>
-              <a:t>2024/3/14</a:t>
+              <a:t>2024/4/10</a:t>
             </a:fld>
             <a:endParaRPr lang="zh-CN" altLang="en-US"/>
           </a:p>
@@ -1020,7 +1020,7 @@
           <a:p>
             <a:fld id="{0A596C2A-1A10-4451-984A-A3E260F1DFEF}" type="datetimeFigureOut">
               <a:rPr lang="zh-CN" altLang="en-US" smtClean="0"/>
-              <a:t>2024/3/14</a:t>
+              <a:t>2024/4/10</a:t>
             </a:fld>
             <a:endParaRPr lang="zh-CN" altLang="en-US"/>
           </a:p>
@@ -1252,7 +1252,7 @@
           <a:p>
             <a:fld id="{0A596C2A-1A10-4451-984A-A3E260F1DFEF}" type="datetimeFigureOut">
               <a:rPr lang="zh-CN" altLang="en-US" smtClean="0"/>
-              <a:t>2024/3/14</a:t>
+              <a:t>2024/4/10</a:t>
             </a:fld>
             <a:endParaRPr lang="zh-CN" altLang="en-US"/>
           </a:p>
@@ -1619,7 +1619,7 @@
           <a:p>
             <a:fld id="{0A596C2A-1A10-4451-984A-A3E260F1DFEF}" type="datetimeFigureOut">
               <a:rPr lang="zh-CN" altLang="en-US" smtClean="0"/>
-              <a:t>2024/3/14</a:t>
+              <a:t>2024/4/10</a:t>
             </a:fld>
             <a:endParaRPr lang="zh-CN" altLang="en-US"/>
           </a:p>
@@ -1737,7 +1737,7 @@
           <a:p>
             <a:fld id="{0A596C2A-1A10-4451-984A-A3E260F1DFEF}" type="datetimeFigureOut">
               <a:rPr lang="zh-CN" altLang="en-US" smtClean="0"/>
-              <a:t>2024/3/14</a:t>
+              <a:t>2024/4/10</a:t>
             </a:fld>
             <a:endParaRPr lang="zh-CN" altLang="en-US"/>
           </a:p>
@@ -1832,7 +1832,7 @@
           <a:p>
             <a:fld id="{0A596C2A-1A10-4451-984A-A3E260F1DFEF}" type="datetimeFigureOut">
               <a:rPr lang="zh-CN" altLang="en-US" smtClean="0"/>
-              <a:t>2024/3/14</a:t>
+              <a:t>2024/4/10</a:t>
             </a:fld>
             <a:endParaRPr lang="zh-CN" altLang="en-US"/>
           </a:p>
@@ -2109,7 +2109,7 @@
           <a:p>
             <a:fld id="{0A596C2A-1A10-4451-984A-A3E260F1DFEF}" type="datetimeFigureOut">
               <a:rPr lang="zh-CN" altLang="en-US" smtClean="0"/>
-              <a:t>2024/3/14</a:t>
+              <a:t>2024/4/10</a:t>
             </a:fld>
             <a:endParaRPr lang="zh-CN" altLang="en-US"/>
           </a:p>
@@ -2366,7 +2366,7 @@
           <a:p>
             <a:fld id="{0A596C2A-1A10-4451-984A-A3E260F1DFEF}" type="datetimeFigureOut">
               <a:rPr lang="zh-CN" altLang="en-US" smtClean="0"/>
-              <a:t>2024/3/14</a:t>
+              <a:t>2024/4/10</a:t>
             </a:fld>
             <a:endParaRPr lang="zh-CN" altLang="en-US"/>
           </a:p>
@@ -2579,7 +2579,7 @@
           <a:p>
             <a:fld id="{0A596C2A-1A10-4451-984A-A3E260F1DFEF}" type="datetimeFigureOut">
               <a:rPr lang="zh-CN" altLang="en-US" smtClean="0"/>
-              <a:t>2024/3/14</a:t>
+              <a:t>2024/4/10</a:t>
             </a:fld>
             <a:endParaRPr lang="zh-CN" altLang="en-US"/>
           </a:p>
@@ -3181,7 +3181,7 @@
                 <a:ea typeface="宋体" panose="02010600030101010101" pitchFamily="2" charset="-122"/>
                 <a:cs typeface="Times New Roman" panose="02020603050405020304" pitchFamily="18" charset="0"/>
               </a:rPr>
-              <a:t>36</a:t>
+              <a:t>40</a:t>
             </a:r>
             <a:r>
               <a:rPr kumimoji="0" lang="en-AU" altLang="zh-CN" sz="900" b="0" i="0" u="none" strike="noStrike" cap="none" normalizeH="0" baseline="0" dirty="0">
@@ -3316,8 +3316,27 @@
                 <a:ea typeface="宋体" panose="02010600030101010101" pitchFamily="2" charset="-122"/>
                 <a:cs typeface="Times New Roman" panose="02020603050405020304" pitchFamily="18" charset="0"/>
               </a:rPr>
-              <a:t>Collaborator (n = 1)</a:t>
-            </a:r>
+              <a:t>Collaborator (n </a:t>
+            </a:r>
+            <a:r>
+              <a:rPr lang="en-AU" altLang="zh-CN" sz="900">
+                <a:solidFill>
+                  <a:srgbClr val="000000"/>
+                </a:solidFill>
+                <a:latin typeface="Times New Roman" panose="02020603050405020304" pitchFamily="18" charset="0"/>
+                <a:ea typeface="宋体" panose="02010600030101010101" pitchFamily="2" charset="-122"/>
+                <a:cs typeface="Times New Roman" panose="02020603050405020304" pitchFamily="18" charset="0"/>
+              </a:rPr>
+              <a:t>= 3)</a:t>
+            </a:r>
+            <a:endParaRPr lang="en-AU" altLang="zh-CN" sz="900" dirty="0">
+              <a:solidFill>
+                <a:srgbClr val="000000"/>
+              </a:solidFill>
+              <a:latin typeface="Times New Roman" panose="02020603050405020304" pitchFamily="18" charset="0"/>
+              <a:ea typeface="宋体" panose="02010600030101010101" pitchFamily="2" charset="-122"/>
+              <a:cs typeface="Times New Roman" panose="02020603050405020304" pitchFamily="18" charset="0"/>
+            </a:endParaRPr>
           </a:p>
         </p:txBody>
       </p:sp>
@@ -3924,46 +3943,13 @@
                 <a:ea typeface="宋体" panose="02010600030101010101" pitchFamily="2" charset="-122"/>
                 <a:cs typeface="Times New Roman" panose="02020603050405020304" pitchFamily="18" charset="0"/>
               </a:rPr>
-              <a:t>Trial-level data unavailable (n = 7)</a:t>
+              <a:t>Trial-level data unavailable (n = 18)</a:t>
             </a:r>
             <a:endParaRPr lang="en-AU" altLang="zh-CN" dirty="0">
               <a:latin typeface="Times New Roman" panose="02020603050405020304" pitchFamily="18" charset="0"/>
               <a:ea typeface="宋体" panose="02010600030101010101" pitchFamily="2" charset="-122"/>
               <a:cs typeface="Times New Roman" panose="02020603050405020304" pitchFamily="18" charset="0"/>
             </a:endParaRPr>
-          </a:p>
-          <a:p>
-            <a:pPr marL="0" marR="0" lvl="0" indent="0" algn="ctr" defTabSz="914400" rtl="0" eaLnBrk="0" fontAlgn="base" latinLnBrk="0" hangingPunct="0">
-              <a:lnSpc>
-                <a:spcPct val="100000"/>
-              </a:lnSpc>
-              <a:spcBef>
-                <a:spcPct val="0"/>
-              </a:spcBef>
-              <a:spcAft>
-                <a:spcPts val="600"/>
-              </a:spcAft>
-              <a:buClrTx/>
-              <a:buSzTx/>
-              <a:buFontTx/>
-              <a:buNone/>
-              <a:tabLst/>
-            </a:pPr>
-            <a:r>
-              <a:rPr kumimoji="0" lang="en-AU" altLang="zh-CN" sz="900" b="0" i="0" u="none" strike="noStrike" cap="none" normalizeH="0" baseline="0" dirty="0">
-                <a:ln>
-                  <a:noFill/>
-                </a:ln>
-                <a:solidFill>
-                  <a:srgbClr val="000000"/>
-                </a:solidFill>
-                <a:effectLst/>
-                <a:latin typeface="Times New Roman" panose="02020603050405020304" pitchFamily="18" charset="0"/>
-                <a:ea typeface="宋体" panose="02010600030101010101" pitchFamily="2" charset="-122"/>
-                <a:cs typeface="Times New Roman" panose="02020603050405020304" pitchFamily="18" charset="0"/>
-              </a:rPr>
-              <a:t>Empty repository ()</a:t>
-            </a:r>
           </a:p>
         </p:txBody>
       </p:sp>
@@ -4089,7 +4075,7 @@
                 <a:ea typeface="宋体" panose="02010600030101010101" pitchFamily="2" charset="-122"/>
                 <a:cs typeface="Times New Roman" panose="02020603050405020304" pitchFamily="18" charset="0"/>
               </a:rPr>
-              <a:t>(n = xx (xx+2))</a:t>
+              <a:t>(n = 26 (22+4))</a:t>
             </a:r>
             <a:endParaRPr kumimoji="0" lang="en-AU" altLang="zh-CN" sz="1800" b="0" i="0" u="none" strike="noStrike" cap="none" normalizeH="0" baseline="0" dirty="0">
               <a:ln>
@@ -5051,7 +5037,7 @@
                 <a:ea typeface="宋体" panose="02010600030101010101" pitchFamily="2" charset="-122"/>
                 <a:cs typeface="Times New Roman" panose="02020603050405020304" pitchFamily="18" charset="0"/>
               </a:rPr>
-              <a:t>Non-SPMT Studies (n = 171)</a:t>
+              <a:t>Non-SPMT studies (n = 171)</a:t>
             </a:r>
             <a:endParaRPr lang="zh-CN" sz="1100" dirty="0">
               <a:effectLst/>
@@ -5076,7 +5062,7 @@
                 <a:ea typeface="宋体" panose="02010600030101010101" pitchFamily="2" charset="-122"/>
                 <a:cs typeface="Times New Roman" panose="02020603050405020304" pitchFamily="18" charset="0"/>
               </a:rPr>
-              <a:t>Strong Deviation from SPMT (n = 96)</a:t>
+              <a:t>Strong deviation from SPMT (n = 96)</a:t>
             </a:r>
             <a:endParaRPr lang="zh-CN" sz="1100" dirty="0">
               <a:effectLst/>

--- a/5_Analysis/FIGURE/flow_chart.pptx
+++ b/5_Analysis/FIGURE/flow_chart.pptx
@@ -254,7 +254,7 @@
           <a:p>
             <a:fld id="{0A596C2A-1A10-4451-984A-A3E260F1DFEF}" type="datetimeFigureOut">
               <a:rPr lang="zh-CN" altLang="en-US" smtClean="0"/>
-              <a:t>2024/4/10</a:t>
+              <a:t>2024/4/15</a:t>
             </a:fld>
             <a:endParaRPr lang="zh-CN" altLang="en-US"/>
           </a:p>
@@ -424,7 +424,7 @@
           <a:p>
             <a:fld id="{0A596C2A-1A10-4451-984A-A3E260F1DFEF}" type="datetimeFigureOut">
               <a:rPr lang="zh-CN" altLang="en-US" smtClean="0"/>
-              <a:t>2024/4/10</a:t>
+              <a:t>2024/4/15</a:t>
             </a:fld>
             <a:endParaRPr lang="zh-CN" altLang="en-US"/>
           </a:p>
@@ -604,7 +604,7 @@
           <a:p>
             <a:fld id="{0A596C2A-1A10-4451-984A-A3E260F1DFEF}" type="datetimeFigureOut">
               <a:rPr lang="zh-CN" altLang="en-US" smtClean="0"/>
-              <a:t>2024/4/10</a:t>
+              <a:t>2024/4/15</a:t>
             </a:fld>
             <a:endParaRPr lang="zh-CN" altLang="en-US"/>
           </a:p>
@@ -774,7 +774,7 @@
           <a:p>
             <a:fld id="{0A596C2A-1A10-4451-984A-A3E260F1DFEF}" type="datetimeFigureOut">
               <a:rPr lang="zh-CN" altLang="en-US" smtClean="0"/>
-              <a:t>2024/4/10</a:t>
+              <a:t>2024/4/15</a:t>
             </a:fld>
             <a:endParaRPr lang="zh-CN" altLang="en-US"/>
           </a:p>
@@ -1020,7 +1020,7 @@
           <a:p>
             <a:fld id="{0A596C2A-1A10-4451-984A-A3E260F1DFEF}" type="datetimeFigureOut">
               <a:rPr lang="zh-CN" altLang="en-US" smtClean="0"/>
-              <a:t>2024/4/10</a:t>
+              <a:t>2024/4/15</a:t>
             </a:fld>
             <a:endParaRPr lang="zh-CN" altLang="en-US"/>
           </a:p>
@@ -1252,7 +1252,7 @@
           <a:p>
             <a:fld id="{0A596C2A-1A10-4451-984A-A3E260F1DFEF}" type="datetimeFigureOut">
               <a:rPr lang="zh-CN" altLang="en-US" smtClean="0"/>
-              <a:t>2024/4/10</a:t>
+              <a:t>2024/4/15</a:t>
             </a:fld>
             <a:endParaRPr lang="zh-CN" altLang="en-US"/>
           </a:p>
@@ -1619,7 +1619,7 @@
           <a:p>
             <a:fld id="{0A596C2A-1A10-4451-984A-A3E260F1DFEF}" type="datetimeFigureOut">
               <a:rPr lang="zh-CN" altLang="en-US" smtClean="0"/>
-              <a:t>2024/4/10</a:t>
+              <a:t>2024/4/15</a:t>
             </a:fld>
             <a:endParaRPr lang="zh-CN" altLang="en-US"/>
           </a:p>
@@ -1737,7 +1737,7 @@
           <a:p>
             <a:fld id="{0A596C2A-1A10-4451-984A-A3E260F1DFEF}" type="datetimeFigureOut">
               <a:rPr lang="zh-CN" altLang="en-US" smtClean="0"/>
-              <a:t>2024/4/10</a:t>
+              <a:t>2024/4/15</a:t>
             </a:fld>
             <a:endParaRPr lang="zh-CN" altLang="en-US"/>
           </a:p>
@@ -1832,7 +1832,7 @@
           <a:p>
             <a:fld id="{0A596C2A-1A10-4451-984A-A3E260F1DFEF}" type="datetimeFigureOut">
               <a:rPr lang="zh-CN" altLang="en-US" smtClean="0"/>
-              <a:t>2024/4/10</a:t>
+              <a:t>2024/4/15</a:t>
             </a:fld>
             <a:endParaRPr lang="zh-CN" altLang="en-US"/>
           </a:p>
@@ -2109,7 +2109,7 @@
           <a:p>
             <a:fld id="{0A596C2A-1A10-4451-984A-A3E260F1DFEF}" type="datetimeFigureOut">
               <a:rPr lang="zh-CN" altLang="en-US" smtClean="0"/>
-              <a:t>2024/4/10</a:t>
+              <a:t>2024/4/15</a:t>
             </a:fld>
             <a:endParaRPr lang="zh-CN" altLang="en-US"/>
           </a:p>
@@ -2366,7 +2366,7 @@
           <a:p>
             <a:fld id="{0A596C2A-1A10-4451-984A-A3E260F1DFEF}" type="datetimeFigureOut">
               <a:rPr lang="zh-CN" altLang="en-US" smtClean="0"/>
-              <a:t>2024/4/10</a:t>
+              <a:t>2024/4/15</a:t>
             </a:fld>
             <a:endParaRPr lang="zh-CN" altLang="en-US"/>
           </a:p>
@@ -2579,7 +2579,7 @@
           <a:p>
             <a:fld id="{0A596C2A-1A10-4451-984A-A3E260F1DFEF}" type="datetimeFigureOut">
               <a:rPr lang="zh-CN" altLang="en-US" smtClean="0"/>
-              <a:t>2024/4/10</a:t>
+              <a:t>2024/4/15</a:t>
             </a:fld>
             <a:endParaRPr lang="zh-CN" altLang="en-US"/>
           </a:p>
@@ -4319,7 +4319,19 @@
                 <a:ea typeface="宋体" panose="02010600030101010101" pitchFamily="2" charset="-122"/>
                 <a:cs typeface="Times New Roman" panose="02020603050405020304" pitchFamily="18" charset="0"/>
               </a:rPr>
-              <a:t>Records identified from ongoing meta-analysis </a:t>
+              <a:t>Records identified from forward </a:t>
+            </a:r>
+            <a:r>
+              <a:rPr lang="en-AU" sz="900">
+                <a:solidFill>
+                  <a:srgbClr val="000000"/>
+                </a:solidFill>
+                <a:effectLst/>
+                <a:latin typeface="Times New Roman" panose="02020603050405020304" pitchFamily="18" charset="0"/>
+                <a:ea typeface="宋体" panose="02010600030101010101" pitchFamily="2" charset="-122"/>
+                <a:cs typeface="Times New Roman" panose="02020603050405020304" pitchFamily="18" charset="0"/>
+              </a:rPr>
+              <a:t>literature searching </a:t>
             </a:r>
             <a:endParaRPr lang="en-US" sz="1100" dirty="0">
               <a:latin typeface="Times New Roman" panose="02020603050405020304" pitchFamily="18" charset="0"/>

--- a/5_Analysis/FIGURE/flow_chart.pptx
+++ b/5_Analysis/FIGURE/flow_chart.pptx
@@ -254,7 +254,7 @@
           <a:p>
             <a:fld id="{0A596C2A-1A10-4451-984A-A3E260F1DFEF}" type="datetimeFigureOut">
               <a:rPr lang="zh-CN" altLang="en-US" smtClean="0"/>
-              <a:t>2024/4/15</a:t>
+              <a:t>2024/5/27</a:t>
             </a:fld>
             <a:endParaRPr lang="zh-CN" altLang="en-US"/>
           </a:p>
@@ -424,7 +424,7 @@
           <a:p>
             <a:fld id="{0A596C2A-1A10-4451-984A-A3E260F1DFEF}" type="datetimeFigureOut">
               <a:rPr lang="zh-CN" altLang="en-US" smtClean="0"/>
-              <a:t>2024/4/15</a:t>
+              <a:t>2024/5/27</a:t>
             </a:fld>
             <a:endParaRPr lang="zh-CN" altLang="en-US"/>
           </a:p>
@@ -604,7 +604,7 @@
           <a:p>
             <a:fld id="{0A596C2A-1A10-4451-984A-A3E260F1DFEF}" type="datetimeFigureOut">
               <a:rPr lang="zh-CN" altLang="en-US" smtClean="0"/>
-              <a:t>2024/4/15</a:t>
+              <a:t>2024/5/27</a:t>
             </a:fld>
             <a:endParaRPr lang="zh-CN" altLang="en-US"/>
           </a:p>
@@ -774,7 +774,7 @@
           <a:p>
             <a:fld id="{0A596C2A-1A10-4451-984A-A3E260F1DFEF}" type="datetimeFigureOut">
               <a:rPr lang="zh-CN" altLang="en-US" smtClean="0"/>
-              <a:t>2024/4/15</a:t>
+              <a:t>2024/5/27</a:t>
             </a:fld>
             <a:endParaRPr lang="zh-CN" altLang="en-US"/>
           </a:p>
@@ -1020,7 +1020,7 @@
           <a:p>
             <a:fld id="{0A596C2A-1A10-4451-984A-A3E260F1DFEF}" type="datetimeFigureOut">
               <a:rPr lang="zh-CN" altLang="en-US" smtClean="0"/>
-              <a:t>2024/4/15</a:t>
+              <a:t>2024/5/27</a:t>
             </a:fld>
             <a:endParaRPr lang="zh-CN" altLang="en-US"/>
           </a:p>
@@ -1252,7 +1252,7 @@
           <a:p>
             <a:fld id="{0A596C2A-1A10-4451-984A-A3E260F1DFEF}" type="datetimeFigureOut">
               <a:rPr lang="zh-CN" altLang="en-US" smtClean="0"/>
-              <a:t>2024/4/15</a:t>
+              <a:t>2024/5/27</a:t>
             </a:fld>
             <a:endParaRPr lang="zh-CN" altLang="en-US"/>
           </a:p>
@@ -1619,7 +1619,7 @@
           <a:p>
             <a:fld id="{0A596C2A-1A10-4451-984A-A3E260F1DFEF}" type="datetimeFigureOut">
               <a:rPr lang="zh-CN" altLang="en-US" smtClean="0"/>
-              <a:t>2024/4/15</a:t>
+              <a:t>2024/5/27</a:t>
             </a:fld>
             <a:endParaRPr lang="zh-CN" altLang="en-US"/>
           </a:p>
@@ -1737,7 +1737,7 @@
           <a:p>
             <a:fld id="{0A596C2A-1A10-4451-984A-A3E260F1DFEF}" type="datetimeFigureOut">
               <a:rPr lang="zh-CN" altLang="en-US" smtClean="0"/>
-              <a:t>2024/4/15</a:t>
+              <a:t>2024/5/27</a:t>
             </a:fld>
             <a:endParaRPr lang="zh-CN" altLang="en-US"/>
           </a:p>
@@ -1832,7 +1832,7 @@
           <a:p>
             <a:fld id="{0A596C2A-1A10-4451-984A-A3E260F1DFEF}" type="datetimeFigureOut">
               <a:rPr lang="zh-CN" altLang="en-US" smtClean="0"/>
-              <a:t>2024/4/15</a:t>
+              <a:t>2024/5/27</a:t>
             </a:fld>
             <a:endParaRPr lang="zh-CN" altLang="en-US"/>
           </a:p>
@@ -2109,7 +2109,7 @@
           <a:p>
             <a:fld id="{0A596C2A-1A10-4451-984A-A3E260F1DFEF}" type="datetimeFigureOut">
               <a:rPr lang="zh-CN" altLang="en-US" smtClean="0"/>
-              <a:t>2024/4/15</a:t>
+              <a:t>2024/5/27</a:t>
             </a:fld>
             <a:endParaRPr lang="zh-CN" altLang="en-US"/>
           </a:p>
@@ -2366,7 +2366,7 @@
           <a:p>
             <a:fld id="{0A596C2A-1A10-4451-984A-A3E260F1DFEF}" type="datetimeFigureOut">
               <a:rPr lang="zh-CN" altLang="en-US" smtClean="0"/>
-              <a:t>2024/4/15</a:t>
+              <a:t>2024/5/27</a:t>
             </a:fld>
             <a:endParaRPr lang="zh-CN" altLang="en-US"/>
           </a:p>
@@ -2579,7 +2579,7 @@
           <a:p>
             <a:fld id="{0A596C2A-1A10-4451-984A-A3E260F1DFEF}" type="datetimeFigureOut">
               <a:rPr lang="zh-CN" altLang="en-US" smtClean="0"/>
-              <a:t>2024/4/15</a:t>
+              <a:t>2024/5/27</a:t>
             </a:fld>
             <a:endParaRPr lang="zh-CN" altLang="en-US"/>
           </a:p>
@@ -3181,7 +3181,7 @@
                 <a:ea typeface="宋体" panose="02010600030101010101" pitchFamily="2" charset="-122"/>
                 <a:cs typeface="Times New Roman" panose="02020603050405020304" pitchFamily="18" charset="0"/>
               </a:rPr>
-              <a:t>40</a:t>
+              <a:t>41</a:t>
             </a:r>
             <a:r>
               <a:rPr kumimoji="0" lang="en-AU" altLang="zh-CN" sz="900" b="0" i="0" u="none" strike="noStrike" cap="none" normalizeH="0" baseline="0" dirty="0">
@@ -3943,7 +3943,7 @@
                 <a:ea typeface="宋体" panose="02010600030101010101" pitchFamily="2" charset="-122"/>
                 <a:cs typeface="Times New Roman" panose="02020603050405020304" pitchFamily="18" charset="0"/>
               </a:rPr>
-              <a:t>Trial-level data unavailable (n = 18)</a:t>
+              <a:t>Trial-level data unavailable (n = 17)</a:t>
             </a:r>
             <a:endParaRPr lang="en-AU" altLang="zh-CN" dirty="0">
               <a:latin typeface="Times New Roman" panose="02020603050405020304" pitchFamily="18" charset="0"/>
@@ -4075,7 +4075,7 @@
                 <a:ea typeface="宋体" panose="02010600030101010101" pitchFamily="2" charset="-122"/>
                 <a:cs typeface="Times New Roman" panose="02020603050405020304" pitchFamily="18" charset="0"/>
               </a:rPr>
-              <a:t>(n = 26 (22+4))</a:t>
+              <a:t>(n = 27 (24+3))</a:t>
             </a:r>
             <a:endParaRPr kumimoji="0" lang="en-AU" altLang="zh-CN" sz="1800" b="0" i="0" u="none" strike="noStrike" cap="none" normalizeH="0" baseline="0" dirty="0">
               <a:ln>

--- a/5_Analysis/FIGURE/flow_chart.pptx
+++ b/5_Analysis/FIGURE/flow_chart.pptx
@@ -2,12 +2,12 @@
 <file path=ppt/presentation.xml><?xml version="1.0" encoding="utf-8"?>
 <p:presentation xmlns:a="http://schemas.openxmlformats.org/drawingml/2006/main" xmlns:r="http://schemas.openxmlformats.org/officeDocument/2006/relationships" xmlns:p="http://schemas.openxmlformats.org/presentationml/2006/main" saveSubsetFonts="1">
   <p:sldMasterIdLst>
-    <p:sldMasterId id="2147483660" r:id="rId1"/>
+    <p:sldMasterId id="2147483672" r:id="rId1"/>
   </p:sldMasterIdLst>
   <p:sldIdLst>
     <p:sldId id="257" r:id="rId2"/>
   </p:sldIdLst>
-  <p:sldSz cx="12192000" cy="13716000"/>
+  <p:sldSz cx="12192000" cy="7315200"/>
   <p:notesSz cx="6858000" cy="9144000"/>
   <p:defaultTextStyle>
     <a:defPPr>
@@ -107,7 +107,7 @@
   <p:extLst>
     <p:ext uri="{EFAFB233-063F-42B5-8137-9DF3F51BA10A}">
       <p15:sldGuideLst xmlns:p15="http://schemas.microsoft.com/office/powerpoint/2012/main">
-        <p15:guide id="1" orient="horz" pos="4320" userDrawn="1">
+        <p15:guide id="1" orient="horz" pos="2304" userDrawn="1">
           <p15:clr>
             <a:srgbClr val="A4A3A4"/>
           </p15:clr>
@@ -152,15 +152,15 @@
         </p:nvSpPr>
         <p:spPr>
           <a:xfrm>
-            <a:off x="914400" y="2244726"/>
-            <a:ext cx="10363200" cy="4775200"/>
+            <a:off x="1524000" y="1197187"/>
+            <a:ext cx="9144000" cy="2546773"/>
           </a:xfrm>
         </p:spPr>
         <p:txBody>
           <a:bodyPr anchor="b"/>
           <a:lstStyle>
             <a:lvl1pPr algn="ctr">
-              <a:defRPr sz="8000"/>
+              <a:defRPr sz="6000"/>
             </a:lvl1pPr>
           </a:lstStyle>
           <a:p>
@@ -184,8 +184,8 @@
         </p:nvSpPr>
         <p:spPr>
           <a:xfrm>
-            <a:off x="1524000" y="7204076"/>
-            <a:ext cx="9144000" cy="3311524"/>
+            <a:off x="1524000" y="3842174"/>
+            <a:ext cx="9144000" cy="1766146"/>
           </a:xfrm>
         </p:spPr>
         <p:txBody>
@@ -193,39 +193,39 @@
           <a:lstStyle>
             <a:lvl1pPr marL="0" indent="0" algn="ctr">
               <a:buNone/>
-              <a:defRPr sz="3200"/>
+              <a:defRPr sz="2400"/>
             </a:lvl1pPr>
-            <a:lvl2pPr marL="609585" indent="0" algn="ctr">
-              <a:buNone/>
-              <a:defRPr sz="2667"/>
+            <a:lvl2pPr marL="457200" indent="0" algn="ctr">
+              <a:buNone/>
+              <a:defRPr sz="2000"/>
             </a:lvl2pPr>
-            <a:lvl3pPr marL="1219170" indent="0" algn="ctr">
-              <a:buNone/>
-              <a:defRPr sz="2400"/>
+            <a:lvl3pPr marL="914400" indent="0" algn="ctr">
+              <a:buNone/>
+              <a:defRPr sz="1800"/>
             </a:lvl3pPr>
-            <a:lvl4pPr marL="1828754" indent="0" algn="ctr">
-              <a:buNone/>
-              <a:defRPr sz="2133"/>
+            <a:lvl4pPr marL="1371600" indent="0" algn="ctr">
+              <a:buNone/>
+              <a:defRPr sz="1600"/>
             </a:lvl4pPr>
-            <a:lvl5pPr marL="2438339" indent="0" algn="ctr">
-              <a:buNone/>
-              <a:defRPr sz="2133"/>
+            <a:lvl5pPr marL="1828800" indent="0" algn="ctr">
+              <a:buNone/>
+              <a:defRPr sz="1600"/>
             </a:lvl5pPr>
-            <a:lvl6pPr marL="3047924" indent="0" algn="ctr">
-              <a:buNone/>
-              <a:defRPr sz="2133"/>
+            <a:lvl6pPr marL="2286000" indent="0" algn="ctr">
+              <a:buNone/>
+              <a:defRPr sz="1600"/>
             </a:lvl6pPr>
-            <a:lvl7pPr marL="3657509" indent="0" algn="ctr">
-              <a:buNone/>
-              <a:defRPr sz="2133"/>
+            <a:lvl7pPr marL="2743200" indent="0" algn="ctr">
+              <a:buNone/>
+              <a:defRPr sz="1600"/>
             </a:lvl7pPr>
-            <a:lvl8pPr marL="4267093" indent="0" algn="ctr">
-              <a:buNone/>
-              <a:defRPr sz="2133"/>
+            <a:lvl8pPr marL="3200400" indent="0" algn="ctr">
+              <a:buNone/>
+              <a:defRPr sz="1600"/>
             </a:lvl8pPr>
-            <a:lvl9pPr marL="4876678" indent="0" algn="ctr">
-              <a:buNone/>
-              <a:defRPr sz="2133"/>
+            <a:lvl9pPr marL="3657600" indent="0" algn="ctr">
+              <a:buNone/>
+              <a:defRPr sz="1600"/>
             </a:lvl9pPr>
           </a:lstStyle>
           <a:p>
@@ -254,7 +254,7 @@
           <a:p>
             <a:fld id="{0A596C2A-1A10-4451-984A-A3E260F1DFEF}" type="datetimeFigureOut">
               <a:rPr lang="zh-CN" altLang="en-US" smtClean="0"/>
-              <a:t>2024/5/27</a:t>
+              <a:t>2024/8/27</a:t>
             </a:fld>
             <a:endParaRPr lang="zh-CN" altLang="en-US"/>
           </a:p>
@@ -305,7 +305,7 @@
     </p:spTree>
     <p:extLst>
       <p:ext uri="{BB962C8B-B14F-4D97-AF65-F5344CB8AC3E}">
-        <p14:creationId xmlns:p14="http://schemas.microsoft.com/office/powerpoint/2010/main" val="2700448477"/>
+        <p14:creationId xmlns:p14="http://schemas.microsoft.com/office/powerpoint/2010/main" val="843960204"/>
       </p:ext>
     </p:extLst>
   </p:cSld>
@@ -424,7 +424,7 @@
           <a:p>
             <a:fld id="{0A596C2A-1A10-4451-984A-A3E260F1DFEF}" type="datetimeFigureOut">
               <a:rPr lang="zh-CN" altLang="en-US" smtClean="0"/>
-              <a:t>2024/5/27</a:t>
+              <a:t>2024/8/27</a:t>
             </a:fld>
             <a:endParaRPr lang="zh-CN" altLang="en-US"/>
           </a:p>
@@ -475,7 +475,7 @@
     </p:spTree>
     <p:extLst>
       <p:ext uri="{BB962C8B-B14F-4D97-AF65-F5344CB8AC3E}">
-        <p14:creationId xmlns:p14="http://schemas.microsoft.com/office/powerpoint/2010/main" val="4100065223"/>
+        <p14:creationId xmlns:p14="http://schemas.microsoft.com/office/powerpoint/2010/main" val="3171503547"/>
       </p:ext>
     </p:extLst>
   </p:cSld>
@@ -514,8 +514,8 @@
         </p:nvSpPr>
         <p:spPr>
           <a:xfrm>
-            <a:off x="8724901" y="730250"/>
-            <a:ext cx="2628900" cy="11623676"/>
+            <a:off x="8724900" y="389467"/>
+            <a:ext cx="2628900" cy="6199294"/>
           </a:xfrm>
         </p:spPr>
         <p:txBody>
@@ -542,8 +542,8 @@
         </p:nvSpPr>
         <p:spPr>
           <a:xfrm>
-            <a:off x="838201" y="730250"/>
-            <a:ext cx="7734300" cy="11623676"/>
+            <a:off x="838200" y="389467"/>
+            <a:ext cx="7734300" cy="6199294"/>
           </a:xfrm>
         </p:spPr>
         <p:txBody>
@@ -604,7 +604,7 @@
           <a:p>
             <a:fld id="{0A596C2A-1A10-4451-984A-A3E260F1DFEF}" type="datetimeFigureOut">
               <a:rPr lang="zh-CN" altLang="en-US" smtClean="0"/>
-              <a:t>2024/5/27</a:t>
+              <a:t>2024/8/27</a:t>
             </a:fld>
             <a:endParaRPr lang="zh-CN" altLang="en-US"/>
           </a:p>
@@ -655,7 +655,7 @@
     </p:spTree>
     <p:extLst>
       <p:ext uri="{BB962C8B-B14F-4D97-AF65-F5344CB8AC3E}">
-        <p14:creationId xmlns:p14="http://schemas.microsoft.com/office/powerpoint/2010/main" val="1001355826"/>
+        <p14:creationId xmlns:p14="http://schemas.microsoft.com/office/powerpoint/2010/main" val="1708915585"/>
       </p:ext>
     </p:extLst>
   </p:cSld>
@@ -774,7 +774,7 @@
           <a:p>
             <a:fld id="{0A596C2A-1A10-4451-984A-A3E260F1DFEF}" type="datetimeFigureOut">
               <a:rPr lang="zh-CN" altLang="en-US" smtClean="0"/>
-              <a:t>2024/5/27</a:t>
+              <a:t>2024/8/27</a:t>
             </a:fld>
             <a:endParaRPr lang="zh-CN" altLang="en-US"/>
           </a:p>
@@ -825,7 +825,7 @@
     </p:spTree>
     <p:extLst>
       <p:ext uri="{BB962C8B-B14F-4D97-AF65-F5344CB8AC3E}">
-        <p14:creationId xmlns:p14="http://schemas.microsoft.com/office/powerpoint/2010/main" val="2993504974"/>
+        <p14:creationId xmlns:p14="http://schemas.microsoft.com/office/powerpoint/2010/main" val="1202613323"/>
       </p:ext>
     </p:extLst>
   </p:cSld>
@@ -864,15 +864,15 @@
         </p:nvSpPr>
         <p:spPr>
           <a:xfrm>
-            <a:off x="831851" y="3419479"/>
-            <a:ext cx="10515600" cy="5705474"/>
+            <a:off x="831850" y="1823721"/>
+            <a:ext cx="10515600" cy="3042919"/>
           </a:xfrm>
         </p:spPr>
         <p:txBody>
           <a:bodyPr anchor="b"/>
           <a:lstStyle>
             <a:lvl1pPr>
-              <a:defRPr sz="8000"/>
+              <a:defRPr sz="6000"/>
             </a:lvl1pPr>
           </a:lstStyle>
           <a:p>
@@ -896,8 +896,8 @@
         </p:nvSpPr>
         <p:spPr>
           <a:xfrm>
-            <a:off x="831851" y="9178929"/>
-            <a:ext cx="10515600" cy="3000374"/>
+            <a:off x="831850" y="4895428"/>
+            <a:ext cx="10515600" cy="1600199"/>
           </a:xfrm>
         </p:spPr>
         <p:txBody>
@@ -905,7 +905,7 @@
           <a:lstStyle>
             <a:lvl1pPr marL="0" indent="0">
               <a:buNone/>
-              <a:defRPr sz="3200">
+              <a:defRPr sz="2400">
                 <a:solidFill>
                   <a:schemeClr val="tx1">
                     <a:tint val="82000"/>
@@ -913,9 +913,9 @@
                 </a:solidFill>
               </a:defRPr>
             </a:lvl1pPr>
-            <a:lvl2pPr marL="609585" indent="0">
-              <a:buNone/>
-              <a:defRPr sz="2667">
+            <a:lvl2pPr marL="457200" indent="0">
+              <a:buNone/>
+              <a:defRPr sz="2000">
                 <a:solidFill>
                   <a:schemeClr val="tx1">
                     <a:tint val="82000"/>
@@ -923,9 +923,9 @@
                 </a:solidFill>
               </a:defRPr>
             </a:lvl2pPr>
-            <a:lvl3pPr marL="1219170" indent="0">
-              <a:buNone/>
-              <a:defRPr sz="2400">
+            <a:lvl3pPr marL="914400" indent="0">
+              <a:buNone/>
+              <a:defRPr sz="1800">
                 <a:solidFill>
                   <a:schemeClr val="tx1">
                     <a:tint val="82000"/>
@@ -933,9 +933,9 @@
                 </a:solidFill>
               </a:defRPr>
             </a:lvl3pPr>
-            <a:lvl4pPr marL="1828754" indent="0">
-              <a:buNone/>
-              <a:defRPr sz="2133">
+            <a:lvl4pPr marL="1371600" indent="0">
+              <a:buNone/>
+              <a:defRPr sz="1600">
                 <a:solidFill>
                   <a:schemeClr val="tx1">
                     <a:tint val="82000"/>
@@ -943,9 +943,9 @@
                 </a:solidFill>
               </a:defRPr>
             </a:lvl4pPr>
-            <a:lvl5pPr marL="2438339" indent="0">
-              <a:buNone/>
-              <a:defRPr sz="2133">
+            <a:lvl5pPr marL="1828800" indent="0">
+              <a:buNone/>
+              <a:defRPr sz="1600">
                 <a:solidFill>
                   <a:schemeClr val="tx1">
                     <a:tint val="82000"/>
@@ -953,9 +953,9 @@
                 </a:solidFill>
               </a:defRPr>
             </a:lvl5pPr>
-            <a:lvl6pPr marL="3047924" indent="0">
-              <a:buNone/>
-              <a:defRPr sz="2133">
+            <a:lvl6pPr marL="2286000" indent="0">
+              <a:buNone/>
+              <a:defRPr sz="1600">
                 <a:solidFill>
                   <a:schemeClr val="tx1">
                     <a:tint val="82000"/>
@@ -963,9 +963,9 @@
                 </a:solidFill>
               </a:defRPr>
             </a:lvl6pPr>
-            <a:lvl7pPr marL="3657509" indent="0">
-              <a:buNone/>
-              <a:defRPr sz="2133">
+            <a:lvl7pPr marL="2743200" indent="0">
+              <a:buNone/>
+              <a:defRPr sz="1600">
                 <a:solidFill>
                   <a:schemeClr val="tx1">
                     <a:tint val="82000"/>
@@ -973,9 +973,9 @@
                 </a:solidFill>
               </a:defRPr>
             </a:lvl7pPr>
-            <a:lvl8pPr marL="4267093" indent="0">
-              <a:buNone/>
-              <a:defRPr sz="2133">
+            <a:lvl8pPr marL="3200400" indent="0">
+              <a:buNone/>
+              <a:defRPr sz="1600">
                 <a:solidFill>
                   <a:schemeClr val="tx1">
                     <a:tint val="82000"/>
@@ -983,9 +983,9 @@
                 </a:solidFill>
               </a:defRPr>
             </a:lvl8pPr>
-            <a:lvl9pPr marL="4876678" indent="0">
-              <a:buNone/>
-              <a:defRPr sz="2133">
+            <a:lvl9pPr marL="3657600" indent="0">
+              <a:buNone/>
+              <a:defRPr sz="1600">
                 <a:solidFill>
                   <a:schemeClr val="tx1">
                     <a:tint val="82000"/>
@@ -1020,7 +1020,7 @@
           <a:p>
             <a:fld id="{0A596C2A-1A10-4451-984A-A3E260F1DFEF}" type="datetimeFigureOut">
               <a:rPr lang="zh-CN" altLang="en-US" smtClean="0"/>
-              <a:t>2024/5/27</a:t>
+              <a:t>2024/8/27</a:t>
             </a:fld>
             <a:endParaRPr lang="zh-CN" altLang="en-US"/>
           </a:p>
@@ -1071,7 +1071,7 @@
     </p:spTree>
     <p:extLst>
       <p:ext uri="{BB962C8B-B14F-4D97-AF65-F5344CB8AC3E}">
-        <p14:creationId xmlns:p14="http://schemas.microsoft.com/office/powerpoint/2010/main" val="3825900413"/>
+        <p14:creationId xmlns:p14="http://schemas.microsoft.com/office/powerpoint/2010/main" val="1421252788"/>
       </p:ext>
     </p:extLst>
   </p:cSld>
@@ -1133,8 +1133,8 @@
         </p:nvSpPr>
         <p:spPr>
           <a:xfrm>
-            <a:off x="838200" y="3651250"/>
-            <a:ext cx="5181600" cy="8702676"/>
+            <a:off x="838200" y="1947333"/>
+            <a:ext cx="5181600" cy="4641427"/>
           </a:xfrm>
         </p:spPr>
         <p:txBody>
@@ -1190,8 +1190,8 @@
         </p:nvSpPr>
         <p:spPr>
           <a:xfrm>
-            <a:off x="6172200" y="3651250"/>
-            <a:ext cx="5181600" cy="8702676"/>
+            <a:off x="6172200" y="1947333"/>
+            <a:ext cx="5181600" cy="4641427"/>
           </a:xfrm>
         </p:spPr>
         <p:txBody>
@@ -1252,7 +1252,7 @@
           <a:p>
             <a:fld id="{0A596C2A-1A10-4451-984A-A3E260F1DFEF}" type="datetimeFigureOut">
               <a:rPr lang="zh-CN" altLang="en-US" smtClean="0"/>
-              <a:t>2024/5/27</a:t>
+              <a:t>2024/8/27</a:t>
             </a:fld>
             <a:endParaRPr lang="zh-CN" altLang="en-US"/>
           </a:p>
@@ -1303,7 +1303,7 @@
     </p:spTree>
     <p:extLst>
       <p:ext uri="{BB962C8B-B14F-4D97-AF65-F5344CB8AC3E}">
-        <p14:creationId xmlns:p14="http://schemas.microsoft.com/office/powerpoint/2010/main" val="1866929460"/>
+        <p14:creationId xmlns:p14="http://schemas.microsoft.com/office/powerpoint/2010/main" val="13255012"/>
       </p:ext>
     </p:extLst>
   </p:cSld>
@@ -1342,8 +1342,8 @@
         </p:nvSpPr>
         <p:spPr>
           <a:xfrm>
-            <a:off x="839788" y="730253"/>
-            <a:ext cx="10515600" cy="2651126"/>
+            <a:off x="839788" y="389467"/>
+            <a:ext cx="10515600" cy="1413934"/>
           </a:xfrm>
         </p:spPr>
         <p:txBody>
@@ -1370,8 +1370,8 @@
         </p:nvSpPr>
         <p:spPr>
           <a:xfrm>
-            <a:off x="839789" y="3362326"/>
-            <a:ext cx="5157787" cy="1647824"/>
+            <a:off x="839789" y="1793241"/>
+            <a:ext cx="5157787" cy="878839"/>
           </a:xfrm>
         </p:spPr>
         <p:txBody>
@@ -1379,39 +1379,39 @@
           <a:lstStyle>
             <a:lvl1pPr marL="0" indent="0">
               <a:buNone/>
-              <a:defRPr sz="3200" b="1"/>
+              <a:defRPr sz="2400" b="1"/>
             </a:lvl1pPr>
-            <a:lvl2pPr marL="609585" indent="0">
-              <a:buNone/>
-              <a:defRPr sz="2667" b="1"/>
+            <a:lvl2pPr marL="457200" indent="0">
+              <a:buNone/>
+              <a:defRPr sz="2000" b="1"/>
             </a:lvl2pPr>
-            <a:lvl3pPr marL="1219170" indent="0">
-              <a:buNone/>
-              <a:defRPr sz="2400" b="1"/>
+            <a:lvl3pPr marL="914400" indent="0">
+              <a:buNone/>
+              <a:defRPr sz="1800" b="1"/>
             </a:lvl3pPr>
-            <a:lvl4pPr marL="1828754" indent="0">
-              <a:buNone/>
-              <a:defRPr sz="2133" b="1"/>
+            <a:lvl4pPr marL="1371600" indent="0">
+              <a:buNone/>
+              <a:defRPr sz="1600" b="1"/>
             </a:lvl4pPr>
-            <a:lvl5pPr marL="2438339" indent="0">
-              <a:buNone/>
-              <a:defRPr sz="2133" b="1"/>
+            <a:lvl5pPr marL="1828800" indent="0">
+              <a:buNone/>
+              <a:defRPr sz="1600" b="1"/>
             </a:lvl5pPr>
-            <a:lvl6pPr marL="3047924" indent="0">
-              <a:buNone/>
-              <a:defRPr sz="2133" b="1"/>
+            <a:lvl6pPr marL="2286000" indent="0">
+              <a:buNone/>
+              <a:defRPr sz="1600" b="1"/>
             </a:lvl6pPr>
-            <a:lvl7pPr marL="3657509" indent="0">
-              <a:buNone/>
-              <a:defRPr sz="2133" b="1"/>
+            <a:lvl7pPr marL="2743200" indent="0">
+              <a:buNone/>
+              <a:defRPr sz="1600" b="1"/>
             </a:lvl7pPr>
-            <a:lvl8pPr marL="4267093" indent="0">
-              <a:buNone/>
-              <a:defRPr sz="2133" b="1"/>
+            <a:lvl8pPr marL="3200400" indent="0">
+              <a:buNone/>
+              <a:defRPr sz="1600" b="1"/>
             </a:lvl8pPr>
-            <a:lvl9pPr marL="4876678" indent="0">
-              <a:buNone/>
-              <a:defRPr sz="2133" b="1"/>
+            <a:lvl9pPr marL="3657600" indent="0">
+              <a:buNone/>
+              <a:defRPr sz="1600" b="1"/>
             </a:lvl9pPr>
           </a:lstStyle>
           <a:p>
@@ -1435,8 +1435,8 @@
         </p:nvSpPr>
         <p:spPr>
           <a:xfrm>
-            <a:off x="839789" y="5010150"/>
-            <a:ext cx="5157787" cy="7369176"/>
+            <a:off x="839789" y="2672080"/>
+            <a:ext cx="5157787" cy="3930227"/>
           </a:xfrm>
         </p:spPr>
         <p:txBody>
@@ -1492,8 +1492,8 @@
         </p:nvSpPr>
         <p:spPr>
           <a:xfrm>
-            <a:off x="6172201" y="3362326"/>
-            <a:ext cx="5183188" cy="1647824"/>
+            <a:off x="6172200" y="1793241"/>
+            <a:ext cx="5183188" cy="878839"/>
           </a:xfrm>
         </p:spPr>
         <p:txBody>
@@ -1501,39 +1501,39 @@
           <a:lstStyle>
             <a:lvl1pPr marL="0" indent="0">
               <a:buNone/>
-              <a:defRPr sz="3200" b="1"/>
+              <a:defRPr sz="2400" b="1"/>
             </a:lvl1pPr>
-            <a:lvl2pPr marL="609585" indent="0">
-              <a:buNone/>
-              <a:defRPr sz="2667" b="1"/>
+            <a:lvl2pPr marL="457200" indent="0">
+              <a:buNone/>
+              <a:defRPr sz="2000" b="1"/>
             </a:lvl2pPr>
-            <a:lvl3pPr marL="1219170" indent="0">
-              <a:buNone/>
-              <a:defRPr sz="2400" b="1"/>
+            <a:lvl3pPr marL="914400" indent="0">
+              <a:buNone/>
+              <a:defRPr sz="1800" b="1"/>
             </a:lvl3pPr>
-            <a:lvl4pPr marL="1828754" indent="0">
-              <a:buNone/>
-              <a:defRPr sz="2133" b="1"/>
+            <a:lvl4pPr marL="1371600" indent="0">
+              <a:buNone/>
+              <a:defRPr sz="1600" b="1"/>
             </a:lvl4pPr>
-            <a:lvl5pPr marL="2438339" indent="0">
-              <a:buNone/>
-              <a:defRPr sz="2133" b="1"/>
+            <a:lvl5pPr marL="1828800" indent="0">
+              <a:buNone/>
+              <a:defRPr sz="1600" b="1"/>
             </a:lvl5pPr>
-            <a:lvl6pPr marL="3047924" indent="0">
-              <a:buNone/>
-              <a:defRPr sz="2133" b="1"/>
+            <a:lvl6pPr marL="2286000" indent="0">
+              <a:buNone/>
+              <a:defRPr sz="1600" b="1"/>
             </a:lvl6pPr>
-            <a:lvl7pPr marL="3657509" indent="0">
-              <a:buNone/>
-              <a:defRPr sz="2133" b="1"/>
+            <a:lvl7pPr marL="2743200" indent="0">
+              <a:buNone/>
+              <a:defRPr sz="1600" b="1"/>
             </a:lvl7pPr>
-            <a:lvl8pPr marL="4267093" indent="0">
-              <a:buNone/>
-              <a:defRPr sz="2133" b="1"/>
+            <a:lvl8pPr marL="3200400" indent="0">
+              <a:buNone/>
+              <a:defRPr sz="1600" b="1"/>
             </a:lvl8pPr>
-            <a:lvl9pPr marL="4876678" indent="0">
-              <a:buNone/>
-              <a:defRPr sz="2133" b="1"/>
+            <a:lvl9pPr marL="3657600" indent="0">
+              <a:buNone/>
+              <a:defRPr sz="1600" b="1"/>
             </a:lvl9pPr>
           </a:lstStyle>
           <a:p>
@@ -1557,8 +1557,8 @@
         </p:nvSpPr>
         <p:spPr>
           <a:xfrm>
-            <a:off x="6172201" y="5010150"/>
-            <a:ext cx="5183188" cy="7369176"/>
+            <a:off x="6172200" y="2672080"/>
+            <a:ext cx="5183188" cy="3930227"/>
           </a:xfrm>
         </p:spPr>
         <p:txBody>
@@ -1619,7 +1619,7 @@
           <a:p>
             <a:fld id="{0A596C2A-1A10-4451-984A-A3E260F1DFEF}" type="datetimeFigureOut">
               <a:rPr lang="zh-CN" altLang="en-US" smtClean="0"/>
-              <a:t>2024/5/27</a:t>
+              <a:t>2024/8/27</a:t>
             </a:fld>
             <a:endParaRPr lang="zh-CN" altLang="en-US"/>
           </a:p>
@@ -1670,7 +1670,7 @@
     </p:spTree>
     <p:extLst>
       <p:ext uri="{BB962C8B-B14F-4D97-AF65-F5344CB8AC3E}">
-        <p14:creationId xmlns:p14="http://schemas.microsoft.com/office/powerpoint/2010/main" val="2534429050"/>
+        <p14:creationId xmlns:p14="http://schemas.microsoft.com/office/powerpoint/2010/main" val="654735359"/>
       </p:ext>
     </p:extLst>
   </p:cSld>
@@ -1737,7 +1737,7 @@
           <a:p>
             <a:fld id="{0A596C2A-1A10-4451-984A-A3E260F1DFEF}" type="datetimeFigureOut">
               <a:rPr lang="zh-CN" altLang="en-US" smtClean="0"/>
-              <a:t>2024/5/27</a:t>
+              <a:t>2024/8/27</a:t>
             </a:fld>
             <a:endParaRPr lang="zh-CN" altLang="en-US"/>
           </a:p>
@@ -1788,7 +1788,7 @@
     </p:spTree>
     <p:extLst>
       <p:ext uri="{BB962C8B-B14F-4D97-AF65-F5344CB8AC3E}">
-        <p14:creationId xmlns:p14="http://schemas.microsoft.com/office/powerpoint/2010/main" val="4199580338"/>
+        <p14:creationId xmlns:p14="http://schemas.microsoft.com/office/powerpoint/2010/main" val="2454401171"/>
       </p:ext>
     </p:extLst>
   </p:cSld>
@@ -1832,7 +1832,7 @@
           <a:p>
             <a:fld id="{0A596C2A-1A10-4451-984A-A3E260F1DFEF}" type="datetimeFigureOut">
               <a:rPr lang="zh-CN" altLang="en-US" smtClean="0"/>
-              <a:t>2024/5/27</a:t>
+              <a:t>2024/8/27</a:t>
             </a:fld>
             <a:endParaRPr lang="zh-CN" altLang="en-US"/>
           </a:p>
@@ -1883,7 +1883,7 @@
     </p:spTree>
     <p:extLst>
       <p:ext uri="{BB962C8B-B14F-4D97-AF65-F5344CB8AC3E}">
-        <p14:creationId xmlns:p14="http://schemas.microsoft.com/office/powerpoint/2010/main" val="2205613414"/>
+        <p14:creationId xmlns:p14="http://schemas.microsoft.com/office/powerpoint/2010/main" val="3321594655"/>
       </p:ext>
     </p:extLst>
   </p:cSld>
@@ -1922,15 +1922,15 @@
         </p:nvSpPr>
         <p:spPr>
           <a:xfrm>
-            <a:off x="839788" y="914400"/>
-            <a:ext cx="3932237" cy="3200400"/>
+            <a:off x="839789" y="487680"/>
+            <a:ext cx="3932237" cy="1706880"/>
           </a:xfrm>
         </p:spPr>
         <p:txBody>
           <a:bodyPr anchor="b"/>
           <a:lstStyle>
             <a:lvl1pPr>
-              <a:defRPr sz="4267"/>
+              <a:defRPr sz="3200"/>
             </a:lvl1pPr>
           </a:lstStyle>
           <a:p>
@@ -1954,39 +1954,39 @@
         </p:nvSpPr>
         <p:spPr>
           <a:xfrm>
-            <a:off x="5183188" y="1974853"/>
-            <a:ext cx="6172200" cy="9747250"/>
+            <a:off x="5183188" y="1053254"/>
+            <a:ext cx="6172200" cy="5198533"/>
           </a:xfrm>
         </p:spPr>
         <p:txBody>
           <a:bodyPr/>
           <a:lstStyle>
             <a:lvl1pPr>
-              <a:defRPr sz="4267"/>
+              <a:defRPr sz="3200"/>
             </a:lvl1pPr>
             <a:lvl2pPr>
-              <a:defRPr sz="3733"/>
+              <a:defRPr sz="2800"/>
             </a:lvl2pPr>
             <a:lvl3pPr>
-              <a:defRPr sz="3200"/>
+              <a:defRPr sz="2400"/>
             </a:lvl3pPr>
             <a:lvl4pPr>
-              <a:defRPr sz="2667"/>
+              <a:defRPr sz="2000"/>
             </a:lvl4pPr>
             <a:lvl5pPr>
-              <a:defRPr sz="2667"/>
+              <a:defRPr sz="2000"/>
             </a:lvl5pPr>
             <a:lvl6pPr>
-              <a:defRPr sz="2667"/>
+              <a:defRPr sz="2000"/>
             </a:lvl6pPr>
             <a:lvl7pPr>
-              <a:defRPr sz="2667"/>
+              <a:defRPr sz="2000"/>
             </a:lvl7pPr>
             <a:lvl8pPr>
-              <a:defRPr sz="2667"/>
+              <a:defRPr sz="2000"/>
             </a:lvl8pPr>
             <a:lvl9pPr>
-              <a:defRPr sz="2667"/>
+              <a:defRPr sz="2000"/>
             </a:lvl9pPr>
           </a:lstStyle>
           <a:p>
@@ -2039,8 +2039,8 @@
         </p:nvSpPr>
         <p:spPr>
           <a:xfrm>
-            <a:off x="839788" y="4114800"/>
-            <a:ext cx="3932237" cy="7623176"/>
+            <a:off x="839789" y="2194560"/>
+            <a:ext cx="3932237" cy="4065694"/>
           </a:xfrm>
         </p:spPr>
         <p:txBody>
@@ -2048,39 +2048,39 @@
           <a:lstStyle>
             <a:lvl1pPr marL="0" indent="0">
               <a:buNone/>
-              <a:defRPr sz="2133"/>
+              <a:defRPr sz="1600"/>
             </a:lvl1pPr>
-            <a:lvl2pPr marL="609585" indent="0">
-              <a:buNone/>
-              <a:defRPr sz="1867"/>
+            <a:lvl2pPr marL="457200" indent="0">
+              <a:buNone/>
+              <a:defRPr sz="1400"/>
             </a:lvl2pPr>
-            <a:lvl3pPr marL="1219170" indent="0">
-              <a:buNone/>
-              <a:defRPr sz="1600"/>
+            <a:lvl3pPr marL="914400" indent="0">
+              <a:buNone/>
+              <a:defRPr sz="1200"/>
             </a:lvl3pPr>
-            <a:lvl4pPr marL="1828754" indent="0">
-              <a:buNone/>
-              <a:defRPr sz="1333"/>
+            <a:lvl4pPr marL="1371600" indent="0">
+              <a:buNone/>
+              <a:defRPr sz="1000"/>
             </a:lvl4pPr>
-            <a:lvl5pPr marL="2438339" indent="0">
-              <a:buNone/>
-              <a:defRPr sz="1333"/>
+            <a:lvl5pPr marL="1828800" indent="0">
+              <a:buNone/>
+              <a:defRPr sz="1000"/>
             </a:lvl5pPr>
-            <a:lvl6pPr marL="3047924" indent="0">
-              <a:buNone/>
-              <a:defRPr sz="1333"/>
+            <a:lvl6pPr marL="2286000" indent="0">
+              <a:buNone/>
+              <a:defRPr sz="1000"/>
             </a:lvl6pPr>
-            <a:lvl7pPr marL="3657509" indent="0">
-              <a:buNone/>
-              <a:defRPr sz="1333"/>
+            <a:lvl7pPr marL="2743200" indent="0">
+              <a:buNone/>
+              <a:defRPr sz="1000"/>
             </a:lvl7pPr>
-            <a:lvl8pPr marL="4267093" indent="0">
-              <a:buNone/>
-              <a:defRPr sz="1333"/>
+            <a:lvl8pPr marL="3200400" indent="0">
+              <a:buNone/>
+              <a:defRPr sz="1000"/>
             </a:lvl8pPr>
-            <a:lvl9pPr marL="4876678" indent="0">
-              <a:buNone/>
-              <a:defRPr sz="1333"/>
+            <a:lvl9pPr marL="3657600" indent="0">
+              <a:buNone/>
+              <a:defRPr sz="1000"/>
             </a:lvl9pPr>
           </a:lstStyle>
           <a:p>
@@ -2109,7 +2109,7 @@
           <a:p>
             <a:fld id="{0A596C2A-1A10-4451-984A-A3E260F1DFEF}" type="datetimeFigureOut">
               <a:rPr lang="zh-CN" altLang="en-US" smtClean="0"/>
-              <a:t>2024/5/27</a:t>
+              <a:t>2024/8/27</a:t>
             </a:fld>
             <a:endParaRPr lang="zh-CN" altLang="en-US"/>
           </a:p>
@@ -2160,7 +2160,7 @@
     </p:spTree>
     <p:extLst>
       <p:ext uri="{BB962C8B-B14F-4D97-AF65-F5344CB8AC3E}">
-        <p14:creationId xmlns:p14="http://schemas.microsoft.com/office/powerpoint/2010/main" val="2252735419"/>
+        <p14:creationId xmlns:p14="http://schemas.microsoft.com/office/powerpoint/2010/main" val="3172321068"/>
       </p:ext>
     </p:extLst>
   </p:cSld>
@@ -2199,15 +2199,15 @@
         </p:nvSpPr>
         <p:spPr>
           <a:xfrm>
-            <a:off x="839788" y="914400"/>
-            <a:ext cx="3932237" cy="3200400"/>
+            <a:off x="839789" y="487680"/>
+            <a:ext cx="3932237" cy="1706880"/>
           </a:xfrm>
         </p:spPr>
         <p:txBody>
           <a:bodyPr anchor="b"/>
           <a:lstStyle>
             <a:lvl1pPr>
-              <a:defRPr sz="4267"/>
+              <a:defRPr sz="3200"/>
             </a:lvl1pPr>
           </a:lstStyle>
           <a:p>
@@ -2231,8 +2231,8 @@
         </p:nvSpPr>
         <p:spPr>
           <a:xfrm>
-            <a:off x="5183188" y="1974853"/>
-            <a:ext cx="6172200" cy="9747250"/>
+            <a:off x="5183188" y="1053254"/>
+            <a:ext cx="6172200" cy="5198533"/>
           </a:xfrm>
         </p:spPr>
         <p:txBody>
@@ -2240,39 +2240,39 @@
           <a:lstStyle>
             <a:lvl1pPr marL="0" indent="0">
               <a:buNone/>
-              <a:defRPr sz="4267"/>
+              <a:defRPr sz="3200"/>
             </a:lvl1pPr>
-            <a:lvl2pPr marL="609585" indent="0">
-              <a:buNone/>
-              <a:defRPr sz="3733"/>
+            <a:lvl2pPr marL="457200" indent="0">
+              <a:buNone/>
+              <a:defRPr sz="2800"/>
             </a:lvl2pPr>
-            <a:lvl3pPr marL="1219170" indent="0">
-              <a:buNone/>
-              <a:defRPr sz="3200"/>
+            <a:lvl3pPr marL="914400" indent="0">
+              <a:buNone/>
+              <a:defRPr sz="2400"/>
             </a:lvl3pPr>
-            <a:lvl4pPr marL="1828754" indent="0">
-              <a:buNone/>
-              <a:defRPr sz="2667"/>
+            <a:lvl4pPr marL="1371600" indent="0">
+              <a:buNone/>
+              <a:defRPr sz="2000"/>
             </a:lvl4pPr>
-            <a:lvl5pPr marL="2438339" indent="0">
-              <a:buNone/>
-              <a:defRPr sz="2667"/>
+            <a:lvl5pPr marL="1828800" indent="0">
+              <a:buNone/>
+              <a:defRPr sz="2000"/>
             </a:lvl5pPr>
-            <a:lvl6pPr marL="3047924" indent="0">
-              <a:buNone/>
-              <a:defRPr sz="2667"/>
+            <a:lvl6pPr marL="2286000" indent="0">
+              <a:buNone/>
+              <a:defRPr sz="2000"/>
             </a:lvl6pPr>
-            <a:lvl7pPr marL="3657509" indent="0">
-              <a:buNone/>
-              <a:defRPr sz="2667"/>
+            <a:lvl7pPr marL="2743200" indent="0">
+              <a:buNone/>
+              <a:defRPr sz="2000"/>
             </a:lvl7pPr>
-            <a:lvl8pPr marL="4267093" indent="0">
-              <a:buNone/>
-              <a:defRPr sz="2667"/>
+            <a:lvl8pPr marL="3200400" indent="0">
+              <a:buNone/>
+              <a:defRPr sz="2000"/>
             </a:lvl8pPr>
-            <a:lvl9pPr marL="4876678" indent="0">
-              <a:buNone/>
-              <a:defRPr sz="2667"/>
+            <a:lvl9pPr marL="3657600" indent="0">
+              <a:buNone/>
+              <a:defRPr sz="2000"/>
             </a:lvl9pPr>
           </a:lstStyle>
           <a:p>
@@ -2296,8 +2296,8 @@
         </p:nvSpPr>
         <p:spPr>
           <a:xfrm>
-            <a:off x="839788" y="4114800"/>
-            <a:ext cx="3932237" cy="7623176"/>
+            <a:off x="839789" y="2194560"/>
+            <a:ext cx="3932237" cy="4065694"/>
           </a:xfrm>
         </p:spPr>
         <p:txBody>
@@ -2305,39 +2305,39 @@
           <a:lstStyle>
             <a:lvl1pPr marL="0" indent="0">
               <a:buNone/>
-              <a:defRPr sz="2133"/>
+              <a:defRPr sz="1600"/>
             </a:lvl1pPr>
-            <a:lvl2pPr marL="609585" indent="0">
-              <a:buNone/>
-              <a:defRPr sz="1867"/>
+            <a:lvl2pPr marL="457200" indent="0">
+              <a:buNone/>
+              <a:defRPr sz="1400"/>
             </a:lvl2pPr>
-            <a:lvl3pPr marL="1219170" indent="0">
-              <a:buNone/>
-              <a:defRPr sz="1600"/>
+            <a:lvl3pPr marL="914400" indent="0">
+              <a:buNone/>
+              <a:defRPr sz="1200"/>
             </a:lvl3pPr>
-            <a:lvl4pPr marL="1828754" indent="0">
-              <a:buNone/>
-              <a:defRPr sz="1333"/>
+            <a:lvl4pPr marL="1371600" indent="0">
+              <a:buNone/>
+              <a:defRPr sz="1000"/>
             </a:lvl4pPr>
-            <a:lvl5pPr marL="2438339" indent="0">
-              <a:buNone/>
-              <a:defRPr sz="1333"/>
+            <a:lvl5pPr marL="1828800" indent="0">
+              <a:buNone/>
+              <a:defRPr sz="1000"/>
             </a:lvl5pPr>
-            <a:lvl6pPr marL="3047924" indent="0">
-              <a:buNone/>
-              <a:defRPr sz="1333"/>
+            <a:lvl6pPr marL="2286000" indent="0">
+              <a:buNone/>
+              <a:defRPr sz="1000"/>
             </a:lvl6pPr>
-            <a:lvl7pPr marL="3657509" indent="0">
-              <a:buNone/>
-              <a:defRPr sz="1333"/>
+            <a:lvl7pPr marL="2743200" indent="0">
+              <a:buNone/>
+              <a:defRPr sz="1000"/>
             </a:lvl7pPr>
-            <a:lvl8pPr marL="4267093" indent="0">
-              <a:buNone/>
-              <a:defRPr sz="1333"/>
+            <a:lvl8pPr marL="3200400" indent="0">
+              <a:buNone/>
+              <a:defRPr sz="1000"/>
             </a:lvl8pPr>
-            <a:lvl9pPr marL="4876678" indent="0">
-              <a:buNone/>
-              <a:defRPr sz="1333"/>
+            <a:lvl9pPr marL="3657600" indent="0">
+              <a:buNone/>
+              <a:defRPr sz="1000"/>
             </a:lvl9pPr>
           </a:lstStyle>
           <a:p>
@@ -2366,7 +2366,7 @@
           <a:p>
             <a:fld id="{0A596C2A-1A10-4451-984A-A3E260F1DFEF}" type="datetimeFigureOut">
               <a:rPr lang="zh-CN" altLang="en-US" smtClean="0"/>
-              <a:t>2024/5/27</a:t>
+              <a:t>2024/8/27</a:t>
             </a:fld>
             <a:endParaRPr lang="zh-CN" altLang="en-US"/>
           </a:p>
@@ -2417,7 +2417,7 @@
     </p:spTree>
     <p:extLst>
       <p:ext uri="{BB962C8B-B14F-4D97-AF65-F5344CB8AC3E}">
-        <p14:creationId xmlns:p14="http://schemas.microsoft.com/office/powerpoint/2010/main" val="2434444763"/>
+        <p14:creationId xmlns:p14="http://schemas.microsoft.com/office/powerpoint/2010/main" val="1916592091"/>
       </p:ext>
     </p:extLst>
   </p:cSld>
@@ -2461,8 +2461,8 @@
         </p:nvSpPr>
         <p:spPr>
           <a:xfrm>
-            <a:off x="838200" y="730253"/>
-            <a:ext cx="10515600" cy="2651126"/>
+            <a:off x="838200" y="389467"/>
+            <a:ext cx="10515600" cy="1413934"/>
           </a:xfrm>
           <a:prstGeom prst="rect">
             <a:avLst/>
@@ -2494,8 +2494,8 @@
         </p:nvSpPr>
         <p:spPr>
           <a:xfrm>
-            <a:off x="838200" y="3651250"/>
-            <a:ext cx="10515600" cy="8702676"/>
+            <a:off x="838200" y="1947333"/>
+            <a:ext cx="10515600" cy="4641427"/>
           </a:xfrm>
           <a:prstGeom prst="rect">
             <a:avLst/>
@@ -2556,8 +2556,8 @@
         </p:nvSpPr>
         <p:spPr>
           <a:xfrm>
-            <a:off x="838200" y="12712703"/>
-            <a:ext cx="2743200" cy="730250"/>
+            <a:off x="838200" y="6780107"/>
+            <a:ext cx="2743200" cy="389467"/>
           </a:xfrm>
           <a:prstGeom prst="rect">
             <a:avLst/>
@@ -2567,7 +2567,7 @@
           <a:bodyPr vert="horz" lIns="91440" tIns="45720" rIns="91440" bIns="45720" rtlCol="0" anchor="ctr"/>
           <a:lstStyle>
             <a:lvl1pPr algn="l">
-              <a:defRPr sz="1600">
+              <a:defRPr sz="1200">
                 <a:solidFill>
                   <a:schemeClr val="tx1">
                     <a:tint val="82000"/>
@@ -2579,7 +2579,7 @@
           <a:p>
             <a:fld id="{0A596C2A-1A10-4451-984A-A3E260F1DFEF}" type="datetimeFigureOut">
               <a:rPr lang="zh-CN" altLang="en-US" smtClean="0"/>
-              <a:t>2024/5/27</a:t>
+              <a:t>2024/8/27</a:t>
             </a:fld>
             <a:endParaRPr lang="zh-CN" altLang="en-US"/>
           </a:p>
@@ -2597,8 +2597,8 @@
         </p:nvSpPr>
         <p:spPr>
           <a:xfrm>
-            <a:off x="4038600" y="12712703"/>
-            <a:ext cx="4114800" cy="730250"/>
+            <a:off x="4038600" y="6780107"/>
+            <a:ext cx="4114800" cy="389467"/>
           </a:xfrm>
           <a:prstGeom prst="rect">
             <a:avLst/>
@@ -2608,7 +2608,7 @@
           <a:bodyPr vert="horz" lIns="91440" tIns="45720" rIns="91440" bIns="45720" rtlCol="0" anchor="ctr"/>
           <a:lstStyle>
             <a:lvl1pPr algn="ctr">
-              <a:defRPr sz="1600">
+              <a:defRPr sz="1200">
                 <a:solidFill>
                   <a:schemeClr val="tx1">
                     <a:tint val="82000"/>
@@ -2634,8 +2634,8 @@
         </p:nvSpPr>
         <p:spPr>
           <a:xfrm>
-            <a:off x="8610600" y="12712703"/>
-            <a:ext cx="2743200" cy="730250"/>
+            <a:off x="8610600" y="6780107"/>
+            <a:ext cx="2743200" cy="389467"/>
           </a:xfrm>
           <a:prstGeom prst="rect">
             <a:avLst/>
@@ -2645,7 +2645,7 @@
           <a:bodyPr vert="horz" lIns="91440" tIns="45720" rIns="91440" bIns="45720" rtlCol="0" anchor="ctr"/>
           <a:lstStyle>
             <a:lvl1pPr algn="r">
-              <a:defRPr sz="1600">
+              <a:defRPr sz="1200">
                 <a:solidFill>
                   <a:schemeClr val="tx1">
                     <a:tint val="82000"/>
@@ -2666,27 +2666,27 @@
     </p:spTree>
     <p:extLst>
       <p:ext uri="{BB962C8B-B14F-4D97-AF65-F5344CB8AC3E}">
-        <p14:creationId xmlns:p14="http://schemas.microsoft.com/office/powerpoint/2010/main" val="3429431791"/>
+        <p14:creationId xmlns:p14="http://schemas.microsoft.com/office/powerpoint/2010/main" val="3524691863"/>
       </p:ext>
     </p:extLst>
   </p:cSld>
   <p:clrMap bg1="lt1" tx1="dk1" bg2="lt2" tx2="dk2" accent1="accent1" accent2="accent2" accent3="accent3" accent4="accent4" accent5="accent5" accent6="accent6" hlink="hlink" folHlink="folHlink"/>
   <p:sldLayoutIdLst>
-    <p:sldLayoutId id="2147483661" r:id="rId1"/>
-    <p:sldLayoutId id="2147483662" r:id="rId2"/>
-    <p:sldLayoutId id="2147483663" r:id="rId3"/>
-    <p:sldLayoutId id="2147483664" r:id="rId4"/>
-    <p:sldLayoutId id="2147483665" r:id="rId5"/>
-    <p:sldLayoutId id="2147483666" r:id="rId6"/>
-    <p:sldLayoutId id="2147483667" r:id="rId7"/>
-    <p:sldLayoutId id="2147483668" r:id="rId8"/>
-    <p:sldLayoutId id="2147483669" r:id="rId9"/>
-    <p:sldLayoutId id="2147483670" r:id="rId10"/>
-    <p:sldLayoutId id="2147483671" r:id="rId11"/>
+    <p:sldLayoutId id="2147483673" r:id="rId1"/>
+    <p:sldLayoutId id="2147483674" r:id="rId2"/>
+    <p:sldLayoutId id="2147483675" r:id="rId3"/>
+    <p:sldLayoutId id="2147483676" r:id="rId4"/>
+    <p:sldLayoutId id="2147483677" r:id="rId5"/>
+    <p:sldLayoutId id="2147483678" r:id="rId6"/>
+    <p:sldLayoutId id="2147483679" r:id="rId7"/>
+    <p:sldLayoutId id="2147483680" r:id="rId8"/>
+    <p:sldLayoutId id="2147483681" r:id="rId9"/>
+    <p:sldLayoutId id="2147483682" r:id="rId10"/>
+    <p:sldLayoutId id="2147483683" r:id="rId11"/>
   </p:sldLayoutIdLst>
   <p:txStyles>
     <p:titleStyle>
-      <a:lvl1pPr algn="l" defTabSz="1219170" rtl="0" eaLnBrk="1" latinLnBrk="0" hangingPunct="1">
+      <a:lvl1pPr algn="l" defTabSz="914400" rtl="0" eaLnBrk="1" latinLnBrk="0" hangingPunct="1">
         <a:lnSpc>
           <a:spcPct val="90000"/>
         </a:lnSpc>
@@ -2694,7 +2694,7 @@
           <a:spcPct val="0"/>
         </a:spcBef>
         <a:buNone/>
-        <a:defRPr sz="5867" kern="1200">
+        <a:defRPr sz="4400" kern="1200">
           <a:solidFill>
             <a:schemeClr val="tx1"/>
           </a:solidFill>
@@ -2705,16 +2705,16 @@
       </a:lvl1pPr>
     </p:titleStyle>
     <p:bodyStyle>
-      <a:lvl1pPr marL="304792" indent="-304792" algn="l" defTabSz="1219170" rtl="0" eaLnBrk="1" latinLnBrk="0" hangingPunct="1">
+      <a:lvl1pPr marL="228600" indent="-228600" algn="l" defTabSz="914400" rtl="0" eaLnBrk="1" latinLnBrk="0" hangingPunct="1">
         <a:lnSpc>
           <a:spcPct val="90000"/>
         </a:lnSpc>
         <a:spcBef>
-          <a:spcPts val="1333"/>
+          <a:spcPts val="1000"/>
         </a:spcBef>
         <a:buFont typeface="Arial" panose="020B0604020202020204" pitchFamily="34" charset="0"/>
         <a:buChar char="•"/>
-        <a:defRPr sz="3733" kern="1200">
+        <a:defRPr sz="2800" kern="1200">
           <a:solidFill>
             <a:schemeClr val="tx1"/>
           </a:solidFill>
@@ -2723,48 +2723,12 @@
           <a:cs typeface="+mn-cs"/>
         </a:defRPr>
       </a:lvl1pPr>
-      <a:lvl2pPr marL="914377" indent="-304792" algn="l" defTabSz="1219170" rtl="0" eaLnBrk="1" latinLnBrk="0" hangingPunct="1">
+      <a:lvl2pPr marL="685800" indent="-228600" algn="l" defTabSz="914400" rtl="0" eaLnBrk="1" latinLnBrk="0" hangingPunct="1">
         <a:lnSpc>
           <a:spcPct val="90000"/>
         </a:lnSpc>
         <a:spcBef>
-          <a:spcPts val="667"/>
-        </a:spcBef>
-        <a:buFont typeface="Arial" panose="020B0604020202020204" pitchFamily="34" charset="0"/>
-        <a:buChar char="•"/>
-        <a:defRPr sz="3200" kern="1200">
-          <a:solidFill>
-            <a:schemeClr val="tx1"/>
-          </a:solidFill>
-          <a:latin typeface="+mn-lt"/>
-          <a:ea typeface="+mn-ea"/>
-          <a:cs typeface="+mn-cs"/>
-        </a:defRPr>
-      </a:lvl2pPr>
-      <a:lvl3pPr marL="1523962" indent="-304792" algn="l" defTabSz="1219170" rtl="0" eaLnBrk="1" latinLnBrk="0" hangingPunct="1">
-        <a:lnSpc>
-          <a:spcPct val="90000"/>
-        </a:lnSpc>
-        <a:spcBef>
-          <a:spcPts val="667"/>
-        </a:spcBef>
-        <a:buFont typeface="Arial" panose="020B0604020202020204" pitchFamily="34" charset="0"/>
-        <a:buChar char="•"/>
-        <a:defRPr sz="2667" kern="1200">
-          <a:solidFill>
-            <a:schemeClr val="tx1"/>
-          </a:solidFill>
-          <a:latin typeface="+mn-lt"/>
-          <a:ea typeface="+mn-ea"/>
-          <a:cs typeface="+mn-cs"/>
-        </a:defRPr>
-      </a:lvl3pPr>
-      <a:lvl4pPr marL="2133547" indent="-304792" algn="l" defTabSz="1219170" rtl="0" eaLnBrk="1" latinLnBrk="0" hangingPunct="1">
-        <a:lnSpc>
-          <a:spcPct val="90000"/>
-        </a:lnSpc>
-        <a:spcBef>
-          <a:spcPts val="667"/>
+          <a:spcPts val="500"/>
         </a:spcBef>
         <a:buFont typeface="Arial" panose="020B0604020202020204" pitchFamily="34" charset="0"/>
         <a:buChar char="•"/>
@@ -2776,17 +2740,53 @@
           <a:ea typeface="+mn-ea"/>
           <a:cs typeface="+mn-cs"/>
         </a:defRPr>
-      </a:lvl4pPr>
-      <a:lvl5pPr marL="2743131" indent="-304792" algn="l" defTabSz="1219170" rtl="0" eaLnBrk="1" latinLnBrk="0" hangingPunct="1">
+      </a:lvl2pPr>
+      <a:lvl3pPr marL="1143000" indent="-228600" algn="l" defTabSz="914400" rtl="0" eaLnBrk="1" latinLnBrk="0" hangingPunct="1">
         <a:lnSpc>
           <a:spcPct val="90000"/>
         </a:lnSpc>
         <a:spcBef>
-          <a:spcPts val="667"/>
+          <a:spcPts val="500"/>
         </a:spcBef>
         <a:buFont typeface="Arial" panose="020B0604020202020204" pitchFamily="34" charset="0"/>
         <a:buChar char="•"/>
-        <a:defRPr sz="2400" kern="1200">
+        <a:defRPr sz="2000" kern="1200">
+          <a:solidFill>
+            <a:schemeClr val="tx1"/>
+          </a:solidFill>
+          <a:latin typeface="+mn-lt"/>
+          <a:ea typeface="+mn-ea"/>
+          <a:cs typeface="+mn-cs"/>
+        </a:defRPr>
+      </a:lvl3pPr>
+      <a:lvl4pPr marL="1600200" indent="-228600" algn="l" defTabSz="914400" rtl="0" eaLnBrk="1" latinLnBrk="0" hangingPunct="1">
+        <a:lnSpc>
+          <a:spcPct val="90000"/>
+        </a:lnSpc>
+        <a:spcBef>
+          <a:spcPts val="500"/>
+        </a:spcBef>
+        <a:buFont typeface="Arial" panose="020B0604020202020204" pitchFamily="34" charset="0"/>
+        <a:buChar char="•"/>
+        <a:defRPr sz="1800" kern="1200">
+          <a:solidFill>
+            <a:schemeClr val="tx1"/>
+          </a:solidFill>
+          <a:latin typeface="+mn-lt"/>
+          <a:ea typeface="+mn-ea"/>
+          <a:cs typeface="+mn-cs"/>
+        </a:defRPr>
+      </a:lvl4pPr>
+      <a:lvl5pPr marL="2057400" indent="-228600" algn="l" defTabSz="914400" rtl="0" eaLnBrk="1" latinLnBrk="0" hangingPunct="1">
+        <a:lnSpc>
+          <a:spcPct val="90000"/>
+        </a:lnSpc>
+        <a:spcBef>
+          <a:spcPts val="500"/>
+        </a:spcBef>
+        <a:buFont typeface="Arial" panose="020B0604020202020204" pitchFamily="34" charset="0"/>
+        <a:buChar char="•"/>
+        <a:defRPr sz="1800" kern="1200">
           <a:solidFill>
             <a:schemeClr val="tx1"/>
           </a:solidFill>
@@ -2795,16 +2795,16 @@
           <a:cs typeface="+mn-cs"/>
         </a:defRPr>
       </a:lvl5pPr>
-      <a:lvl6pPr marL="3352716" indent="-304792" algn="l" defTabSz="1219170" rtl="0" eaLnBrk="1" latinLnBrk="0" hangingPunct="1">
+      <a:lvl6pPr marL="2514600" indent="-228600" algn="l" defTabSz="914400" rtl="0" eaLnBrk="1" latinLnBrk="0" hangingPunct="1">
         <a:lnSpc>
           <a:spcPct val="90000"/>
         </a:lnSpc>
         <a:spcBef>
-          <a:spcPts val="667"/>
+          <a:spcPts val="500"/>
         </a:spcBef>
         <a:buFont typeface="Arial" panose="020B0604020202020204" pitchFamily="34" charset="0"/>
         <a:buChar char="•"/>
-        <a:defRPr sz="2400" kern="1200">
+        <a:defRPr sz="1800" kern="1200">
           <a:solidFill>
             <a:schemeClr val="tx1"/>
           </a:solidFill>
@@ -2813,16 +2813,16 @@
           <a:cs typeface="+mn-cs"/>
         </a:defRPr>
       </a:lvl6pPr>
-      <a:lvl7pPr marL="3962301" indent="-304792" algn="l" defTabSz="1219170" rtl="0" eaLnBrk="1" latinLnBrk="0" hangingPunct="1">
+      <a:lvl7pPr marL="2971800" indent="-228600" algn="l" defTabSz="914400" rtl="0" eaLnBrk="1" latinLnBrk="0" hangingPunct="1">
         <a:lnSpc>
           <a:spcPct val="90000"/>
         </a:lnSpc>
         <a:spcBef>
-          <a:spcPts val="667"/>
+          <a:spcPts val="500"/>
         </a:spcBef>
         <a:buFont typeface="Arial" panose="020B0604020202020204" pitchFamily="34" charset="0"/>
         <a:buChar char="•"/>
-        <a:defRPr sz="2400" kern="1200">
+        <a:defRPr sz="1800" kern="1200">
           <a:solidFill>
             <a:schemeClr val="tx1"/>
           </a:solidFill>
@@ -2831,16 +2831,16 @@
           <a:cs typeface="+mn-cs"/>
         </a:defRPr>
       </a:lvl7pPr>
-      <a:lvl8pPr marL="4571886" indent="-304792" algn="l" defTabSz="1219170" rtl="0" eaLnBrk="1" latinLnBrk="0" hangingPunct="1">
+      <a:lvl8pPr marL="3429000" indent="-228600" algn="l" defTabSz="914400" rtl="0" eaLnBrk="1" latinLnBrk="0" hangingPunct="1">
         <a:lnSpc>
           <a:spcPct val="90000"/>
         </a:lnSpc>
         <a:spcBef>
-          <a:spcPts val="667"/>
+          <a:spcPts val="500"/>
         </a:spcBef>
         <a:buFont typeface="Arial" panose="020B0604020202020204" pitchFamily="34" charset="0"/>
         <a:buChar char="•"/>
-        <a:defRPr sz="2400" kern="1200">
+        <a:defRPr sz="1800" kern="1200">
           <a:solidFill>
             <a:schemeClr val="tx1"/>
           </a:solidFill>
@@ -2849,16 +2849,16 @@
           <a:cs typeface="+mn-cs"/>
         </a:defRPr>
       </a:lvl8pPr>
-      <a:lvl9pPr marL="5181470" indent="-304792" algn="l" defTabSz="1219170" rtl="0" eaLnBrk="1" latinLnBrk="0" hangingPunct="1">
+      <a:lvl9pPr marL="3886200" indent="-228600" algn="l" defTabSz="914400" rtl="0" eaLnBrk="1" latinLnBrk="0" hangingPunct="1">
         <a:lnSpc>
           <a:spcPct val="90000"/>
         </a:lnSpc>
         <a:spcBef>
-          <a:spcPts val="667"/>
+          <a:spcPts val="500"/>
         </a:spcBef>
         <a:buFont typeface="Arial" panose="020B0604020202020204" pitchFamily="34" charset="0"/>
         <a:buChar char="•"/>
-        <a:defRPr sz="2400" kern="1200">
+        <a:defRPr sz="1800" kern="1200">
           <a:solidFill>
             <a:schemeClr val="tx1"/>
           </a:solidFill>
@@ -2872,8 +2872,8 @@
       <a:defPPr>
         <a:defRPr lang="en-US"/>
       </a:defPPr>
-      <a:lvl1pPr marL="0" algn="l" defTabSz="1219170" rtl="0" eaLnBrk="1" latinLnBrk="0" hangingPunct="1">
-        <a:defRPr sz="2400" kern="1200">
+      <a:lvl1pPr marL="0" algn="l" defTabSz="914400" rtl="0" eaLnBrk="1" latinLnBrk="0" hangingPunct="1">
+        <a:defRPr sz="1800" kern="1200">
           <a:solidFill>
             <a:schemeClr val="tx1"/>
           </a:solidFill>
@@ -2882,8 +2882,8 @@
           <a:cs typeface="+mn-cs"/>
         </a:defRPr>
       </a:lvl1pPr>
-      <a:lvl2pPr marL="609585" algn="l" defTabSz="1219170" rtl="0" eaLnBrk="1" latinLnBrk="0" hangingPunct="1">
-        <a:defRPr sz="2400" kern="1200">
+      <a:lvl2pPr marL="457200" algn="l" defTabSz="914400" rtl="0" eaLnBrk="1" latinLnBrk="0" hangingPunct="1">
+        <a:defRPr sz="1800" kern="1200">
           <a:solidFill>
             <a:schemeClr val="tx1"/>
           </a:solidFill>
@@ -2892,8 +2892,8 @@
           <a:cs typeface="+mn-cs"/>
         </a:defRPr>
       </a:lvl2pPr>
-      <a:lvl3pPr marL="1219170" algn="l" defTabSz="1219170" rtl="0" eaLnBrk="1" latinLnBrk="0" hangingPunct="1">
-        <a:defRPr sz="2400" kern="1200">
+      <a:lvl3pPr marL="914400" algn="l" defTabSz="914400" rtl="0" eaLnBrk="1" latinLnBrk="0" hangingPunct="1">
+        <a:defRPr sz="1800" kern="1200">
           <a:solidFill>
             <a:schemeClr val="tx1"/>
           </a:solidFill>
@@ -2902,8 +2902,8 @@
           <a:cs typeface="+mn-cs"/>
         </a:defRPr>
       </a:lvl3pPr>
-      <a:lvl4pPr marL="1828754" algn="l" defTabSz="1219170" rtl="0" eaLnBrk="1" latinLnBrk="0" hangingPunct="1">
-        <a:defRPr sz="2400" kern="1200">
+      <a:lvl4pPr marL="1371600" algn="l" defTabSz="914400" rtl="0" eaLnBrk="1" latinLnBrk="0" hangingPunct="1">
+        <a:defRPr sz="1800" kern="1200">
           <a:solidFill>
             <a:schemeClr val="tx1"/>
           </a:solidFill>
@@ -2912,8 +2912,8 @@
           <a:cs typeface="+mn-cs"/>
         </a:defRPr>
       </a:lvl4pPr>
-      <a:lvl5pPr marL="2438339" algn="l" defTabSz="1219170" rtl="0" eaLnBrk="1" latinLnBrk="0" hangingPunct="1">
-        <a:defRPr sz="2400" kern="1200">
+      <a:lvl5pPr marL="1828800" algn="l" defTabSz="914400" rtl="0" eaLnBrk="1" latinLnBrk="0" hangingPunct="1">
+        <a:defRPr sz="1800" kern="1200">
           <a:solidFill>
             <a:schemeClr val="tx1"/>
           </a:solidFill>
@@ -2922,8 +2922,8 @@
           <a:cs typeface="+mn-cs"/>
         </a:defRPr>
       </a:lvl5pPr>
-      <a:lvl6pPr marL="3047924" algn="l" defTabSz="1219170" rtl="0" eaLnBrk="1" latinLnBrk="0" hangingPunct="1">
-        <a:defRPr sz="2400" kern="1200">
+      <a:lvl6pPr marL="2286000" algn="l" defTabSz="914400" rtl="0" eaLnBrk="1" latinLnBrk="0" hangingPunct="1">
+        <a:defRPr sz="1800" kern="1200">
           <a:solidFill>
             <a:schemeClr val="tx1"/>
           </a:solidFill>
@@ -2932,8 +2932,8 @@
           <a:cs typeface="+mn-cs"/>
         </a:defRPr>
       </a:lvl6pPr>
-      <a:lvl7pPr marL="3657509" algn="l" defTabSz="1219170" rtl="0" eaLnBrk="1" latinLnBrk="0" hangingPunct="1">
-        <a:defRPr sz="2400" kern="1200">
+      <a:lvl7pPr marL="2743200" algn="l" defTabSz="914400" rtl="0" eaLnBrk="1" latinLnBrk="0" hangingPunct="1">
+        <a:defRPr sz="1800" kern="1200">
           <a:solidFill>
             <a:schemeClr val="tx1"/>
           </a:solidFill>
@@ -2942,8 +2942,8 @@
           <a:cs typeface="+mn-cs"/>
         </a:defRPr>
       </a:lvl7pPr>
-      <a:lvl8pPr marL="4267093" algn="l" defTabSz="1219170" rtl="0" eaLnBrk="1" latinLnBrk="0" hangingPunct="1">
-        <a:defRPr sz="2400" kern="1200">
+      <a:lvl8pPr marL="3200400" algn="l" defTabSz="914400" rtl="0" eaLnBrk="1" latinLnBrk="0" hangingPunct="1">
+        <a:defRPr sz="1800" kern="1200">
           <a:solidFill>
             <a:schemeClr val="tx1"/>
           </a:solidFill>
@@ -2952,8 +2952,8 @@
           <a:cs typeface="+mn-cs"/>
         </a:defRPr>
       </a:lvl8pPr>
-      <a:lvl9pPr marL="4876678" algn="l" defTabSz="1219170" rtl="0" eaLnBrk="1" latinLnBrk="0" hangingPunct="1">
-        <a:defRPr sz="2400" kern="1200">
+      <a:lvl9pPr marL="3657600" algn="l" defTabSz="914400" rtl="0" eaLnBrk="1" latinLnBrk="0" hangingPunct="1">
+        <a:defRPr sz="1800" kern="1200">
           <a:solidFill>
             <a:schemeClr val="tx1"/>
           </a:solidFill>
@@ -3000,8 +3000,8 @@
         </p:nvSpPr>
         <p:spPr bwMode="auto">
           <a:xfrm>
-            <a:off x="1806292" y="4828858"/>
-            <a:ext cx="1674889" cy="592453"/>
+            <a:off x="2682581" y="4924122"/>
+            <a:ext cx="1674890" cy="592453"/>
           </a:xfrm>
           <a:prstGeom prst="rect">
             <a:avLst/>
@@ -3033,31 +3033,19 @@
           </a:bodyPr>
           <a:lstStyle/>
           <a:p>
-            <a:pPr marL="0" marR="0" lvl="0" indent="0" algn="ctr" defTabSz="914400" rtl="0" eaLnBrk="0" fontAlgn="base" latinLnBrk="0" hangingPunct="0">
-              <a:lnSpc>
-                <a:spcPct val="100000"/>
-              </a:lnSpc>
+            <a:pPr algn="ctr" defTabSz="914400" eaLnBrk="0" fontAlgn="base" hangingPunct="0">
               <a:spcBef>
                 <a:spcPct val="0"/>
               </a:spcBef>
               <a:spcAft>
                 <a:spcPts val="600"/>
               </a:spcAft>
-              <a:buClrTx/>
-              <a:buSzTx/>
-              <a:buFontTx/>
-              <a:buNone/>
-              <a:tabLst/>
             </a:pPr>
             <a:r>
-              <a:rPr kumimoji="0" lang="en-AU" altLang="zh-CN" sz="900" b="0" i="0" u="none" strike="noStrike" cap="none" normalizeH="0" baseline="0" dirty="0">
-                <a:ln>
-                  <a:noFill/>
-                </a:ln>
+              <a:rPr lang="en-AU" altLang="zh-CN" sz="900" dirty="0">
                 <a:solidFill>
                   <a:srgbClr val="000000"/>
                 </a:solidFill>
-                <a:effectLst/>
                 <a:latin typeface="Times New Roman" panose="02020603050405020304" pitchFamily="18" charset="0"/>
                 <a:ea typeface="宋体" panose="02010600030101010101" pitchFamily="2" charset="-122"/>
                 <a:cs typeface="Times New Roman" panose="02020603050405020304" pitchFamily="18" charset="0"/>
@@ -3065,14 +3053,10 @@
               <a:t>Reports</a:t>
             </a:r>
             <a:r>
-              <a:rPr kumimoji="0" lang="zh-CN" altLang="en-US" sz="900" b="0" i="0" u="none" strike="noStrike" cap="none" normalizeH="0" baseline="0" dirty="0">
-                <a:ln>
-                  <a:noFill/>
-                </a:ln>
+              <a:rPr lang="zh-CN" altLang="en-US" sz="900" dirty="0">
                 <a:solidFill>
                   <a:srgbClr val="000000"/>
                 </a:solidFill>
-                <a:effectLst/>
                 <a:latin typeface="Times New Roman" panose="02020603050405020304" pitchFamily="18" charset="0"/>
                 <a:ea typeface="宋体" panose="02010600030101010101" pitchFamily="2" charset="-122"/>
                 <a:cs typeface="Times New Roman" panose="02020603050405020304" pitchFamily="18" charset="0"/>
@@ -3080,14 +3064,10 @@
               <a:t> </a:t>
             </a:r>
             <a:r>
-              <a:rPr kumimoji="0" lang="en-US" altLang="zh-CN" sz="900" b="0" i="0" u="none" strike="noStrike" cap="none" normalizeH="0" baseline="0" dirty="0">
-                <a:ln>
-                  <a:noFill/>
-                </a:ln>
+              <a:rPr lang="en-US" altLang="zh-CN" sz="900" dirty="0">
                 <a:solidFill>
                   <a:srgbClr val="000000"/>
                 </a:solidFill>
-                <a:effectLst/>
                 <a:latin typeface="Times New Roman" panose="02020603050405020304" pitchFamily="18" charset="0"/>
                 <a:ea typeface="宋体" panose="02010600030101010101" pitchFamily="2" charset="-122"/>
                 <a:cs typeface="Times New Roman" panose="02020603050405020304" pitchFamily="18" charset="0"/>
@@ -3095,14 +3075,10 @@
               <a:t>with</a:t>
             </a:r>
             <a:r>
-              <a:rPr kumimoji="0" lang="zh-CN" altLang="en-US" sz="900" b="0" i="0" u="none" strike="noStrike" cap="none" normalizeH="0" baseline="0" dirty="0">
-                <a:ln>
-                  <a:noFill/>
-                </a:ln>
+              <a:rPr lang="zh-CN" altLang="en-US" sz="900" dirty="0">
                 <a:solidFill>
                   <a:srgbClr val="000000"/>
                 </a:solidFill>
-                <a:effectLst/>
                 <a:latin typeface="Times New Roman" panose="02020603050405020304" pitchFamily="18" charset="0"/>
                 <a:ea typeface="宋体" panose="02010600030101010101" pitchFamily="2" charset="-122"/>
                 <a:cs typeface="Times New Roman" panose="02020603050405020304" pitchFamily="18" charset="0"/>
@@ -3110,30 +3086,15 @@
               <a:t> </a:t>
             </a:r>
             <a:r>
-              <a:rPr kumimoji="0" lang="en-US" altLang="zh-CN" sz="900" b="0" i="0" u="none" strike="noStrike" cap="none" normalizeH="0" baseline="0" dirty="0">
-                <a:ln>
-                  <a:noFill/>
-                </a:ln>
+              <a:rPr lang="en-US" altLang="zh-CN" sz="900" dirty="0">
                 <a:solidFill>
                   <a:srgbClr val="000000"/>
                 </a:solidFill>
-                <a:effectLst/>
                 <a:latin typeface="Times New Roman" panose="02020603050405020304" pitchFamily="18" charset="0"/>
                 <a:ea typeface="宋体" panose="02010600030101010101" pitchFamily="2" charset="-122"/>
                 <a:cs typeface="Times New Roman" panose="02020603050405020304" pitchFamily="18" charset="0"/>
               </a:rPr>
-              <a:t>potentially </a:t>
-            </a:r>
-            <a:r>
-              <a:rPr lang="en-US" altLang="zh-CN" sz="900" dirty="0">
-                <a:solidFill>
-                  <a:srgbClr val="000000"/>
-                </a:solidFill>
-                <a:latin typeface="Times New Roman" panose="02020603050405020304" pitchFamily="18" charset="0"/>
-                <a:ea typeface="宋体" panose="02010600030101010101" pitchFamily="2" charset="-122"/>
-                <a:cs typeface="Times New Roman" panose="02020603050405020304" pitchFamily="18" charset="0"/>
-              </a:rPr>
-              <a:t>accessible</a:t>
+              <a:t>potentially accessible</a:t>
             </a:r>
             <a:r>
               <a:rPr lang="zh-CN" altLang="en-US" sz="900" dirty="0">
@@ -3158,54 +3119,17 @@
               <a:t>data </a:t>
             </a:r>
             <a:r>
-              <a:rPr kumimoji="0" lang="en-AU" altLang="zh-CN" sz="900" b="0" i="0" u="none" strike="noStrike" cap="none" normalizeH="0" baseline="0" dirty="0">
-                <a:ln>
-                  <a:noFill/>
-                </a:ln>
+              <a:rPr lang="en-AU" altLang="zh-CN" sz="900" dirty="0">
                 <a:solidFill>
                   <a:srgbClr val="000000"/>
                 </a:solidFill>
-                <a:effectLst/>
                 <a:latin typeface="Times New Roman" panose="02020603050405020304" pitchFamily="18" charset="0"/>
                 <a:ea typeface="宋体" panose="02010600030101010101" pitchFamily="2" charset="-122"/>
                 <a:cs typeface="Times New Roman" panose="02020603050405020304" pitchFamily="18" charset="0"/>
               </a:rPr>
-              <a:t>(n = </a:t>
-            </a:r>
-            <a:r>
-              <a:rPr lang="en-AU" altLang="zh-CN" sz="900" dirty="0">
-                <a:solidFill>
-                  <a:srgbClr val="000000"/>
-                </a:solidFill>
-                <a:latin typeface="Times New Roman" panose="02020603050405020304" pitchFamily="18" charset="0"/>
-                <a:ea typeface="宋体" panose="02010600030101010101" pitchFamily="2" charset="-122"/>
-                <a:cs typeface="Times New Roman" panose="02020603050405020304" pitchFamily="18" charset="0"/>
-              </a:rPr>
-              <a:t>41</a:t>
-            </a:r>
-            <a:r>
-              <a:rPr kumimoji="0" lang="en-AU" altLang="zh-CN" sz="900" b="0" i="0" u="none" strike="noStrike" cap="none" normalizeH="0" baseline="0" dirty="0">
-                <a:ln>
-                  <a:noFill/>
-                </a:ln>
-                <a:solidFill>
-                  <a:srgbClr val="000000"/>
-                </a:solidFill>
-                <a:effectLst/>
-                <a:latin typeface="Times New Roman" panose="02020603050405020304" pitchFamily="18" charset="0"/>
-                <a:ea typeface="宋体" panose="02010600030101010101" pitchFamily="2" charset="-122"/>
-                <a:cs typeface="Times New Roman" panose="02020603050405020304" pitchFamily="18" charset="0"/>
-              </a:rPr>
-              <a:t>)</a:t>
-            </a:r>
-            <a:endParaRPr kumimoji="0" lang="en-AU" altLang="zh-CN" sz="1800" b="0" i="0" u="none" strike="noStrike" cap="none" normalizeH="0" baseline="0" dirty="0">
-              <a:ln>
-                <a:noFill/>
-              </a:ln>
-              <a:solidFill>
-                <a:schemeClr val="tx1"/>
-              </a:solidFill>
-              <a:effectLst/>
+              <a:t>(n = 41)</a:t>
+            </a:r>
+            <a:endParaRPr lang="en-AU" altLang="zh-CN" dirty="0">
               <a:latin typeface="Times New Roman" panose="02020603050405020304" pitchFamily="18" charset="0"/>
               <a:cs typeface="Times New Roman" panose="02020603050405020304" pitchFamily="18" charset="0"/>
             </a:endParaRPr>
@@ -3228,8 +3152,8 @@
         </p:nvSpPr>
         <p:spPr bwMode="auto">
           <a:xfrm>
-            <a:off x="6844043" y="1198401"/>
-            <a:ext cx="2269550" cy="896937"/>
+            <a:off x="7720331" y="1293664"/>
+            <a:ext cx="2269550" cy="896938"/>
           </a:xfrm>
           <a:prstGeom prst="rect">
             <a:avLst/>
@@ -3356,8 +3280,8 @@
         </p:nvSpPr>
         <p:spPr bwMode="auto">
           <a:xfrm>
-            <a:off x="1620475" y="706755"/>
-            <a:ext cx="4507262" cy="282575"/>
+            <a:off x="2496775" y="802005"/>
+            <a:ext cx="4507263" cy="282575"/>
           </a:xfrm>
           <a:prstGeom prst="flowChartAlternateProcess">
             <a:avLst/>
@@ -3382,45 +3306,26 @@
           </a:bodyPr>
           <a:lstStyle/>
           <a:p>
-            <a:pPr marL="0" marR="0" lvl="0" indent="0" algn="ctr" defTabSz="914400" rtl="0" eaLnBrk="0" fontAlgn="base" latinLnBrk="0" hangingPunct="0">
-              <a:lnSpc>
-                <a:spcPct val="100000"/>
-              </a:lnSpc>
+            <a:pPr algn="ctr" defTabSz="914400" eaLnBrk="0" fontAlgn="base" hangingPunct="0">
               <a:spcBef>
                 <a:spcPct val="0"/>
               </a:spcBef>
               <a:spcAft>
                 <a:spcPct val="0"/>
               </a:spcAft>
-              <a:buClrTx/>
-              <a:buSzTx/>
-              <a:buFontTx/>
-              <a:buNone/>
-              <a:tabLst/>
             </a:pPr>
             <a:r>
-              <a:rPr kumimoji="0" lang="en-AU" altLang="zh-CN" sz="900" b="1" i="0" u="none" strike="noStrike" cap="none" normalizeH="0" baseline="0">
-                <a:ln>
-                  <a:noFill/>
-                </a:ln>
+              <a:rPr lang="en-AU" altLang="zh-CN" sz="900" b="1">
                 <a:solidFill>
                   <a:srgbClr val="000000"/>
                 </a:solidFill>
-                <a:effectLst/>
                 <a:latin typeface="Times New Roman" panose="02020603050405020304" pitchFamily="18" charset="0"/>
                 <a:ea typeface="宋体" panose="02010600030101010101" pitchFamily="2" charset="-122"/>
                 <a:cs typeface="Times New Roman" panose="02020603050405020304" pitchFamily="18" charset="0"/>
               </a:rPr>
               <a:t>Identification of studies via databases </a:t>
             </a:r>
-            <a:endParaRPr kumimoji="0" lang="en-AU" altLang="zh-CN" sz="1800" b="0" i="0" u="none" strike="noStrike" cap="none" normalizeH="0" baseline="0">
-              <a:ln>
-                <a:noFill/>
-              </a:ln>
-              <a:solidFill>
-                <a:schemeClr val="tx1"/>
-              </a:solidFill>
-              <a:effectLst/>
+            <a:endParaRPr lang="en-AU" altLang="zh-CN">
               <a:latin typeface="Times New Roman" panose="02020603050405020304" pitchFamily="18" charset="0"/>
               <a:cs typeface="Times New Roman" panose="02020603050405020304" pitchFamily="18" charset="0"/>
             </a:endParaRPr>
@@ -3443,8 +3348,8 @@
         </p:nvSpPr>
         <p:spPr bwMode="auto">
           <a:xfrm>
-            <a:off x="6461090" y="705168"/>
-            <a:ext cx="2895272" cy="282575"/>
+            <a:off x="7337390" y="800418"/>
+            <a:ext cx="2895273" cy="282575"/>
           </a:xfrm>
           <a:prstGeom prst="flowChartAlternateProcess">
             <a:avLst/>
@@ -3469,45 +3374,26 @@
           </a:bodyPr>
           <a:lstStyle/>
           <a:p>
-            <a:pPr marL="0" marR="0" lvl="0" indent="0" algn="ctr" defTabSz="914400" rtl="0" eaLnBrk="0" fontAlgn="base" latinLnBrk="0" hangingPunct="0">
-              <a:lnSpc>
-                <a:spcPct val="100000"/>
-              </a:lnSpc>
+            <a:pPr algn="ctr" defTabSz="914400" eaLnBrk="0" fontAlgn="base" hangingPunct="0">
               <a:spcBef>
                 <a:spcPct val="0"/>
               </a:spcBef>
               <a:spcAft>
                 <a:spcPct val="0"/>
               </a:spcAft>
-              <a:buClrTx/>
-              <a:buSzTx/>
-              <a:buFontTx/>
-              <a:buNone/>
-              <a:tabLst/>
             </a:pPr>
             <a:r>
-              <a:rPr kumimoji="0" lang="en-AU" altLang="zh-CN" sz="900" b="1" i="0" u="none" strike="noStrike" cap="none" normalizeH="0" baseline="0">
-                <a:ln>
-                  <a:noFill/>
-                </a:ln>
+              <a:rPr lang="en-AU" altLang="zh-CN" sz="900" b="1">
                 <a:solidFill>
                   <a:srgbClr val="000000"/>
                 </a:solidFill>
-                <a:effectLst/>
                 <a:latin typeface="Times New Roman" panose="02020603050405020304" pitchFamily="18" charset="0"/>
                 <a:ea typeface="宋体" panose="02010600030101010101" pitchFamily="2" charset="-122"/>
                 <a:cs typeface="Times New Roman" panose="02020603050405020304" pitchFamily="18" charset="0"/>
               </a:rPr>
               <a:t>Identification of studies of other sources</a:t>
             </a:r>
-            <a:endParaRPr kumimoji="0" lang="en-AU" altLang="zh-CN" sz="1800" b="0" i="0" u="none" strike="noStrike" cap="none" normalizeH="0" baseline="0">
-              <a:ln>
-                <a:noFill/>
-              </a:ln>
-              <a:solidFill>
-                <a:schemeClr val="tx1"/>
-              </a:solidFill>
-              <a:effectLst/>
+            <a:endParaRPr lang="en-AU" altLang="zh-CN">
               <a:latin typeface="Times New Roman" panose="02020603050405020304" pitchFamily="18" charset="0"/>
               <a:cs typeface="Times New Roman" panose="02020603050405020304" pitchFamily="18" charset="0"/>
             </a:endParaRPr>
@@ -3530,8 +3416,8 @@
         </p:nvSpPr>
         <p:spPr bwMode="auto">
           <a:xfrm rot="-5400000">
-            <a:off x="673531" y="1507649"/>
-            <a:ext cx="1281112" cy="311150"/>
+            <a:off x="1549830" y="1602900"/>
+            <a:ext cx="1281113" cy="311150"/>
           </a:xfrm>
           <a:prstGeom prst="flowChartAlternateProcess">
             <a:avLst/>
@@ -3556,45 +3442,26 @@
           </a:bodyPr>
           <a:lstStyle/>
           <a:p>
-            <a:pPr marL="0" marR="0" lvl="0" indent="0" algn="ctr" defTabSz="914400" rtl="0" eaLnBrk="0" fontAlgn="base" latinLnBrk="0" hangingPunct="0">
-              <a:lnSpc>
-                <a:spcPct val="100000"/>
-              </a:lnSpc>
+            <a:pPr algn="ctr" defTabSz="914400" eaLnBrk="0" fontAlgn="base" hangingPunct="0">
               <a:spcBef>
                 <a:spcPct val="0"/>
               </a:spcBef>
               <a:spcAft>
                 <a:spcPct val="0"/>
               </a:spcAft>
-              <a:buClrTx/>
-              <a:buSzTx/>
-              <a:buFontTx/>
-              <a:buNone/>
-              <a:tabLst/>
             </a:pPr>
             <a:r>
-              <a:rPr kumimoji="0" lang="en-AU" altLang="zh-CN" sz="900" b="1" i="0" u="none" strike="noStrike" cap="none" normalizeH="0" baseline="0">
-                <a:ln>
-                  <a:noFill/>
-                </a:ln>
+              <a:rPr lang="en-AU" altLang="zh-CN" sz="900" b="1">
                 <a:solidFill>
                   <a:srgbClr val="000000"/>
                 </a:solidFill>
-                <a:effectLst/>
                 <a:latin typeface="Times New Roman" panose="02020603050405020304" pitchFamily="18" charset="0"/>
                 <a:ea typeface="宋体" panose="02010600030101010101" pitchFamily="2" charset="-122"/>
                 <a:cs typeface="Times New Roman" panose="02020603050405020304" pitchFamily="18" charset="0"/>
               </a:rPr>
               <a:t>Identification</a:t>
             </a:r>
-            <a:endParaRPr kumimoji="0" lang="en-AU" altLang="zh-CN" sz="1800" b="0" i="0" u="none" strike="noStrike" cap="none" normalizeH="0" baseline="0">
-              <a:ln>
-                <a:noFill/>
-              </a:ln>
-              <a:solidFill>
-                <a:schemeClr val="tx1"/>
-              </a:solidFill>
-              <a:effectLst/>
+            <a:endParaRPr lang="en-AU" altLang="zh-CN">
               <a:latin typeface="Times New Roman" panose="02020603050405020304" pitchFamily="18" charset="0"/>
               <a:cs typeface="Times New Roman" panose="02020603050405020304" pitchFamily="18" charset="0"/>
             </a:endParaRPr>
@@ -3617,8 +3484,8 @@
         </p:nvSpPr>
         <p:spPr bwMode="auto">
           <a:xfrm rot="-5400000">
-            <a:off x="-162287" y="3848417"/>
-            <a:ext cx="2932112" cy="303213"/>
+            <a:off x="714011" y="3943680"/>
+            <a:ext cx="2932113" cy="303213"/>
           </a:xfrm>
           <a:prstGeom prst="flowChartAlternateProcess">
             <a:avLst/>
@@ -3643,45 +3510,26 @@
           </a:bodyPr>
           <a:lstStyle/>
           <a:p>
-            <a:pPr marL="0" marR="0" lvl="0" indent="0" algn="ctr" defTabSz="914400" rtl="0" eaLnBrk="0" fontAlgn="base" latinLnBrk="0" hangingPunct="0">
-              <a:lnSpc>
-                <a:spcPct val="100000"/>
-              </a:lnSpc>
+            <a:pPr algn="ctr" defTabSz="914400" eaLnBrk="0" fontAlgn="base" hangingPunct="0">
               <a:spcBef>
                 <a:spcPct val="0"/>
               </a:spcBef>
               <a:spcAft>
                 <a:spcPct val="0"/>
               </a:spcAft>
-              <a:buClrTx/>
-              <a:buSzTx/>
-              <a:buFontTx/>
-              <a:buNone/>
-              <a:tabLst/>
             </a:pPr>
             <a:r>
-              <a:rPr kumimoji="0" lang="en-AU" altLang="zh-CN" sz="900" b="1" i="0" u="none" strike="noStrike" cap="none" normalizeH="0" baseline="0" dirty="0">
-                <a:ln>
-                  <a:noFill/>
-                </a:ln>
+              <a:rPr lang="en-AU" altLang="zh-CN" sz="900" b="1" dirty="0">
                 <a:solidFill>
                   <a:srgbClr val="000000"/>
                 </a:solidFill>
-                <a:effectLst/>
                 <a:latin typeface="Times New Roman" panose="02020603050405020304" pitchFamily="18" charset="0"/>
                 <a:ea typeface="宋体" panose="02010600030101010101" pitchFamily="2" charset="-122"/>
                 <a:cs typeface="Times New Roman" panose="02020603050405020304" pitchFamily="18" charset="0"/>
               </a:rPr>
               <a:t>Screening</a:t>
             </a:r>
-            <a:endParaRPr kumimoji="0" lang="en-AU" altLang="zh-CN" sz="600" b="0" i="0" u="none" strike="noStrike" cap="none" normalizeH="0" baseline="0" dirty="0">
-              <a:ln>
-                <a:noFill/>
-              </a:ln>
-              <a:solidFill>
-                <a:schemeClr val="tx1"/>
-              </a:solidFill>
-              <a:effectLst/>
+            <a:endParaRPr lang="en-AU" altLang="zh-CN" sz="600" dirty="0">
               <a:latin typeface="Times New Roman" panose="02020603050405020304" pitchFamily="18" charset="0"/>
               <a:cs typeface="Times New Roman" panose="02020603050405020304" pitchFamily="18" charset="0"/>
             </a:endParaRPr>
@@ -3704,8 +3552,8 @@
         </p:nvSpPr>
         <p:spPr bwMode="auto">
           <a:xfrm rot="-5400000">
-            <a:off x="895781" y="5927249"/>
-            <a:ext cx="811212" cy="298450"/>
+            <a:off x="1772080" y="6022500"/>
+            <a:ext cx="811213" cy="298450"/>
           </a:xfrm>
           <a:prstGeom prst="flowChartAlternateProcess">
             <a:avLst/>
@@ -3730,45 +3578,26 @@
           </a:bodyPr>
           <a:lstStyle/>
           <a:p>
-            <a:pPr marL="0" marR="0" lvl="0" indent="0" algn="ctr" defTabSz="914400" rtl="0" eaLnBrk="0" fontAlgn="base" latinLnBrk="0" hangingPunct="0">
-              <a:lnSpc>
-                <a:spcPct val="100000"/>
-              </a:lnSpc>
+            <a:pPr algn="ctr" defTabSz="914400" eaLnBrk="0" fontAlgn="base" hangingPunct="0">
               <a:spcBef>
                 <a:spcPct val="0"/>
               </a:spcBef>
               <a:spcAft>
                 <a:spcPct val="0"/>
               </a:spcAft>
-              <a:buClrTx/>
-              <a:buSzTx/>
-              <a:buFontTx/>
-              <a:buNone/>
-              <a:tabLst/>
             </a:pPr>
             <a:r>
-              <a:rPr kumimoji="0" lang="en-AU" altLang="zh-CN" sz="900" b="1" i="0" u="none" strike="noStrike" cap="none" normalizeH="0" baseline="0">
-                <a:ln>
-                  <a:noFill/>
-                </a:ln>
+              <a:rPr lang="en-AU" altLang="zh-CN" sz="900" b="1">
                 <a:solidFill>
                   <a:srgbClr val="000000"/>
                 </a:solidFill>
-                <a:effectLst/>
                 <a:latin typeface="Times New Roman" panose="02020603050405020304" pitchFamily="18" charset="0"/>
                 <a:ea typeface="宋体" panose="02010600030101010101" pitchFamily="2" charset="-122"/>
                 <a:cs typeface="Times New Roman" panose="02020603050405020304" pitchFamily="18" charset="0"/>
               </a:rPr>
               <a:t>Included</a:t>
             </a:r>
-            <a:endParaRPr kumimoji="0" lang="en-AU" altLang="zh-CN" sz="1800" b="0" i="0" u="none" strike="noStrike" cap="none" normalizeH="0" baseline="0">
-              <a:ln>
-                <a:noFill/>
-              </a:ln>
-              <a:solidFill>
-                <a:schemeClr val="tx1"/>
-              </a:solidFill>
-              <a:effectLst/>
+            <a:endParaRPr lang="en-AU" altLang="zh-CN">
               <a:latin typeface="Times New Roman" panose="02020603050405020304" pitchFamily="18" charset="0"/>
               <a:cs typeface="Times New Roman" panose="02020603050405020304" pitchFamily="18" charset="0"/>
             </a:endParaRPr>
@@ -3793,8 +3622,8 @@
         </p:nvCxnSpPr>
         <p:spPr>
           <a:xfrm>
-            <a:off x="2643737" y="5421311"/>
-            <a:ext cx="0" cy="338457"/>
+            <a:off x="3520026" y="5516574"/>
+            <a:ext cx="0" cy="338458"/>
           </a:xfrm>
           <a:prstGeom prst="straightConnector1">
             <a:avLst/>
@@ -3837,8 +3666,8 @@
         </p:nvSpPr>
         <p:spPr bwMode="auto">
           <a:xfrm>
-            <a:off x="3978943" y="4719228"/>
-            <a:ext cx="2053091" cy="811642"/>
+            <a:off x="4855233" y="4814490"/>
+            <a:ext cx="2053090" cy="811643"/>
           </a:xfrm>
           <a:prstGeom prst="rect">
             <a:avLst/>
@@ -3870,75 +3699,44 @@
           </a:bodyPr>
           <a:lstStyle/>
           <a:p>
-            <a:pPr marL="0" marR="0" lvl="0" indent="0" algn="ctr" defTabSz="914400" rtl="0" eaLnBrk="0" fontAlgn="base" latinLnBrk="0" hangingPunct="0">
-              <a:lnSpc>
-                <a:spcPct val="100000"/>
-              </a:lnSpc>
+            <a:pPr algn="ctr" defTabSz="914400" eaLnBrk="0" fontAlgn="base" hangingPunct="0">
               <a:spcBef>
                 <a:spcPct val="0"/>
               </a:spcBef>
               <a:spcAft>
                 <a:spcPts val="600"/>
               </a:spcAft>
-              <a:buClrTx/>
-              <a:buSzTx/>
-              <a:buFontTx/>
-              <a:buNone/>
-              <a:tabLst/>
             </a:pPr>
             <a:r>
-              <a:rPr kumimoji="0" lang="en-AU" altLang="zh-CN" sz="900" b="1" i="0" u="none" strike="noStrike" cap="none" normalizeH="0" baseline="0" dirty="0">
-                <a:ln>
-                  <a:noFill/>
-                </a:ln>
+              <a:rPr lang="en-AU" altLang="zh-CN" sz="900" b="1" dirty="0">
                 <a:solidFill>
                   <a:srgbClr val="000000"/>
                 </a:solidFill>
-                <a:effectLst/>
                 <a:latin typeface="Times New Roman" panose="02020603050405020304" pitchFamily="18" charset="0"/>
                 <a:ea typeface="宋体" panose="02010600030101010101" pitchFamily="2" charset="-122"/>
                 <a:cs typeface="Times New Roman" panose="02020603050405020304" pitchFamily="18" charset="0"/>
               </a:rPr>
               <a:t>Reports excluded:</a:t>
             </a:r>
-            <a:endParaRPr kumimoji="0" lang="en-AU" altLang="zh-CN" sz="600" b="1" i="0" u="none" strike="noStrike" cap="none" normalizeH="0" baseline="0" dirty="0">
-              <a:ln>
-                <a:noFill/>
-              </a:ln>
-              <a:solidFill>
-                <a:schemeClr val="tx1"/>
-              </a:solidFill>
-              <a:effectLst/>
+            <a:endParaRPr lang="en-AU" altLang="zh-CN" sz="600" b="1" dirty="0">
               <a:latin typeface="Times New Roman" panose="02020603050405020304" pitchFamily="18" charset="0"/>
               <a:cs typeface="Times New Roman" panose="02020603050405020304" pitchFamily="18" charset="0"/>
             </a:endParaRPr>
           </a:p>
           <a:p>
-            <a:pPr marL="0" marR="0" lvl="0" indent="0" algn="ctr" defTabSz="914400" rtl="0" eaLnBrk="0" fontAlgn="base" latinLnBrk="0" hangingPunct="0">
-              <a:lnSpc>
-                <a:spcPct val="100000"/>
-              </a:lnSpc>
+            <a:pPr algn="ctr" defTabSz="914400" eaLnBrk="0" fontAlgn="base" hangingPunct="0">
               <a:spcBef>
                 <a:spcPct val="0"/>
               </a:spcBef>
               <a:spcAft>
                 <a:spcPts val="600"/>
               </a:spcAft>
-              <a:buClrTx/>
-              <a:buSzTx/>
-              <a:buFontTx/>
-              <a:buNone/>
-              <a:tabLst/>
             </a:pPr>
             <a:r>
-              <a:rPr kumimoji="0" lang="en-AU" altLang="zh-CN" sz="900" b="0" i="0" u="none" strike="noStrike" cap="none" normalizeH="0" baseline="0" dirty="0">
-                <a:ln>
-                  <a:noFill/>
-                </a:ln>
+              <a:rPr lang="en-AU" altLang="zh-CN" sz="900" dirty="0">
                 <a:solidFill>
                   <a:srgbClr val="000000"/>
                 </a:solidFill>
-                <a:effectLst/>
                 <a:latin typeface="Times New Roman" panose="02020603050405020304" pitchFamily="18" charset="0"/>
                 <a:ea typeface="宋体" panose="02010600030101010101" pitchFamily="2" charset="-122"/>
                 <a:cs typeface="Times New Roman" panose="02020603050405020304" pitchFamily="18" charset="0"/>
@@ -3969,8 +3767,8 @@
         </p:nvSpPr>
         <p:spPr bwMode="auto">
           <a:xfrm>
-            <a:off x="1806292" y="5759768"/>
-            <a:ext cx="1674889" cy="723900"/>
+            <a:off x="2682581" y="5855018"/>
+            <a:ext cx="1674890" cy="723900"/>
           </a:xfrm>
           <a:prstGeom prst="rect">
             <a:avLst/>
@@ -4002,161 +3800,51 @@
           </a:bodyPr>
           <a:lstStyle/>
           <a:p>
-            <a:pPr marL="0" marR="0" lvl="0" indent="0" algn="ctr" defTabSz="914400" rtl="0" eaLnBrk="0" fontAlgn="base" latinLnBrk="0" hangingPunct="0">
-              <a:lnSpc>
-                <a:spcPct val="100000"/>
-              </a:lnSpc>
+            <a:pPr algn="ctr" defTabSz="914400" eaLnBrk="0" fontAlgn="base" hangingPunct="0">
               <a:spcBef>
                 <a:spcPct val="0"/>
               </a:spcBef>
               <a:spcAft>
                 <a:spcPts val="600"/>
               </a:spcAft>
-              <a:buClrTx/>
-              <a:buSzTx/>
-              <a:buFontTx/>
-              <a:buNone/>
-              <a:tabLst/>
             </a:pPr>
             <a:r>
-              <a:rPr kumimoji="0" lang="en-AU" altLang="zh-CN" sz="900" b="0" i="0" u="none" strike="noStrike" cap="none" normalizeH="0" baseline="0" dirty="0">
-                <a:ln>
-                  <a:noFill/>
-                </a:ln>
+              <a:rPr lang="en-AU" altLang="zh-CN" sz="900" dirty="0">
                 <a:solidFill>
                   <a:srgbClr val="000000"/>
                 </a:solidFill>
-                <a:effectLst/>
                 <a:latin typeface="Times New Roman" panose="02020603050405020304" pitchFamily="18" charset="0"/>
                 <a:ea typeface="宋体" panose="02010600030101010101" pitchFamily="2" charset="-122"/>
                 <a:cs typeface="Times New Roman" panose="02020603050405020304" pitchFamily="18" charset="0"/>
               </a:rPr>
               <a:t>Reports of included studies</a:t>
             </a:r>
-            <a:endParaRPr kumimoji="0" lang="en-AU" altLang="zh-CN" sz="600" b="0" i="0" u="none" strike="noStrike" cap="none" normalizeH="0" baseline="0" dirty="0">
-              <a:ln>
-                <a:noFill/>
-              </a:ln>
-              <a:solidFill>
-                <a:schemeClr val="tx1"/>
-              </a:solidFill>
-              <a:effectLst/>
+            <a:endParaRPr lang="en-AU" altLang="zh-CN" sz="600" dirty="0">
               <a:latin typeface="Times New Roman" panose="02020603050405020304" pitchFamily="18" charset="0"/>
               <a:cs typeface="Times New Roman" panose="02020603050405020304" pitchFamily="18" charset="0"/>
             </a:endParaRPr>
           </a:p>
           <a:p>
-            <a:pPr marL="0" marR="0" lvl="0" indent="0" algn="ctr" defTabSz="914400" rtl="0" eaLnBrk="0" fontAlgn="base" latinLnBrk="0" hangingPunct="0">
-              <a:lnSpc>
-                <a:spcPct val="100000"/>
-              </a:lnSpc>
+            <a:pPr algn="ctr" defTabSz="914400" eaLnBrk="0" fontAlgn="base" hangingPunct="0">
               <a:spcBef>
                 <a:spcPct val="0"/>
               </a:spcBef>
               <a:spcAft>
                 <a:spcPts val="600"/>
               </a:spcAft>
-              <a:buClrTx/>
-              <a:buSzTx/>
-              <a:buFontTx/>
-              <a:buNone/>
-              <a:tabLst/>
             </a:pPr>
             <a:r>
-              <a:rPr kumimoji="0" lang="en-AU" altLang="zh-CN" sz="900" b="0" i="0" u="none" strike="noStrike" cap="none" normalizeH="0" baseline="0" dirty="0">
-                <a:ln>
-                  <a:noFill/>
-                </a:ln>
+              <a:rPr lang="en-AU" altLang="zh-CN" sz="900" dirty="0">
                 <a:solidFill>
                   <a:srgbClr val="000000"/>
                 </a:solidFill>
-                <a:effectLst/>
                 <a:latin typeface="Times New Roman" panose="02020603050405020304" pitchFamily="18" charset="0"/>
                 <a:ea typeface="宋体" panose="02010600030101010101" pitchFamily="2" charset="-122"/>
                 <a:cs typeface="Times New Roman" panose="02020603050405020304" pitchFamily="18" charset="0"/>
               </a:rPr>
               <a:t>(n = 27 (24+3))</a:t>
             </a:r>
-            <a:endParaRPr kumimoji="0" lang="en-AU" altLang="zh-CN" sz="1800" b="0" i="0" u="none" strike="noStrike" cap="none" normalizeH="0" baseline="0" dirty="0">
-              <a:ln>
-                <a:noFill/>
-              </a:ln>
-              <a:solidFill>
-                <a:schemeClr val="tx1"/>
-              </a:solidFill>
-              <a:effectLst/>
-              <a:latin typeface="Times New Roman" panose="02020603050405020304" pitchFamily="18" charset="0"/>
-              <a:cs typeface="Times New Roman" panose="02020603050405020304" pitchFamily="18" charset="0"/>
-            </a:endParaRPr>
-          </a:p>
-        </p:txBody>
-      </p:sp>
-      <p:sp>
-        <p:nvSpPr>
-          <p:cNvPr id="28" name="Rectangle 42">
-            <a:extLst>
-              <a:ext uri="{FF2B5EF4-FFF2-40B4-BE49-F238E27FC236}">
-                <a16:creationId xmlns:a16="http://schemas.microsoft.com/office/drawing/2014/main" id="{76F1EE05-D235-7A0A-4BC7-D4BE26DE3705}"/>
-              </a:ext>
-            </a:extLst>
-          </p:cNvPr>
-          <p:cNvSpPr>
-            <a:spLocks noChangeArrowheads="1"/>
-          </p:cNvSpPr>
-          <p:nvPr/>
-        </p:nvSpPr>
-        <p:spPr bwMode="auto">
-          <a:xfrm>
-            <a:off x="0" y="272534"/>
-            <a:ext cx="184731" cy="369332"/>
-          </a:xfrm>
-          <a:prstGeom prst="rect">
-            <a:avLst/>
-          </a:prstGeom>
-          <a:noFill/>
-          <a:ln>
-            <a:noFill/>
-          </a:ln>
-          <a:effectLst/>
-          <a:extLst>
-            <a:ext uri="{909E8E84-426E-40DD-AFC4-6F175D3DCCD1}">
-              <a14:hiddenFill xmlns:a14="http://schemas.microsoft.com/office/drawing/2010/main">
-                <a:solidFill>
-                  <a:schemeClr val="accent1"/>
-                </a:solidFill>
-              </a14:hiddenFill>
-            </a:ext>
-            <a:ext uri="{91240B29-F687-4F45-9708-019B960494DF}">
-              <a14:hiddenLine xmlns:a14="http://schemas.microsoft.com/office/drawing/2010/main" w="9525">
-                <a:solidFill>
-                  <a:schemeClr val="tx1"/>
-                </a:solidFill>
-                <a:miter lim="800000"/>
-                <a:headEnd/>
-                <a:tailEnd/>
-              </a14:hiddenLine>
-            </a:ext>
-            <a:ext uri="{AF507438-7753-43E0-B8FC-AC1667EBCBE1}">
-              <a14:hiddenEffects xmlns:a14="http://schemas.microsoft.com/office/drawing/2010/main">
-                <a:effectLst>
-                  <a:outerShdw dist="35921" dir="2700000" algn="ctr" rotWithShape="0">
-                    <a:schemeClr val="bg2"/>
-                  </a:outerShdw>
-                </a:effectLst>
-              </a14:hiddenEffects>
-            </a:ext>
-          </a:extLst>
-        </p:spPr>
-        <p:txBody>
-          <a:bodyPr vert="horz" wrap="none" lIns="91440" tIns="45720" rIns="91440" bIns="45720" numCol="1" anchor="ctr" anchorCtr="0" compatLnSpc="1">
-            <a:prstTxWarp prst="textNoShape">
-              <a:avLst/>
-            </a:prstTxWarp>
-            <a:spAutoFit/>
-          </a:bodyPr>
-          <a:lstStyle/>
-          <a:p>
-            <a:endParaRPr lang="zh-CN" altLang="en-US">
+            <a:endParaRPr lang="en-AU" altLang="zh-CN" dirty="0">
               <a:latin typeface="Times New Roman" panose="02020603050405020304" pitchFamily="18" charset="0"/>
               <a:cs typeface="Times New Roman" panose="02020603050405020304" pitchFamily="18" charset="0"/>
             </a:endParaRPr>
@@ -4180,8 +3868,8 @@
         </p:nvCxnSpPr>
         <p:spPr>
           <a:xfrm flipH="1" flipV="1">
-            <a:off x="3481181" y="6121718"/>
-            <a:ext cx="4507262" cy="7272"/>
+            <a:off x="4357480" y="6216980"/>
+            <a:ext cx="4507263" cy="7273"/>
           </a:xfrm>
           <a:prstGeom prst="straightConnector1">
             <a:avLst/>
@@ -4225,8 +3913,8 @@
         </p:nvCxnSpPr>
         <p:spPr>
           <a:xfrm>
-            <a:off x="7978818" y="2095338"/>
-            <a:ext cx="9625" cy="4033652"/>
+            <a:off x="8855107" y="2190599"/>
+            <a:ext cx="9625" cy="4033653"/>
           </a:xfrm>
           <a:prstGeom prst="line">
             <a:avLst/>
@@ -4266,8 +3954,8 @@
         </p:nvSpPr>
         <p:spPr>
           <a:xfrm>
-            <a:off x="1806292" y="1121725"/>
-            <a:ext cx="1679654" cy="1050290"/>
+            <a:off x="2682582" y="1216975"/>
+            <a:ext cx="1679655" cy="1050290"/>
           </a:xfrm>
           <a:prstGeom prst="rect">
             <a:avLst/>
@@ -4314,7 +4002,6 @@
                 <a:solidFill>
                   <a:srgbClr val="000000"/>
                 </a:solidFill>
-                <a:effectLst/>
                 <a:latin typeface="Times New Roman" panose="02020603050405020304" pitchFamily="18" charset="0"/>
                 <a:ea typeface="宋体" panose="02010600030101010101" pitchFamily="2" charset="-122"/>
                 <a:cs typeface="Times New Roman" panose="02020603050405020304" pitchFamily="18" charset="0"/>
@@ -4326,7 +4013,6 @@
                 <a:solidFill>
                   <a:srgbClr val="000000"/>
                 </a:solidFill>
-                <a:effectLst/>
                 <a:latin typeface="Times New Roman" panose="02020603050405020304" pitchFamily="18" charset="0"/>
                 <a:ea typeface="宋体" panose="02010600030101010101" pitchFamily="2" charset="-122"/>
                 <a:cs typeface="Times New Roman" panose="02020603050405020304" pitchFamily="18" charset="0"/>
@@ -4350,7 +4036,6 @@
                 <a:solidFill>
                   <a:srgbClr val="000000"/>
                 </a:solidFill>
-                <a:effectLst/>
                 <a:latin typeface="Times New Roman" panose="02020603050405020304" pitchFamily="18" charset="0"/>
                 <a:ea typeface="宋体" panose="02010600030101010101" pitchFamily="2" charset="-122"/>
                 <a:cs typeface="Times New Roman" panose="02020603050405020304" pitchFamily="18" charset="0"/>
@@ -4362,7 +4047,6 @@
                 <a:solidFill>
                   <a:srgbClr val="000000"/>
                 </a:solidFill>
-                <a:effectLst/>
                 <a:latin typeface="Times New Roman" panose="02020603050405020304" pitchFamily="18" charset="0"/>
                 <a:ea typeface="宋体" panose="02010600030101010101" pitchFamily="2" charset="-122"/>
                 <a:cs typeface="Times New Roman" panose="02020603050405020304" pitchFamily="18" charset="0"/>
@@ -4374,15 +4058,13 @@
                 <a:solidFill>
                   <a:srgbClr val="000000"/>
                 </a:solidFill>
-                <a:effectLst/>
                 <a:latin typeface="Times New Roman" panose="02020603050405020304" pitchFamily="18" charset="0"/>
                 <a:ea typeface="宋体" panose="02010600030101010101" pitchFamily="2" charset="-122"/>
                 <a:cs typeface="Times New Roman" panose="02020603050405020304" pitchFamily="18" charset="0"/>
               </a:rPr>
               <a:t>)</a:t>
             </a:r>
-            <a:endParaRPr lang="zh-CN" sz="1100" dirty="0">
-              <a:effectLst/>
+            <a:endParaRPr lang="zh-CN" altLang="en-US" sz="1100" dirty="0">
               <a:latin typeface="Times New Roman" panose="02020603050405020304" pitchFamily="18" charset="0"/>
               <a:ea typeface="宋体" panose="02010600030101010101" pitchFamily="2" charset="-122"/>
               <a:cs typeface="Times New Roman" panose="02020603050405020304" pitchFamily="18" charset="0"/>
@@ -4404,8 +4086,8 @@
         </p:nvSpPr>
         <p:spPr>
           <a:xfrm>
-            <a:off x="3978625" y="1094491"/>
-            <a:ext cx="2058271" cy="1099434"/>
+            <a:off x="4854913" y="1189740"/>
+            <a:ext cx="2058270" cy="1099435"/>
           </a:xfrm>
           <a:prstGeom prst="rect">
             <a:avLst/>
@@ -4452,15 +4134,13 @@
                 <a:solidFill>
                   <a:srgbClr val="000000"/>
                 </a:solidFill>
-                <a:effectLst/>
                 <a:latin typeface="Times New Roman" panose="02020603050405020304" pitchFamily="18" charset="0"/>
                 <a:ea typeface="宋体" panose="02010600030101010101" pitchFamily="2" charset="-122"/>
                 <a:cs typeface="Times New Roman" panose="02020603050405020304" pitchFamily="18" charset="0"/>
               </a:rPr>
               <a:t>Records excluded:</a:t>
             </a:r>
-            <a:endParaRPr lang="zh-CN" sz="1100" b="1" dirty="0">
-              <a:effectLst/>
+            <a:endParaRPr lang="zh-CN" altLang="en-US" sz="1100" b="1" dirty="0">
               <a:latin typeface="Times New Roman" panose="02020603050405020304" pitchFamily="18" charset="0"/>
               <a:ea typeface="宋体" panose="02010600030101010101" pitchFamily="2" charset="-122"/>
               <a:cs typeface="Times New Roman" panose="02020603050405020304" pitchFamily="18" charset="0"/>
@@ -4477,7 +4157,6 @@
                 <a:solidFill>
                   <a:srgbClr val="000000"/>
                 </a:solidFill>
-                <a:effectLst/>
                 <a:latin typeface="Times New Roman" panose="02020603050405020304" pitchFamily="18" charset="0"/>
                 <a:ea typeface="宋体" panose="02010600030101010101" pitchFamily="2" charset="-122"/>
                 <a:cs typeface="Times New Roman" panose="02020603050405020304" pitchFamily="18" charset="0"/>
@@ -4489,7 +4168,6 @@
                 <a:solidFill>
                   <a:srgbClr val="000000"/>
                 </a:solidFill>
-                <a:effectLst/>
                 <a:latin typeface="Times New Roman" panose="02020603050405020304" pitchFamily="18" charset="0"/>
                 <a:ea typeface="宋体" panose="02010600030101010101" pitchFamily="2" charset="-122"/>
                 <a:cs typeface="Times New Roman" panose="02020603050405020304" pitchFamily="18" charset="0"/>
@@ -4501,15 +4179,13 @@
                 <a:solidFill>
                   <a:srgbClr val="000000"/>
                 </a:solidFill>
-                <a:effectLst/>
                 <a:latin typeface="Times New Roman" panose="02020603050405020304" pitchFamily="18" charset="0"/>
                 <a:ea typeface="宋体" panose="02010600030101010101" pitchFamily="2" charset="-122"/>
                 <a:cs typeface="Times New Roman" panose="02020603050405020304" pitchFamily="18" charset="0"/>
               </a:rPr>
               <a:t>)</a:t>
             </a:r>
-            <a:endParaRPr lang="zh-CN" sz="1100" dirty="0">
-              <a:effectLst/>
+            <a:endParaRPr lang="zh-CN" altLang="en-US" sz="1100" dirty="0">
               <a:latin typeface="Times New Roman" panose="02020603050405020304" pitchFamily="18" charset="0"/>
               <a:ea typeface="宋体" panose="02010600030101010101" pitchFamily="2" charset="-122"/>
               <a:cs typeface="Times New Roman" panose="02020603050405020304" pitchFamily="18" charset="0"/>
@@ -4526,7 +4202,6 @@
                 <a:solidFill>
                   <a:srgbClr val="000000"/>
                 </a:solidFill>
-                <a:effectLst/>
                 <a:latin typeface="Times New Roman" panose="02020603050405020304" pitchFamily="18" charset="0"/>
                 <a:ea typeface="宋体" panose="02010600030101010101" pitchFamily="2" charset="-122"/>
                 <a:cs typeface="Times New Roman" panose="02020603050405020304" pitchFamily="18" charset="0"/>
@@ -4584,8 +4259,7 @@
               </a:rPr>
               <a:t>(9)</a:t>
             </a:r>
-            <a:endParaRPr lang="zh-CN" sz="1100" dirty="0">
-              <a:effectLst/>
+            <a:endParaRPr lang="zh-CN" altLang="en-US" sz="1100" dirty="0">
               <a:latin typeface="Times New Roman" panose="02020603050405020304" pitchFamily="18" charset="0"/>
               <a:ea typeface="宋体" panose="02010600030101010101" pitchFamily="2" charset="-122"/>
               <a:cs typeface="Times New Roman" panose="02020603050405020304" pitchFamily="18" charset="0"/>
@@ -4607,8 +4281,8 @@
         </p:nvSpPr>
         <p:spPr>
           <a:xfrm>
-            <a:off x="1806292" y="2593973"/>
-            <a:ext cx="1679654" cy="514032"/>
+            <a:off x="2682582" y="2689234"/>
+            <a:ext cx="1679655" cy="514033"/>
           </a:xfrm>
           <a:prstGeom prst="rect">
             <a:avLst/>
@@ -4655,15 +4329,13 @@
                 <a:solidFill>
                   <a:srgbClr val="000000"/>
                 </a:solidFill>
-                <a:effectLst/>
                 <a:latin typeface="Times New Roman" panose="02020603050405020304" pitchFamily="18" charset="0"/>
                 <a:ea typeface="宋体" panose="02010600030101010101" pitchFamily="2" charset="-122"/>
                 <a:cs typeface="Times New Roman" panose="02020603050405020304" pitchFamily="18" charset="0"/>
               </a:rPr>
               <a:t>Reports sought for retrieval</a:t>
             </a:r>
-            <a:endParaRPr lang="zh-CN" sz="1100" dirty="0">
-              <a:effectLst/>
+            <a:endParaRPr lang="zh-CN" altLang="en-US" sz="1100" dirty="0">
               <a:latin typeface="Times New Roman" panose="02020603050405020304" pitchFamily="18" charset="0"/>
               <a:ea typeface="宋体" panose="02010600030101010101" pitchFamily="2" charset="-122"/>
               <a:cs typeface="Times New Roman" panose="02020603050405020304" pitchFamily="18" charset="0"/>
@@ -4680,15 +4352,13 @@
                 <a:solidFill>
                   <a:srgbClr val="000000"/>
                 </a:solidFill>
-                <a:effectLst/>
                 <a:latin typeface="Times New Roman" panose="02020603050405020304" pitchFamily="18" charset="0"/>
                 <a:ea typeface="宋体" panose="02010600030101010101" pitchFamily="2" charset="-122"/>
                 <a:cs typeface="Times New Roman" panose="02020603050405020304" pitchFamily="18" charset="0"/>
               </a:rPr>
               <a:t>(n = 432)</a:t>
             </a:r>
-            <a:endParaRPr lang="zh-CN" sz="1100" dirty="0">
-              <a:effectLst/>
+            <a:endParaRPr lang="zh-CN" altLang="en-US" sz="1100" dirty="0">
               <a:latin typeface="Times New Roman" panose="02020603050405020304" pitchFamily="18" charset="0"/>
               <a:ea typeface="宋体" panose="02010600030101010101" pitchFamily="2" charset="-122"/>
               <a:cs typeface="Times New Roman" panose="02020603050405020304" pitchFamily="18" charset="0"/>
@@ -4710,8 +4380,8 @@
         </p:nvSpPr>
         <p:spPr>
           <a:xfrm>
-            <a:off x="3978626" y="2519479"/>
-            <a:ext cx="2058271" cy="663255"/>
+            <a:off x="4854916" y="2614730"/>
+            <a:ext cx="2058270" cy="663255"/>
           </a:xfrm>
           <a:prstGeom prst="rect">
             <a:avLst/>
@@ -4758,7 +4428,6 @@
                 <a:solidFill>
                   <a:srgbClr val="000000"/>
                 </a:solidFill>
-                <a:effectLst/>
                 <a:latin typeface="Times New Roman" panose="02020603050405020304" pitchFamily="18" charset="0"/>
                 <a:ea typeface="宋体" panose="02010600030101010101" pitchFamily="2" charset="-122"/>
                 <a:cs typeface="Times New Roman" panose="02020603050405020304" pitchFamily="18" charset="0"/>
@@ -4769,7 +4438,6 @@
               <a:solidFill>
                 <a:srgbClr val="000000"/>
               </a:solidFill>
-              <a:effectLst/>
               <a:latin typeface="Times New Roman" panose="02020603050405020304" pitchFamily="18" charset="0"/>
               <a:ea typeface="宋体" panose="02010600030101010101" pitchFamily="2" charset="-122"/>
               <a:cs typeface="Times New Roman" panose="02020603050405020304" pitchFamily="18" charset="0"/>
@@ -4786,15 +4454,13 @@
                 <a:solidFill>
                   <a:srgbClr val="000000"/>
                 </a:solidFill>
-                <a:effectLst/>
                 <a:latin typeface="Times New Roman" panose="02020603050405020304" pitchFamily="18" charset="0"/>
                 <a:ea typeface="宋体" panose="02010600030101010101" pitchFamily="2" charset="-122"/>
                 <a:cs typeface="Times New Roman" panose="02020603050405020304" pitchFamily="18" charset="0"/>
               </a:rPr>
               <a:t>Reports not retrieved</a:t>
             </a:r>
-            <a:endParaRPr lang="zh-CN" sz="1100" dirty="0">
-              <a:effectLst/>
+            <a:endParaRPr lang="zh-CN" altLang="en-US" sz="1100" dirty="0">
               <a:latin typeface="Times New Roman" panose="02020603050405020304" pitchFamily="18" charset="0"/>
               <a:ea typeface="宋体" panose="02010600030101010101" pitchFamily="2" charset="-122"/>
               <a:cs typeface="Times New Roman" panose="02020603050405020304" pitchFamily="18" charset="0"/>
@@ -4811,15 +4477,13 @@
                 <a:solidFill>
                   <a:srgbClr val="000000"/>
                 </a:solidFill>
-                <a:effectLst/>
                 <a:latin typeface="Times New Roman" panose="02020603050405020304" pitchFamily="18" charset="0"/>
                 <a:ea typeface="宋体" panose="02010600030101010101" pitchFamily="2" charset="-122"/>
                 <a:cs typeface="Times New Roman" panose="02020603050405020304" pitchFamily="18" charset="0"/>
               </a:rPr>
               <a:t>(n = 6)</a:t>
             </a:r>
-            <a:endParaRPr lang="zh-CN" sz="1100" dirty="0">
-              <a:effectLst/>
+            <a:endParaRPr lang="zh-CN" altLang="en-US" sz="1100" dirty="0">
               <a:latin typeface="Times New Roman" panose="02020603050405020304" pitchFamily="18" charset="0"/>
               <a:ea typeface="宋体" panose="02010600030101010101" pitchFamily="2" charset="-122"/>
               <a:cs typeface="Times New Roman" panose="02020603050405020304" pitchFamily="18" charset="0"/>
@@ -4841,8 +4505,8 @@
         </p:nvSpPr>
         <p:spPr>
           <a:xfrm>
-            <a:off x="1806292" y="3736814"/>
-            <a:ext cx="1679654" cy="526415"/>
+            <a:off x="2682582" y="3832066"/>
+            <a:ext cx="1679655" cy="526415"/>
           </a:xfrm>
           <a:prstGeom prst="rect">
             <a:avLst/>
@@ -4946,7 +4610,7 @@
         </p:nvSpPr>
         <p:spPr>
           <a:xfrm>
-            <a:off x="3978627" y="3389857"/>
+            <a:off x="4854927" y="3485119"/>
             <a:ext cx="2053408" cy="1225208"/>
           </a:xfrm>
           <a:prstGeom prst="rect">
@@ -4994,15 +4658,13 @@
                 <a:solidFill>
                   <a:srgbClr val="000000"/>
                 </a:solidFill>
-                <a:effectLst/>
                 <a:latin typeface="Times New Roman" panose="02020603050405020304" pitchFamily="18" charset="0"/>
                 <a:ea typeface="宋体" panose="02010600030101010101" pitchFamily="2" charset="-122"/>
                 <a:cs typeface="Times New Roman" panose="02020603050405020304" pitchFamily="18" charset="0"/>
               </a:rPr>
               <a:t>Reports excluded:</a:t>
             </a:r>
-            <a:endParaRPr lang="zh-CN" sz="1100" b="1" dirty="0">
-              <a:effectLst/>
+            <a:endParaRPr lang="zh-CN" altLang="en-US" sz="1100" b="1" dirty="0">
               <a:latin typeface="Times New Roman" panose="02020603050405020304" pitchFamily="18" charset="0"/>
               <a:ea typeface="宋体" panose="02010600030101010101" pitchFamily="2" charset="-122"/>
               <a:cs typeface="Times New Roman" panose="02020603050405020304" pitchFamily="18" charset="0"/>
@@ -5019,15 +4681,13 @@
                 <a:solidFill>
                   <a:srgbClr val="000000"/>
                 </a:solidFill>
-                <a:effectLst/>
                 <a:latin typeface="Times New Roman" panose="02020603050405020304" pitchFamily="18" charset="0"/>
                 <a:ea typeface="宋体" panose="02010600030101010101" pitchFamily="2" charset="-122"/>
                 <a:cs typeface="Times New Roman" panose="02020603050405020304" pitchFamily="18" charset="0"/>
               </a:rPr>
               <a:t>Reviews/meta-analysis (n = 49)</a:t>
             </a:r>
-            <a:endParaRPr lang="zh-CN" sz="1100" dirty="0">
-              <a:effectLst/>
+            <a:endParaRPr lang="zh-CN" altLang="en-US" sz="1100" dirty="0">
               <a:latin typeface="Times New Roman" panose="02020603050405020304" pitchFamily="18" charset="0"/>
               <a:ea typeface="宋体" panose="02010600030101010101" pitchFamily="2" charset="-122"/>
               <a:cs typeface="Times New Roman" panose="02020603050405020304" pitchFamily="18" charset="0"/>
@@ -5044,15 +4704,13 @@
                 <a:solidFill>
                   <a:srgbClr val="000000"/>
                 </a:solidFill>
-                <a:effectLst/>
                 <a:latin typeface="Times New Roman" panose="02020603050405020304" pitchFamily="18" charset="0"/>
                 <a:ea typeface="宋体" panose="02010600030101010101" pitchFamily="2" charset="-122"/>
                 <a:cs typeface="Times New Roman" panose="02020603050405020304" pitchFamily="18" charset="0"/>
               </a:rPr>
               <a:t>Non-SPMT studies (n = 171)</a:t>
             </a:r>
-            <a:endParaRPr lang="zh-CN" sz="1100" dirty="0">
-              <a:effectLst/>
+            <a:endParaRPr lang="zh-CN" altLang="en-US" sz="1100" dirty="0">
               <a:latin typeface="Times New Roman" panose="02020603050405020304" pitchFamily="18" charset="0"/>
               <a:ea typeface="宋体" panose="02010600030101010101" pitchFamily="2" charset="-122"/>
               <a:cs typeface="Times New Roman" panose="02020603050405020304" pitchFamily="18" charset="0"/>
@@ -5069,15 +4727,13 @@
                 <a:solidFill>
                   <a:srgbClr val="000000"/>
                 </a:solidFill>
-                <a:effectLst/>
                 <a:latin typeface="Times New Roman" panose="02020603050405020304" pitchFamily="18" charset="0"/>
                 <a:ea typeface="宋体" panose="02010600030101010101" pitchFamily="2" charset="-122"/>
                 <a:cs typeface="Times New Roman" panose="02020603050405020304" pitchFamily="18" charset="0"/>
               </a:rPr>
               <a:t>Strong deviation from SPMT (n = 96)</a:t>
             </a:r>
-            <a:endParaRPr lang="zh-CN" sz="1100" dirty="0">
-              <a:effectLst/>
+            <a:endParaRPr lang="zh-CN" altLang="en-US" sz="1100" dirty="0">
               <a:latin typeface="Times New Roman" panose="02020603050405020304" pitchFamily="18" charset="0"/>
               <a:ea typeface="宋体" panose="02010600030101010101" pitchFamily="2" charset="-122"/>
               <a:cs typeface="Times New Roman" panose="02020603050405020304" pitchFamily="18" charset="0"/>
@@ -5098,34 +4754,20 @@
                 <a:ea typeface="宋体" panose="02010600030101010101" pitchFamily="2" charset="-122"/>
                 <a:cs typeface="Times New Roman" panose="02020603050405020304" pitchFamily="18" charset="0"/>
               </a:rPr>
-              <a:t>D</a:t>
-            </a:r>
-            <a:r>
-              <a:rPr lang="en-AU" sz="900" dirty="0">
+              <a:t>Data unavailable </a:t>
+            </a:r>
+            <a:r>
+              <a:rPr lang="en-US" sz="900" dirty="0">
                 <a:solidFill>
                   <a:srgbClr val="000000"/>
                 </a:solidFill>
-                <a:effectLst/>
-                <a:latin typeface="Times New Roman" panose="02020603050405020304" pitchFamily="18" charset="0"/>
-                <a:ea typeface="宋体" panose="02010600030101010101" pitchFamily="2" charset="-122"/>
-                <a:cs typeface="Times New Roman" panose="02020603050405020304" pitchFamily="18" charset="0"/>
-              </a:rPr>
-              <a:t>ata unavailable </a:t>
-            </a:r>
-            <a:r>
-              <a:rPr lang="en-US" sz="900" dirty="0">
-                <a:solidFill>
-                  <a:srgbClr val="000000"/>
-                </a:solidFill>
-                <a:effectLst/>
                 <a:latin typeface="Times New Roman" panose="02020603050405020304" pitchFamily="18" charset="0"/>
                 <a:ea typeface="宋体" panose="02010600030101010101" pitchFamily="2" charset="-122"/>
                 <a:cs typeface="Times New Roman" panose="02020603050405020304" pitchFamily="18" charset="0"/>
               </a:rPr>
               <a:t>(n = 74)</a:t>
             </a:r>
-            <a:endParaRPr lang="zh-CN" sz="1100" dirty="0">
-              <a:effectLst/>
+            <a:endParaRPr lang="zh-CN" altLang="en-US" sz="1100" dirty="0">
               <a:latin typeface="Times New Roman" panose="02020603050405020304" pitchFamily="18" charset="0"/>
               <a:ea typeface="宋体" panose="02010600030101010101" pitchFamily="2" charset="-122"/>
               <a:cs typeface="Times New Roman" panose="02020603050405020304" pitchFamily="18" charset="0"/>
@@ -5151,8 +4793,8 @@
         </p:nvCxnSpPr>
         <p:spPr>
           <a:xfrm flipH="1">
-            <a:off x="2643737" y="4263229"/>
-            <a:ext cx="2382" cy="565629"/>
+            <a:off x="3520038" y="4358480"/>
+            <a:ext cx="2383" cy="565630"/>
           </a:xfrm>
           <a:prstGeom prst="straightConnector1">
             <a:avLst/>
@@ -5197,8 +4839,8 @@
         </p:nvCxnSpPr>
         <p:spPr>
           <a:xfrm>
-            <a:off x="2646119" y="3108005"/>
-            <a:ext cx="0" cy="628809"/>
+            <a:off x="3522408" y="3203255"/>
+            <a:ext cx="0" cy="628810"/>
           </a:xfrm>
           <a:prstGeom prst="straightConnector1">
             <a:avLst/>
@@ -5243,7 +4885,7 @@
         </p:nvCxnSpPr>
         <p:spPr>
           <a:xfrm>
-            <a:off x="2646119" y="2172015"/>
+            <a:off x="3522408" y="2267276"/>
             <a:ext cx="0" cy="421958"/>
           </a:xfrm>
           <a:prstGeom prst="straightConnector1">
@@ -5289,8 +4931,8 @@
         </p:nvCxnSpPr>
         <p:spPr>
           <a:xfrm flipV="1">
-            <a:off x="3485946" y="1644208"/>
-            <a:ext cx="492679" cy="2662"/>
+            <a:off x="4362233" y="1739469"/>
+            <a:ext cx="492680" cy="2663"/>
           </a:xfrm>
           <a:prstGeom prst="straightConnector1">
             <a:avLst/>
@@ -5335,7 +4977,7 @@
         </p:nvCxnSpPr>
         <p:spPr>
           <a:xfrm>
-            <a:off x="3485946" y="2850989"/>
+            <a:off x="4362233" y="2946251"/>
             <a:ext cx="492680" cy="118"/>
           </a:xfrm>
           <a:prstGeom prst="straightConnector1">
@@ -5381,8 +5023,8 @@
         </p:nvCxnSpPr>
         <p:spPr>
           <a:xfrm>
-            <a:off x="3485946" y="4000022"/>
-            <a:ext cx="492681" cy="2439"/>
+            <a:off x="4362236" y="4095273"/>
+            <a:ext cx="492680" cy="2440"/>
           </a:xfrm>
           <a:prstGeom prst="straightConnector1">
             <a:avLst/>
@@ -5427,8 +5069,8 @@
         </p:nvCxnSpPr>
         <p:spPr>
           <a:xfrm flipV="1">
-            <a:off x="3481181" y="5125049"/>
-            <a:ext cx="497762" cy="36"/>
+            <a:off x="4357480" y="5220301"/>
+            <a:ext cx="497763" cy="35"/>
           </a:xfrm>
           <a:prstGeom prst="straightConnector1">
             <a:avLst/>
